--- a/docs/presentation.pptx
+++ b/docs/presentation.pptx
@@ -5,10 +5,10 @@
     <p:sldMasterId id="2147483648" r:id="rId1"/>
   </p:sldMasterIdLst>
   <p:notesMasterIdLst>
-    <p:notesMasterId r:id="rId36"/>
+    <p:notesMasterId r:id="rId43"/>
   </p:notesMasterIdLst>
   <p:handoutMasterIdLst>
-    <p:handoutMasterId r:id="rId37"/>
+    <p:handoutMasterId r:id="rId44"/>
   </p:handoutMasterIdLst>
   <p:sldIdLst>
     <p:sldId id="257" r:id="rId2"/>
@@ -25,31 +25,38 @@
     <p:sldId id="296" r:id="rId13"/>
     <p:sldId id="278" r:id="rId14"/>
     <p:sldId id="288" r:id="rId15"/>
-    <p:sldId id="289" r:id="rId16"/>
-    <p:sldId id="290" r:id="rId17"/>
-    <p:sldId id="275" r:id="rId18"/>
-    <p:sldId id="300" r:id="rId19"/>
-    <p:sldId id="301" r:id="rId20"/>
-    <p:sldId id="298" r:id="rId21"/>
-    <p:sldId id="299" r:id="rId22"/>
-    <p:sldId id="280" r:id="rId23"/>
-    <p:sldId id="281" r:id="rId24"/>
-    <p:sldId id="282" r:id="rId25"/>
-    <p:sldId id="283" r:id="rId26"/>
-    <p:sldId id="284" r:id="rId27"/>
-    <p:sldId id="273" r:id="rId28"/>
-    <p:sldId id="268" r:id="rId29"/>
-    <p:sldId id="269" r:id="rId30"/>
-    <p:sldId id="270" r:id="rId31"/>
-    <p:sldId id="267" r:id="rId32"/>
-    <p:sldId id="285" r:id="rId33"/>
-    <p:sldId id="274" r:id="rId34"/>
-    <p:sldId id="272" r:id="rId35"/>
+    <p:sldId id="303" r:id="rId16"/>
+    <p:sldId id="305" r:id="rId17"/>
+    <p:sldId id="310" r:id="rId18"/>
+    <p:sldId id="311" r:id="rId19"/>
+    <p:sldId id="308" r:id="rId20"/>
+    <p:sldId id="307" r:id="rId21"/>
+    <p:sldId id="289" r:id="rId22"/>
+    <p:sldId id="290" r:id="rId23"/>
+    <p:sldId id="306" r:id="rId24"/>
+    <p:sldId id="275" r:id="rId25"/>
+    <p:sldId id="300" r:id="rId26"/>
+    <p:sldId id="301" r:id="rId27"/>
+    <p:sldId id="298" r:id="rId28"/>
+    <p:sldId id="299" r:id="rId29"/>
+    <p:sldId id="280" r:id="rId30"/>
+    <p:sldId id="281" r:id="rId31"/>
+    <p:sldId id="282" r:id="rId32"/>
+    <p:sldId id="283" r:id="rId33"/>
+    <p:sldId id="284" r:id="rId34"/>
+    <p:sldId id="273" r:id="rId35"/>
+    <p:sldId id="268" r:id="rId36"/>
+    <p:sldId id="269" r:id="rId37"/>
+    <p:sldId id="270" r:id="rId38"/>
+    <p:sldId id="267" r:id="rId39"/>
+    <p:sldId id="285" r:id="rId40"/>
+    <p:sldId id="274" r:id="rId41"/>
+    <p:sldId id="272" r:id="rId42"/>
   </p:sldIdLst>
   <p:sldSz cx="9144000" cy="5143500" type="screen16x9"/>
   <p:notesSz cx="6858000" cy="9144000"/>
   <p:custDataLst>
-    <p:tags r:id="rId38"/>
+    <p:tags r:id="rId45"/>
   </p:custDataLst>
   <p:defaultTextStyle>
     <a:defPPr>
@@ -3249,7 +3256,7 @@
       </p:grpSpPr>
       <p:sp>
         <p:nvSpPr>
-          <p:cNvPr id="2" name="Folienbildplatzhalter 1"/>
+          <p:cNvPr id="2" name="Slide Image Placeholder 1"/>
           <p:cNvSpPr>
             <a:spLocks noGrp="1" noRot="1" noChangeAspect="1"/>
           </p:cNvSpPr>
@@ -3257,16 +3264,11 @@
             <p:ph type="sldImg"/>
           </p:nvPr>
         </p:nvSpPr>
-        <p:spPr>
-          <a:xfrm>
-            <a:off x="381000" y="685800"/>
-            <a:ext cx="6096000" cy="3429000"/>
-          </a:xfrm>
-        </p:spPr>
-      </p:sp>
-      <p:sp>
-        <p:nvSpPr>
-          <p:cNvPr id="3" name="Notizenplatzhalter 2"/>
+        <p:spPr/>
+      </p:sp>
+      <p:sp>
+        <p:nvSpPr>
+          <p:cNvPr id="3" name="Notes Placeholder 2"/>
           <p:cNvSpPr>
             <a:spLocks noGrp="1"/>
           </p:cNvSpPr>
@@ -3279,18 +3281,18 @@
           <a:bodyPr/>
           <a:lstStyle/>
           <a:p>
-            <a:endParaRPr lang="de-DE" dirty="0"/>
-          </a:p>
-        </p:txBody>
-      </p:sp>
-      <p:sp>
-        <p:nvSpPr>
-          <p:cNvPr id="4" name="Foliennummernplatzhalter 3"/>
+            <a:endParaRPr lang="en-DE" dirty="0"/>
+          </a:p>
+        </p:txBody>
+      </p:sp>
+      <p:sp>
+        <p:nvSpPr>
+          <p:cNvPr id="4" name="Slide Number Placeholder 3"/>
           <p:cNvSpPr>
             <a:spLocks noGrp="1"/>
           </p:cNvSpPr>
           <p:nvPr>
-            <p:ph type="sldNum" sz="quarter" idx="10"/>
+            <p:ph type="sldNum" sz="quarter" idx="5"/>
           </p:nvPr>
         </p:nvSpPr>
         <p:spPr/>
@@ -3300,6 +3302,7 @@
           <a:p>
             <a:fld id="{21202C5B-8273-44D3-A022-3A2C86933C74}" type="slidenum">
               <a:rPr lang="de-DE" smtClean="0"/>
+              <a:pPr/>
               <a:t>15</a:t>
             </a:fld>
             <a:endParaRPr lang="de-DE" dirty="0"/>
@@ -3309,7 +3312,7 @@
     </p:spTree>
     <p:extLst>
       <p:ext uri="{BB962C8B-B14F-4D97-AF65-F5344CB8AC3E}">
-        <p14:creationId xmlns:p14="http://schemas.microsoft.com/office/powerpoint/2010/main" val="259389431"/>
+        <p14:creationId xmlns:p14="http://schemas.microsoft.com/office/powerpoint/2010/main" val="2265180069"/>
       </p:ext>
     </p:extLst>
   </p:cSld>
@@ -3338,7 +3341,7 @@
       </p:grpSpPr>
       <p:sp>
         <p:nvSpPr>
-          <p:cNvPr id="2" name="Folienbildplatzhalter 1"/>
+          <p:cNvPr id="2" name="Slide Image Placeholder 1"/>
           <p:cNvSpPr>
             <a:spLocks noGrp="1" noRot="1" noChangeAspect="1"/>
           </p:cNvSpPr>
@@ -3346,16 +3349,11 @@
             <p:ph type="sldImg"/>
           </p:nvPr>
         </p:nvSpPr>
-        <p:spPr>
-          <a:xfrm>
-            <a:off x="381000" y="685800"/>
-            <a:ext cx="6096000" cy="3429000"/>
-          </a:xfrm>
-        </p:spPr>
-      </p:sp>
-      <p:sp>
-        <p:nvSpPr>
-          <p:cNvPr id="3" name="Notizenplatzhalter 2"/>
+        <p:spPr/>
+      </p:sp>
+      <p:sp>
+        <p:nvSpPr>
+          <p:cNvPr id="3" name="Notes Placeholder 2"/>
           <p:cNvSpPr>
             <a:spLocks noGrp="1"/>
           </p:cNvSpPr>
@@ -3368,18 +3366,18 @@
           <a:bodyPr/>
           <a:lstStyle/>
           <a:p>
-            <a:endParaRPr lang="de-DE" dirty="0"/>
-          </a:p>
-        </p:txBody>
-      </p:sp>
-      <p:sp>
-        <p:nvSpPr>
-          <p:cNvPr id="4" name="Foliennummernplatzhalter 3"/>
+            <a:endParaRPr lang="en-DE" dirty="0"/>
+          </a:p>
+        </p:txBody>
+      </p:sp>
+      <p:sp>
+        <p:nvSpPr>
+          <p:cNvPr id="4" name="Slide Number Placeholder 3"/>
           <p:cNvSpPr>
             <a:spLocks noGrp="1"/>
           </p:cNvSpPr>
           <p:nvPr>
-            <p:ph type="sldNum" sz="quarter" idx="10"/>
+            <p:ph type="sldNum" sz="quarter" idx="5"/>
           </p:nvPr>
         </p:nvSpPr>
         <p:spPr/>
@@ -3389,6 +3387,7 @@
           <a:p>
             <a:fld id="{21202C5B-8273-44D3-A022-3A2C86933C74}" type="slidenum">
               <a:rPr lang="de-DE" smtClean="0"/>
+              <a:pPr/>
               <a:t>16</a:t>
             </a:fld>
             <a:endParaRPr lang="de-DE" dirty="0"/>
@@ -3398,7 +3397,7 @@
     </p:spTree>
     <p:extLst>
       <p:ext uri="{BB962C8B-B14F-4D97-AF65-F5344CB8AC3E}">
-        <p14:creationId xmlns:p14="http://schemas.microsoft.com/office/powerpoint/2010/main" val="2793080510"/>
+        <p14:creationId xmlns:p14="http://schemas.microsoft.com/office/powerpoint/2010/main" val="2288424523"/>
       </p:ext>
     </p:extLst>
   </p:cSld>
@@ -3427,7 +3426,7 @@
       </p:grpSpPr>
       <p:sp>
         <p:nvSpPr>
-          <p:cNvPr id="2" name="Folienbildplatzhalter 1"/>
+          <p:cNvPr id="2" name="Slide Image Placeholder 1"/>
           <p:cNvSpPr>
             <a:spLocks noGrp="1" noRot="1" noChangeAspect="1"/>
           </p:cNvSpPr>
@@ -3435,16 +3434,11 @@
             <p:ph type="sldImg"/>
           </p:nvPr>
         </p:nvSpPr>
-        <p:spPr>
-          <a:xfrm>
-            <a:off x="381000" y="685800"/>
-            <a:ext cx="6096000" cy="3429000"/>
-          </a:xfrm>
-        </p:spPr>
-      </p:sp>
-      <p:sp>
-        <p:nvSpPr>
-          <p:cNvPr id="3" name="Notizenplatzhalter 2"/>
+        <p:spPr/>
+      </p:sp>
+      <p:sp>
+        <p:nvSpPr>
+          <p:cNvPr id="3" name="Notes Placeholder 2"/>
           <p:cNvSpPr>
             <a:spLocks noGrp="1"/>
           </p:cNvSpPr>
@@ -3457,18 +3451,18 @@
           <a:bodyPr/>
           <a:lstStyle/>
           <a:p>
-            <a:endParaRPr lang="de-DE" dirty="0"/>
-          </a:p>
-        </p:txBody>
-      </p:sp>
-      <p:sp>
-        <p:nvSpPr>
-          <p:cNvPr id="4" name="Foliennummernplatzhalter 3"/>
+            <a:endParaRPr lang="en-DE" dirty="0"/>
+          </a:p>
+        </p:txBody>
+      </p:sp>
+      <p:sp>
+        <p:nvSpPr>
+          <p:cNvPr id="4" name="Slide Number Placeholder 3"/>
           <p:cNvSpPr>
             <a:spLocks noGrp="1"/>
           </p:cNvSpPr>
           <p:nvPr>
-            <p:ph type="sldNum" sz="quarter" idx="10"/>
+            <p:ph type="sldNum" sz="quarter" idx="5"/>
           </p:nvPr>
         </p:nvSpPr>
         <p:spPr/>
@@ -3478,6 +3472,7 @@
           <a:p>
             <a:fld id="{21202C5B-8273-44D3-A022-3A2C86933C74}" type="slidenum">
               <a:rPr lang="de-DE" smtClean="0"/>
+              <a:pPr/>
               <a:t>17</a:t>
             </a:fld>
             <a:endParaRPr lang="de-DE" dirty="0"/>
@@ -3487,7 +3482,7 @@
     </p:spTree>
     <p:extLst>
       <p:ext uri="{BB962C8B-B14F-4D97-AF65-F5344CB8AC3E}">
-        <p14:creationId xmlns:p14="http://schemas.microsoft.com/office/powerpoint/2010/main" val="2197719050"/>
+        <p14:creationId xmlns:p14="http://schemas.microsoft.com/office/powerpoint/2010/main" val="2381840296"/>
       </p:ext>
     </p:extLst>
   </p:cSld>
@@ -3563,7 +3558,7 @@
             <a:fld id="{21202C5B-8273-44D3-A022-3A2C86933C74}" type="slidenum">
               <a:rPr lang="de-DE" smtClean="0"/>
               <a:pPr/>
-              <a:t>20</a:t>
+              <a:t>18</a:t>
             </a:fld>
             <a:endParaRPr lang="de-DE" dirty="0"/>
           </a:p>
@@ -3572,7 +3567,7 @@
     </p:spTree>
     <p:extLst>
       <p:ext uri="{BB962C8B-B14F-4D97-AF65-F5344CB8AC3E}">
-        <p14:creationId xmlns:p14="http://schemas.microsoft.com/office/powerpoint/2010/main" val="2275854556"/>
+        <p14:creationId xmlns:p14="http://schemas.microsoft.com/office/powerpoint/2010/main" val="1474517789"/>
       </p:ext>
     </p:extLst>
   </p:cSld>
@@ -3648,7 +3643,7 @@
             <a:fld id="{21202C5B-8273-44D3-A022-3A2C86933C74}" type="slidenum">
               <a:rPr lang="de-DE" smtClean="0"/>
               <a:pPr/>
-              <a:t>21</a:t>
+              <a:t>19</a:t>
             </a:fld>
             <a:endParaRPr lang="de-DE" dirty="0"/>
           </a:p>
@@ -3657,7 +3652,7 @@
     </p:spTree>
     <p:extLst>
       <p:ext uri="{BB962C8B-B14F-4D97-AF65-F5344CB8AC3E}">
-        <p14:creationId xmlns:p14="http://schemas.microsoft.com/office/powerpoint/2010/main" val="2334976758"/>
+        <p14:creationId xmlns:p14="http://schemas.microsoft.com/office/powerpoint/2010/main" val="951512131"/>
       </p:ext>
     </p:extLst>
   </p:cSld>
@@ -3686,7 +3681,7 @@
       </p:grpSpPr>
       <p:sp>
         <p:nvSpPr>
-          <p:cNvPr id="2" name="Folienbildplatzhalter 1"/>
+          <p:cNvPr id="2" name="Slide Image Placeholder 1"/>
           <p:cNvSpPr>
             <a:spLocks noGrp="1" noRot="1" noChangeAspect="1"/>
           </p:cNvSpPr>
@@ -3694,16 +3689,11 @@
             <p:ph type="sldImg"/>
           </p:nvPr>
         </p:nvSpPr>
-        <p:spPr>
-          <a:xfrm>
-            <a:off x="381000" y="685800"/>
-            <a:ext cx="6096000" cy="3429000"/>
-          </a:xfrm>
-        </p:spPr>
-      </p:sp>
-      <p:sp>
-        <p:nvSpPr>
-          <p:cNvPr id="3" name="Notizenplatzhalter 2"/>
+        <p:spPr/>
+      </p:sp>
+      <p:sp>
+        <p:nvSpPr>
+          <p:cNvPr id="3" name="Notes Placeholder 2"/>
           <p:cNvSpPr>
             <a:spLocks noGrp="1"/>
           </p:cNvSpPr>
@@ -3716,18 +3706,18 @@
           <a:bodyPr/>
           <a:lstStyle/>
           <a:p>
-            <a:endParaRPr lang="de-DE" dirty="0"/>
-          </a:p>
-        </p:txBody>
-      </p:sp>
-      <p:sp>
-        <p:nvSpPr>
-          <p:cNvPr id="4" name="Foliennummernplatzhalter 3"/>
+            <a:endParaRPr lang="en-DE" dirty="0"/>
+          </a:p>
+        </p:txBody>
+      </p:sp>
+      <p:sp>
+        <p:nvSpPr>
+          <p:cNvPr id="4" name="Slide Number Placeholder 3"/>
           <p:cNvSpPr>
             <a:spLocks noGrp="1"/>
           </p:cNvSpPr>
           <p:nvPr>
-            <p:ph type="sldNum" sz="quarter" idx="10"/>
+            <p:ph type="sldNum" sz="quarter" idx="5"/>
           </p:nvPr>
         </p:nvSpPr>
         <p:spPr/>
@@ -3737,7 +3727,8 @@
           <a:p>
             <a:fld id="{21202C5B-8273-44D3-A022-3A2C86933C74}" type="slidenum">
               <a:rPr lang="de-DE" smtClean="0"/>
-              <a:t>27</a:t>
+              <a:pPr/>
+              <a:t>20</a:t>
             </a:fld>
             <a:endParaRPr lang="de-DE" dirty="0"/>
           </a:p>
@@ -3746,7 +3737,7 @@
     </p:spTree>
     <p:extLst>
       <p:ext uri="{BB962C8B-B14F-4D97-AF65-F5344CB8AC3E}">
-        <p14:creationId xmlns:p14="http://schemas.microsoft.com/office/powerpoint/2010/main" val="2488775417"/>
+        <p14:creationId xmlns:p14="http://schemas.microsoft.com/office/powerpoint/2010/main" val="1365707396"/>
       </p:ext>
     </p:extLst>
   </p:cSld>
@@ -3915,7 +3906,7 @@
           <a:p>
             <a:fld id="{21202C5B-8273-44D3-A022-3A2C86933C74}" type="slidenum">
               <a:rPr lang="de-DE" smtClean="0"/>
-              <a:t>28</a:t>
+              <a:t>21</a:t>
             </a:fld>
             <a:endParaRPr lang="de-DE" dirty="0"/>
           </a:p>
@@ -3924,7 +3915,7 @@
     </p:spTree>
     <p:extLst>
       <p:ext uri="{BB962C8B-B14F-4D97-AF65-F5344CB8AC3E}">
-        <p14:creationId xmlns:p14="http://schemas.microsoft.com/office/powerpoint/2010/main" val="4020941488"/>
+        <p14:creationId xmlns:p14="http://schemas.microsoft.com/office/powerpoint/2010/main" val="259389431"/>
       </p:ext>
     </p:extLst>
   </p:cSld>
@@ -4004,7 +3995,7 @@
           <a:p>
             <a:fld id="{21202C5B-8273-44D3-A022-3A2C86933C74}" type="slidenum">
               <a:rPr lang="de-DE" smtClean="0"/>
-              <a:t>29</a:t>
+              <a:t>22</a:t>
             </a:fld>
             <a:endParaRPr lang="de-DE" dirty="0"/>
           </a:p>
@@ -4013,7 +4004,7 @@
     </p:spTree>
     <p:extLst>
       <p:ext uri="{BB962C8B-B14F-4D97-AF65-F5344CB8AC3E}">
-        <p14:creationId xmlns:p14="http://schemas.microsoft.com/office/powerpoint/2010/main" val="1276815665"/>
+        <p14:creationId xmlns:p14="http://schemas.microsoft.com/office/powerpoint/2010/main" val="2793080510"/>
       </p:ext>
     </p:extLst>
   </p:cSld>
@@ -4042,7 +4033,7 @@
       </p:grpSpPr>
       <p:sp>
         <p:nvSpPr>
-          <p:cNvPr id="2" name="Folienbildplatzhalter 1"/>
+          <p:cNvPr id="2" name="Slide Image Placeholder 1"/>
           <p:cNvSpPr>
             <a:spLocks noGrp="1" noRot="1" noChangeAspect="1"/>
           </p:cNvSpPr>
@@ -4050,16 +4041,11 @@
             <p:ph type="sldImg"/>
           </p:nvPr>
         </p:nvSpPr>
-        <p:spPr>
-          <a:xfrm>
-            <a:off x="381000" y="685800"/>
-            <a:ext cx="6096000" cy="3429000"/>
-          </a:xfrm>
-        </p:spPr>
-      </p:sp>
-      <p:sp>
-        <p:nvSpPr>
-          <p:cNvPr id="3" name="Notizenplatzhalter 2"/>
+        <p:spPr/>
+      </p:sp>
+      <p:sp>
+        <p:nvSpPr>
+          <p:cNvPr id="3" name="Notes Placeholder 2"/>
           <p:cNvSpPr>
             <a:spLocks noGrp="1"/>
           </p:cNvSpPr>
@@ -4072,18 +4058,18 @@
           <a:bodyPr/>
           <a:lstStyle/>
           <a:p>
-            <a:endParaRPr lang="de-DE" dirty="0"/>
-          </a:p>
-        </p:txBody>
-      </p:sp>
-      <p:sp>
-        <p:nvSpPr>
-          <p:cNvPr id="4" name="Foliennummernplatzhalter 3"/>
+            <a:endParaRPr lang="en-DE" dirty="0"/>
+          </a:p>
+        </p:txBody>
+      </p:sp>
+      <p:sp>
+        <p:nvSpPr>
+          <p:cNvPr id="4" name="Slide Number Placeholder 3"/>
           <p:cNvSpPr>
             <a:spLocks noGrp="1"/>
           </p:cNvSpPr>
           <p:nvPr>
-            <p:ph type="sldNum" sz="quarter" idx="10"/>
+            <p:ph type="sldNum" sz="quarter" idx="5"/>
           </p:nvPr>
         </p:nvSpPr>
         <p:spPr/>
@@ -4093,7 +4079,8 @@
           <a:p>
             <a:fld id="{21202C5B-8273-44D3-A022-3A2C86933C74}" type="slidenum">
               <a:rPr lang="de-DE" smtClean="0"/>
-              <a:t>30</a:t>
+              <a:pPr/>
+              <a:t>23</a:t>
             </a:fld>
             <a:endParaRPr lang="de-DE" dirty="0"/>
           </a:p>
@@ -4102,7 +4089,7 @@
     </p:spTree>
     <p:extLst>
       <p:ext uri="{BB962C8B-B14F-4D97-AF65-F5344CB8AC3E}">
-        <p14:creationId xmlns:p14="http://schemas.microsoft.com/office/powerpoint/2010/main" val="1558749843"/>
+        <p14:creationId xmlns:p14="http://schemas.microsoft.com/office/powerpoint/2010/main" val="562769703"/>
       </p:ext>
     </p:extLst>
   </p:cSld>
@@ -4182,7 +4169,7 @@
           <a:p>
             <a:fld id="{21202C5B-8273-44D3-A022-3A2C86933C74}" type="slidenum">
               <a:rPr lang="de-DE" smtClean="0"/>
-              <a:t>31</a:t>
+              <a:t>24</a:t>
             </a:fld>
             <a:endParaRPr lang="de-DE" dirty="0"/>
           </a:p>
@@ -4191,7 +4178,7 @@
     </p:spTree>
     <p:extLst>
       <p:ext uri="{BB962C8B-B14F-4D97-AF65-F5344CB8AC3E}">
-        <p14:creationId xmlns:p14="http://schemas.microsoft.com/office/powerpoint/2010/main" val="1901420439"/>
+        <p14:creationId xmlns:p14="http://schemas.microsoft.com/office/powerpoint/2010/main" val="2197719050"/>
       </p:ext>
     </p:extLst>
   </p:cSld>
@@ -4220,7 +4207,7 @@
       </p:grpSpPr>
       <p:sp>
         <p:nvSpPr>
-          <p:cNvPr id="2" name="Folienbildplatzhalter 1"/>
+          <p:cNvPr id="2" name="Slide Image Placeholder 1"/>
           <p:cNvSpPr>
             <a:spLocks noGrp="1" noRot="1" noChangeAspect="1"/>
           </p:cNvSpPr>
@@ -4228,16 +4215,11 @@
             <p:ph type="sldImg"/>
           </p:nvPr>
         </p:nvSpPr>
-        <p:spPr>
-          <a:xfrm>
-            <a:off x="381000" y="685800"/>
-            <a:ext cx="6096000" cy="3429000"/>
-          </a:xfrm>
-        </p:spPr>
-      </p:sp>
-      <p:sp>
-        <p:nvSpPr>
-          <p:cNvPr id="3" name="Notizenplatzhalter 2"/>
+        <p:spPr/>
+      </p:sp>
+      <p:sp>
+        <p:nvSpPr>
+          <p:cNvPr id="3" name="Notes Placeholder 2"/>
           <p:cNvSpPr>
             <a:spLocks noGrp="1"/>
           </p:cNvSpPr>
@@ -4250,18 +4232,18 @@
           <a:bodyPr/>
           <a:lstStyle/>
           <a:p>
-            <a:endParaRPr lang="de-DE" dirty="0"/>
-          </a:p>
-        </p:txBody>
-      </p:sp>
-      <p:sp>
-        <p:nvSpPr>
-          <p:cNvPr id="4" name="Foliennummernplatzhalter 3"/>
+            <a:endParaRPr lang="en-DE" dirty="0"/>
+          </a:p>
+        </p:txBody>
+      </p:sp>
+      <p:sp>
+        <p:nvSpPr>
+          <p:cNvPr id="4" name="Slide Number Placeholder 3"/>
           <p:cNvSpPr>
             <a:spLocks noGrp="1"/>
           </p:cNvSpPr>
           <p:nvPr>
-            <p:ph type="sldNum" sz="quarter" idx="10"/>
+            <p:ph type="sldNum" sz="quarter" idx="5"/>
           </p:nvPr>
         </p:nvSpPr>
         <p:spPr/>
@@ -4271,7 +4253,8 @@
           <a:p>
             <a:fld id="{21202C5B-8273-44D3-A022-3A2C86933C74}" type="slidenum">
               <a:rPr lang="de-DE" smtClean="0"/>
-              <a:t>32</a:t>
+              <a:pPr/>
+              <a:t>27</a:t>
             </a:fld>
             <a:endParaRPr lang="de-DE" dirty="0"/>
           </a:p>
@@ -4280,7 +4263,7 @@
     </p:spTree>
     <p:extLst>
       <p:ext uri="{BB962C8B-B14F-4D97-AF65-F5344CB8AC3E}">
-        <p14:creationId xmlns:p14="http://schemas.microsoft.com/office/powerpoint/2010/main" val="2664843108"/>
+        <p14:creationId xmlns:p14="http://schemas.microsoft.com/office/powerpoint/2010/main" val="2275854556"/>
       </p:ext>
     </p:extLst>
   </p:cSld>
@@ -4309,7 +4292,7 @@
       </p:grpSpPr>
       <p:sp>
         <p:nvSpPr>
-          <p:cNvPr id="2" name="Folienbildplatzhalter 1"/>
+          <p:cNvPr id="2" name="Slide Image Placeholder 1"/>
           <p:cNvSpPr>
             <a:spLocks noGrp="1" noRot="1" noChangeAspect="1"/>
           </p:cNvSpPr>
@@ -4317,16 +4300,11 @@
             <p:ph type="sldImg"/>
           </p:nvPr>
         </p:nvSpPr>
-        <p:spPr>
-          <a:xfrm>
-            <a:off x="381000" y="685800"/>
-            <a:ext cx="6096000" cy="3429000"/>
-          </a:xfrm>
-        </p:spPr>
-      </p:sp>
-      <p:sp>
-        <p:nvSpPr>
-          <p:cNvPr id="3" name="Notizenplatzhalter 2"/>
+        <p:spPr/>
+      </p:sp>
+      <p:sp>
+        <p:nvSpPr>
+          <p:cNvPr id="3" name="Notes Placeholder 2"/>
           <p:cNvSpPr>
             <a:spLocks noGrp="1"/>
           </p:cNvSpPr>
@@ -4339,18 +4317,18 @@
           <a:bodyPr/>
           <a:lstStyle/>
           <a:p>
-            <a:endParaRPr lang="de-DE" dirty="0"/>
-          </a:p>
-        </p:txBody>
-      </p:sp>
-      <p:sp>
-        <p:nvSpPr>
-          <p:cNvPr id="4" name="Foliennummernplatzhalter 3"/>
+            <a:endParaRPr lang="en-DE" dirty="0"/>
+          </a:p>
+        </p:txBody>
+      </p:sp>
+      <p:sp>
+        <p:nvSpPr>
+          <p:cNvPr id="4" name="Slide Number Placeholder 3"/>
           <p:cNvSpPr>
             <a:spLocks noGrp="1"/>
           </p:cNvSpPr>
           <p:nvPr>
-            <p:ph type="sldNum" sz="quarter" idx="10"/>
+            <p:ph type="sldNum" sz="quarter" idx="5"/>
           </p:nvPr>
         </p:nvSpPr>
         <p:spPr/>
@@ -4360,7 +4338,8 @@
           <a:p>
             <a:fld id="{21202C5B-8273-44D3-A022-3A2C86933C74}" type="slidenum">
               <a:rPr lang="de-DE" smtClean="0"/>
-              <a:t>33</a:t>
+              <a:pPr/>
+              <a:t>28</a:t>
             </a:fld>
             <a:endParaRPr lang="de-DE" dirty="0"/>
           </a:p>
@@ -4369,7 +4348,7 @@
     </p:spTree>
     <p:extLst>
       <p:ext uri="{BB962C8B-B14F-4D97-AF65-F5344CB8AC3E}">
-        <p14:creationId xmlns:p14="http://schemas.microsoft.com/office/powerpoint/2010/main" val="848189110"/>
+        <p14:creationId xmlns:p14="http://schemas.microsoft.com/office/powerpoint/2010/main" val="2334976758"/>
       </p:ext>
     </p:extLst>
   </p:cSld>
@@ -4458,7 +4437,274 @@
     </p:spTree>
     <p:extLst>
       <p:ext uri="{BB962C8B-B14F-4D97-AF65-F5344CB8AC3E}">
-        <p14:creationId xmlns:p14="http://schemas.microsoft.com/office/powerpoint/2010/main" val="1238048498"/>
+        <p14:creationId xmlns:p14="http://schemas.microsoft.com/office/powerpoint/2010/main" val="2488775417"/>
+      </p:ext>
+    </p:extLst>
+  </p:cSld>
+  <p:clrMapOvr>
+    <a:masterClrMapping/>
+  </p:clrMapOvr>
+</p:notes>
+</file>
+
+<file path=ppt/notesSlides/notesSlide27.xml><?xml version="1.0" encoding="utf-8"?>
+<p:notes xmlns:a="http://schemas.openxmlformats.org/drawingml/2006/main" xmlns:r="http://schemas.openxmlformats.org/officeDocument/2006/relationships" xmlns:p="http://schemas.openxmlformats.org/presentationml/2006/main">
+  <p:cSld>
+    <p:spTree>
+      <p:nvGrpSpPr>
+        <p:cNvPr id="1" name=""/>
+        <p:cNvGrpSpPr/>
+        <p:nvPr/>
+      </p:nvGrpSpPr>
+      <p:grpSpPr>
+        <a:xfrm>
+          <a:off x="0" y="0"/>
+          <a:ext cx="0" cy="0"/>
+          <a:chOff x="0" y="0"/>
+          <a:chExt cx="0" cy="0"/>
+        </a:xfrm>
+      </p:grpSpPr>
+      <p:sp>
+        <p:nvSpPr>
+          <p:cNvPr id="2" name="Folienbildplatzhalter 1"/>
+          <p:cNvSpPr>
+            <a:spLocks noGrp="1" noRot="1" noChangeAspect="1"/>
+          </p:cNvSpPr>
+          <p:nvPr>
+            <p:ph type="sldImg"/>
+          </p:nvPr>
+        </p:nvSpPr>
+        <p:spPr>
+          <a:xfrm>
+            <a:off x="381000" y="685800"/>
+            <a:ext cx="6096000" cy="3429000"/>
+          </a:xfrm>
+        </p:spPr>
+      </p:sp>
+      <p:sp>
+        <p:nvSpPr>
+          <p:cNvPr id="3" name="Notizenplatzhalter 2"/>
+          <p:cNvSpPr>
+            <a:spLocks noGrp="1"/>
+          </p:cNvSpPr>
+          <p:nvPr>
+            <p:ph type="body" idx="1"/>
+          </p:nvPr>
+        </p:nvSpPr>
+        <p:spPr/>
+        <p:txBody>
+          <a:bodyPr/>
+          <a:lstStyle/>
+          <a:p>
+            <a:endParaRPr lang="de-DE" dirty="0"/>
+          </a:p>
+        </p:txBody>
+      </p:sp>
+      <p:sp>
+        <p:nvSpPr>
+          <p:cNvPr id="4" name="Foliennummernplatzhalter 3"/>
+          <p:cNvSpPr>
+            <a:spLocks noGrp="1"/>
+          </p:cNvSpPr>
+          <p:nvPr>
+            <p:ph type="sldNum" sz="quarter" idx="10"/>
+          </p:nvPr>
+        </p:nvSpPr>
+        <p:spPr/>
+        <p:txBody>
+          <a:bodyPr/>
+          <a:lstStyle/>
+          <a:p>
+            <a:fld id="{21202C5B-8273-44D3-A022-3A2C86933C74}" type="slidenum">
+              <a:rPr lang="de-DE" smtClean="0"/>
+              <a:t>35</a:t>
+            </a:fld>
+            <a:endParaRPr lang="de-DE" dirty="0"/>
+          </a:p>
+        </p:txBody>
+      </p:sp>
+    </p:spTree>
+    <p:extLst>
+      <p:ext uri="{BB962C8B-B14F-4D97-AF65-F5344CB8AC3E}">
+        <p14:creationId xmlns:p14="http://schemas.microsoft.com/office/powerpoint/2010/main" val="4020941488"/>
+      </p:ext>
+    </p:extLst>
+  </p:cSld>
+  <p:clrMapOvr>
+    <a:masterClrMapping/>
+  </p:clrMapOvr>
+</p:notes>
+</file>
+
+<file path=ppt/notesSlides/notesSlide28.xml><?xml version="1.0" encoding="utf-8"?>
+<p:notes xmlns:a="http://schemas.openxmlformats.org/drawingml/2006/main" xmlns:r="http://schemas.openxmlformats.org/officeDocument/2006/relationships" xmlns:p="http://schemas.openxmlformats.org/presentationml/2006/main">
+  <p:cSld>
+    <p:spTree>
+      <p:nvGrpSpPr>
+        <p:cNvPr id="1" name=""/>
+        <p:cNvGrpSpPr/>
+        <p:nvPr/>
+      </p:nvGrpSpPr>
+      <p:grpSpPr>
+        <a:xfrm>
+          <a:off x="0" y="0"/>
+          <a:ext cx="0" cy="0"/>
+          <a:chOff x="0" y="0"/>
+          <a:chExt cx="0" cy="0"/>
+        </a:xfrm>
+      </p:grpSpPr>
+      <p:sp>
+        <p:nvSpPr>
+          <p:cNvPr id="2" name="Folienbildplatzhalter 1"/>
+          <p:cNvSpPr>
+            <a:spLocks noGrp="1" noRot="1" noChangeAspect="1"/>
+          </p:cNvSpPr>
+          <p:nvPr>
+            <p:ph type="sldImg"/>
+          </p:nvPr>
+        </p:nvSpPr>
+        <p:spPr>
+          <a:xfrm>
+            <a:off x="381000" y="685800"/>
+            <a:ext cx="6096000" cy="3429000"/>
+          </a:xfrm>
+        </p:spPr>
+      </p:sp>
+      <p:sp>
+        <p:nvSpPr>
+          <p:cNvPr id="3" name="Notizenplatzhalter 2"/>
+          <p:cNvSpPr>
+            <a:spLocks noGrp="1"/>
+          </p:cNvSpPr>
+          <p:nvPr>
+            <p:ph type="body" idx="1"/>
+          </p:nvPr>
+        </p:nvSpPr>
+        <p:spPr/>
+        <p:txBody>
+          <a:bodyPr/>
+          <a:lstStyle/>
+          <a:p>
+            <a:endParaRPr lang="de-DE" dirty="0"/>
+          </a:p>
+        </p:txBody>
+      </p:sp>
+      <p:sp>
+        <p:nvSpPr>
+          <p:cNvPr id="4" name="Foliennummernplatzhalter 3"/>
+          <p:cNvSpPr>
+            <a:spLocks noGrp="1"/>
+          </p:cNvSpPr>
+          <p:nvPr>
+            <p:ph type="sldNum" sz="quarter" idx="10"/>
+          </p:nvPr>
+        </p:nvSpPr>
+        <p:spPr/>
+        <p:txBody>
+          <a:bodyPr/>
+          <a:lstStyle/>
+          <a:p>
+            <a:fld id="{21202C5B-8273-44D3-A022-3A2C86933C74}" type="slidenum">
+              <a:rPr lang="de-DE" smtClean="0"/>
+              <a:t>36</a:t>
+            </a:fld>
+            <a:endParaRPr lang="de-DE" dirty="0"/>
+          </a:p>
+        </p:txBody>
+      </p:sp>
+    </p:spTree>
+    <p:extLst>
+      <p:ext uri="{BB962C8B-B14F-4D97-AF65-F5344CB8AC3E}">
+        <p14:creationId xmlns:p14="http://schemas.microsoft.com/office/powerpoint/2010/main" val="1276815665"/>
+      </p:ext>
+    </p:extLst>
+  </p:cSld>
+  <p:clrMapOvr>
+    <a:masterClrMapping/>
+  </p:clrMapOvr>
+</p:notes>
+</file>
+
+<file path=ppt/notesSlides/notesSlide29.xml><?xml version="1.0" encoding="utf-8"?>
+<p:notes xmlns:a="http://schemas.openxmlformats.org/drawingml/2006/main" xmlns:r="http://schemas.openxmlformats.org/officeDocument/2006/relationships" xmlns:p="http://schemas.openxmlformats.org/presentationml/2006/main">
+  <p:cSld>
+    <p:spTree>
+      <p:nvGrpSpPr>
+        <p:cNvPr id="1" name=""/>
+        <p:cNvGrpSpPr/>
+        <p:nvPr/>
+      </p:nvGrpSpPr>
+      <p:grpSpPr>
+        <a:xfrm>
+          <a:off x="0" y="0"/>
+          <a:ext cx="0" cy="0"/>
+          <a:chOff x="0" y="0"/>
+          <a:chExt cx="0" cy="0"/>
+        </a:xfrm>
+      </p:grpSpPr>
+      <p:sp>
+        <p:nvSpPr>
+          <p:cNvPr id="2" name="Folienbildplatzhalter 1"/>
+          <p:cNvSpPr>
+            <a:spLocks noGrp="1" noRot="1" noChangeAspect="1"/>
+          </p:cNvSpPr>
+          <p:nvPr>
+            <p:ph type="sldImg"/>
+          </p:nvPr>
+        </p:nvSpPr>
+        <p:spPr>
+          <a:xfrm>
+            <a:off x="381000" y="685800"/>
+            <a:ext cx="6096000" cy="3429000"/>
+          </a:xfrm>
+        </p:spPr>
+      </p:sp>
+      <p:sp>
+        <p:nvSpPr>
+          <p:cNvPr id="3" name="Notizenplatzhalter 2"/>
+          <p:cNvSpPr>
+            <a:spLocks noGrp="1"/>
+          </p:cNvSpPr>
+          <p:nvPr>
+            <p:ph type="body" idx="1"/>
+          </p:nvPr>
+        </p:nvSpPr>
+        <p:spPr/>
+        <p:txBody>
+          <a:bodyPr/>
+          <a:lstStyle/>
+          <a:p>
+            <a:endParaRPr lang="de-DE" dirty="0"/>
+          </a:p>
+        </p:txBody>
+      </p:sp>
+      <p:sp>
+        <p:nvSpPr>
+          <p:cNvPr id="4" name="Foliennummernplatzhalter 3"/>
+          <p:cNvSpPr>
+            <a:spLocks noGrp="1"/>
+          </p:cNvSpPr>
+          <p:nvPr>
+            <p:ph type="sldNum" sz="quarter" idx="10"/>
+          </p:nvPr>
+        </p:nvSpPr>
+        <p:spPr/>
+        <p:txBody>
+          <a:bodyPr/>
+          <a:lstStyle/>
+          <a:p>
+            <a:fld id="{21202C5B-8273-44D3-A022-3A2C86933C74}" type="slidenum">
+              <a:rPr lang="de-DE" smtClean="0"/>
+              <a:t>37</a:t>
+            </a:fld>
+            <a:endParaRPr lang="de-DE" dirty="0"/>
+          </a:p>
+        </p:txBody>
+      </p:sp>
+    </p:spTree>
+    <p:extLst>
+      <p:ext uri="{BB962C8B-B14F-4D97-AF65-F5344CB8AC3E}">
+        <p14:creationId xmlns:p14="http://schemas.microsoft.com/office/powerpoint/2010/main" val="1558749843"/>
       </p:ext>
     </p:extLst>
   </p:cSld>
@@ -4544,6 +4790,362 @@
     <p:extLst>
       <p:ext uri="{BB962C8B-B14F-4D97-AF65-F5344CB8AC3E}">
         <p14:creationId xmlns:p14="http://schemas.microsoft.com/office/powerpoint/2010/main" val="1082494813"/>
+      </p:ext>
+    </p:extLst>
+  </p:cSld>
+  <p:clrMapOvr>
+    <a:masterClrMapping/>
+  </p:clrMapOvr>
+</p:notes>
+</file>
+
+<file path=ppt/notesSlides/notesSlide30.xml><?xml version="1.0" encoding="utf-8"?>
+<p:notes xmlns:a="http://schemas.openxmlformats.org/drawingml/2006/main" xmlns:r="http://schemas.openxmlformats.org/officeDocument/2006/relationships" xmlns:p="http://schemas.openxmlformats.org/presentationml/2006/main">
+  <p:cSld>
+    <p:spTree>
+      <p:nvGrpSpPr>
+        <p:cNvPr id="1" name=""/>
+        <p:cNvGrpSpPr/>
+        <p:nvPr/>
+      </p:nvGrpSpPr>
+      <p:grpSpPr>
+        <a:xfrm>
+          <a:off x="0" y="0"/>
+          <a:ext cx="0" cy="0"/>
+          <a:chOff x="0" y="0"/>
+          <a:chExt cx="0" cy="0"/>
+        </a:xfrm>
+      </p:grpSpPr>
+      <p:sp>
+        <p:nvSpPr>
+          <p:cNvPr id="2" name="Folienbildplatzhalter 1"/>
+          <p:cNvSpPr>
+            <a:spLocks noGrp="1" noRot="1" noChangeAspect="1"/>
+          </p:cNvSpPr>
+          <p:nvPr>
+            <p:ph type="sldImg"/>
+          </p:nvPr>
+        </p:nvSpPr>
+        <p:spPr>
+          <a:xfrm>
+            <a:off x="381000" y="685800"/>
+            <a:ext cx="6096000" cy="3429000"/>
+          </a:xfrm>
+        </p:spPr>
+      </p:sp>
+      <p:sp>
+        <p:nvSpPr>
+          <p:cNvPr id="3" name="Notizenplatzhalter 2"/>
+          <p:cNvSpPr>
+            <a:spLocks noGrp="1"/>
+          </p:cNvSpPr>
+          <p:nvPr>
+            <p:ph type="body" idx="1"/>
+          </p:nvPr>
+        </p:nvSpPr>
+        <p:spPr/>
+        <p:txBody>
+          <a:bodyPr/>
+          <a:lstStyle/>
+          <a:p>
+            <a:endParaRPr lang="de-DE" dirty="0"/>
+          </a:p>
+        </p:txBody>
+      </p:sp>
+      <p:sp>
+        <p:nvSpPr>
+          <p:cNvPr id="4" name="Foliennummernplatzhalter 3"/>
+          <p:cNvSpPr>
+            <a:spLocks noGrp="1"/>
+          </p:cNvSpPr>
+          <p:nvPr>
+            <p:ph type="sldNum" sz="quarter" idx="10"/>
+          </p:nvPr>
+        </p:nvSpPr>
+        <p:spPr/>
+        <p:txBody>
+          <a:bodyPr/>
+          <a:lstStyle/>
+          <a:p>
+            <a:fld id="{21202C5B-8273-44D3-A022-3A2C86933C74}" type="slidenum">
+              <a:rPr lang="de-DE" smtClean="0"/>
+              <a:t>38</a:t>
+            </a:fld>
+            <a:endParaRPr lang="de-DE" dirty="0"/>
+          </a:p>
+        </p:txBody>
+      </p:sp>
+    </p:spTree>
+    <p:extLst>
+      <p:ext uri="{BB962C8B-B14F-4D97-AF65-F5344CB8AC3E}">
+        <p14:creationId xmlns:p14="http://schemas.microsoft.com/office/powerpoint/2010/main" val="1901420439"/>
+      </p:ext>
+    </p:extLst>
+  </p:cSld>
+  <p:clrMapOvr>
+    <a:masterClrMapping/>
+  </p:clrMapOvr>
+</p:notes>
+</file>
+
+<file path=ppt/notesSlides/notesSlide31.xml><?xml version="1.0" encoding="utf-8"?>
+<p:notes xmlns:a="http://schemas.openxmlformats.org/drawingml/2006/main" xmlns:r="http://schemas.openxmlformats.org/officeDocument/2006/relationships" xmlns:p="http://schemas.openxmlformats.org/presentationml/2006/main">
+  <p:cSld>
+    <p:spTree>
+      <p:nvGrpSpPr>
+        <p:cNvPr id="1" name=""/>
+        <p:cNvGrpSpPr/>
+        <p:nvPr/>
+      </p:nvGrpSpPr>
+      <p:grpSpPr>
+        <a:xfrm>
+          <a:off x="0" y="0"/>
+          <a:ext cx="0" cy="0"/>
+          <a:chOff x="0" y="0"/>
+          <a:chExt cx="0" cy="0"/>
+        </a:xfrm>
+      </p:grpSpPr>
+      <p:sp>
+        <p:nvSpPr>
+          <p:cNvPr id="2" name="Folienbildplatzhalter 1"/>
+          <p:cNvSpPr>
+            <a:spLocks noGrp="1" noRot="1" noChangeAspect="1"/>
+          </p:cNvSpPr>
+          <p:nvPr>
+            <p:ph type="sldImg"/>
+          </p:nvPr>
+        </p:nvSpPr>
+        <p:spPr>
+          <a:xfrm>
+            <a:off x="381000" y="685800"/>
+            <a:ext cx="6096000" cy="3429000"/>
+          </a:xfrm>
+        </p:spPr>
+      </p:sp>
+      <p:sp>
+        <p:nvSpPr>
+          <p:cNvPr id="3" name="Notizenplatzhalter 2"/>
+          <p:cNvSpPr>
+            <a:spLocks noGrp="1"/>
+          </p:cNvSpPr>
+          <p:nvPr>
+            <p:ph type="body" idx="1"/>
+          </p:nvPr>
+        </p:nvSpPr>
+        <p:spPr/>
+        <p:txBody>
+          <a:bodyPr/>
+          <a:lstStyle/>
+          <a:p>
+            <a:endParaRPr lang="de-DE" dirty="0"/>
+          </a:p>
+        </p:txBody>
+      </p:sp>
+      <p:sp>
+        <p:nvSpPr>
+          <p:cNvPr id="4" name="Foliennummernplatzhalter 3"/>
+          <p:cNvSpPr>
+            <a:spLocks noGrp="1"/>
+          </p:cNvSpPr>
+          <p:nvPr>
+            <p:ph type="sldNum" sz="quarter" idx="10"/>
+          </p:nvPr>
+        </p:nvSpPr>
+        <p:spPr/>
+        <p:txBody>
+          <a:bodyPr/>
+          <a:lstStyle/>
+          <a:p>
+            <a:fld id="{21202C5B-8273-44D3-A022-3A2C86933C74}" type="slidenum">
+              <a:rPr lang="de-DE" smtClean="0"/>
+              <a:t>39</a:t>
+            </a:fld>
+            <a:endParaRPr lang="de-DE" dirty="0"/>
+          </a:p>
+        </p:txBody>
+      </p:sp>
+    </p:spTree>
+    <p:extLst>
+      <p:ext uri="{BB962C8B-B14F-4D97-AF65-F5344CB8AC3E}">
+        <p14:creationId xmlns:p14="http://schemas.microsoft.com/office/powerpoint/2010/main" val="2664843108"/>
+      </p:ext>
+    </p:extLst>
+  </p:cSld>
+  <p:clrMapOvr>
+    <a:masterClrMapping/>
+  </p:clrMapOvr>
+</p:notes>
+</file>
+
+<file path=ppt/notesSlides/notesSlide32.xml><?xml version="1.0" encoding="utf-8"?>
+<p:notes xmlns:a="http://schemas.openxmlformats.org/drawingml/2006/main" xmlns:r="http://schemas.openxmlformats.org/officeDocument/2006/relationships" xmlns:p="http://schemas.openxmlformats.org/presentationml/2006/main">
+  <p:cSld>
+    <p:spTree>
+      <p:nvGrpSpPr>
+        <p:cNvPr id="1" name=""/>
+        <p:cNvGrpSpPr/>
+        <p:nvPr/>
+      </p:nvGrpSpPr>
+      <p:grpSpPr>
+        <a:xfrm>
+          <a:off x="0" y="0"/>
+          <a:ext cx="0" cy="0"/>
+          <a:chOff x="0" y="0"/>
+          <a:chExt cx="0" cy="0"/>
+        </a:xfrm>
+      </p:grpSpPr>
+      <p:sp>
+        <p:nvSpPr>
+          <p:cNvPr id="2" name="Folienbildplatzhalter 1"/>
+          <p:cNvSpPr>
+            <a:spLocks noGrp="1" noRot="1" noChangeAspect="1"/>
+          </p:cNvSpPr>
+          <p:nvPr>
+            <p:ph type="sldImg"/>
+          </p:nvPr>
+        </p:nvSpPr>
+        <p:spPr>
+          <a:xfrm>
+            <a:off x="381000" y="685800"/>
+            <a:ext cx="6096000" cy="3429000"/>
+          </a:xfrm>
+        </p:spPr>
+      </p:sp>
+      <p:sp>
+        <p:nvSpPr>
+          <p:cNvPr id="3" name="Notizenplatzhalter 2"/>
+          <p:cNvSpPr>
+            <a:spLocks noGrp="1"/>
+          </p:cNvSpPr>
+          <p:nvPr>
+            <p:ph type="body" idx="1"/>
+          </p:nvPr>
+        </p:nvSpPr>
+        <p:spPr/>
+        <p:txBody>
+          <a:bodyPr/>
+          <a:lstStyle/>
+          <a:p>
+            <a:endParaRPr lang="de-DE" dirty="0"/>
+          </a:p>
+        </p:txBody>
+      </p:sp>
+      <p:sp>
+        <p:nvSpPr>
+          <p:cNvPr id="4" name="Foliennummernplatzhalter 3"/>
+          <p:cNvSpPr>
+            <a:spLocks noGrp="1"/>
+          </p:cNvSpPr>
+          <p:nvPr>
+            <p:ph type="sldNum" sz="quarter" idx="10"/>
+          </p:nvPr>
+        </p:nvSpPr>
+        <p:spPr/>
+        <p:txBody>
+          <a:bodyPr/>
+          <a:lstStyle/>
+          <a:p>
+            <a:fld id="{21202C5B-8273-44D3-A022-3A2C86933C74}" type="slidenum">
+              <a:rPr lang="de-DE" smtClean="0"/>
+              <a:t>40</a:t>
+            </a:fld>
+            <a:endParaRPr lang="de-DE" dirty="0"/>
+          </a:p>
+        </p:txBody>
+      </p:sp>
+    </p:spTree>
+    <p:extLst>
+      <p:ext uri="{BB962C8B-B14F-4D97-AF65-F5344CB8AC3E}">
+        <p14:creationId xmlns:p14="http://schemas.microsoft.com/office/powerpoint/2010/main" val="848189110"/>
+      </p:ext>
+    </p:extLst>
+  </p:cSld>
+  <p:clrMapOvr>
+    <a:masterClrMapping/>
+  </p:clrMapOvr>
+</p:notes>
+</file>
+
+<file path=ppt/notesSlides/notesSlide33.xml><?xml version="1.0" encoding="utf-8"?>
+<p:notes xmlns:a="http://schemas.openxmlformats.org/drawingml/2006/main" xmlns:r="http://schemas.openxmlformats.org/officeDocument/2006/relationships" xmlns:p="http://schemas.openxmlformats.org/presentationml/2006/main">
+  <p:cSld>
+    <p:spTree>
+      <p:nvGrpSpPr>
+        <p:cNvPr id="1" name=""/>
+        <p:cNvGrpSpPr/>
+        <p:nvPr/>
+      </p:nvGrpSpPr>
+      <p:grpSpPr>
+        <a:xfrm>
+          <a:off x="0" y="0"/>
+          <a:ext cx="0" cy="0"/>
+          <a:chOff x="0" y="0"/>
+          <a:chExt cx="0" cy="0"/>
+        </a:xfrm>
+      </p:grpSpPr>
+      <p:sp>
+        <p:nvSpPr>
+          <p:cNvPr id="2" name="Folienbildplatzhalter 1"/>
+          <p:cNvSpPr>
+            <a:spLocks noGrp="1" noRot="1" noChangeAspect="1"/>
+          </p:cNvSpPr>
+          <p:nvPr>
+            <p:ph type="sldImg"/>
+          </p:nvPr>
+        </p:nvSpPr>
+        <p:spPr>
+          <a:xfrm>
+            <a:off x="381000" y="685800"/>
+            <a:ext cx="6096000" cy="3429000"/>
+          </a:xfrm>
+        </p:spPr>
+      </p:sp>
+      <p:sp>
+        <p:nvSpPr>
+          <p:cNvPr id="3" name="Notizenplatzhalter 2"/>
+          <p:cNvSpPr>
+            <a:spLocks noGrp="1"/>
+          </p:cNvSpPr>
+          <p:nvPr>
+            <p:ph type="body" idx="1"/>
+          </p:nvPr>
+        </p:nvSpPr>
+        <p:spPr/>
+        <p:txBody>
+          <a:bodyPr/>
+          <a:lstStyle/>
+          <a:p>
+            <a:endParaRPr lang="de-DE" dirty="0"/>
+          </a:p>
+        </p:txBody>
+      </p:sp>
+      <p:sp>
+        <p:nvSpPr>
+          <p:cNvPr id="4" name="Foliennummernplatzhalter 3"/>
+          <p:cNvSpPr>
+            <a:spLocks noGrp="1"/>
+          </p:cNvSpPr>
+          <p:nvPr>
+            <p:ph type="sldNum" sz="quarter" idx="10"/>
+          </p:nvPr>
+        </p:nvSpPr>
+        <p:spPr/>
+        <p:txBody>
+          <a:bodyPr/>
+          <a:lstStyle/>
+          <a:p>
+            <a:fld id="{21202C5B-8273-44D3-A022-3A2C86933C74}" type="slidenum">
+              <a:rPr lang="de-DE" smtClean="0"/>
+              <a:t>41</a:t>
+            </a:fld>
+            <a:endParaRPr lang="de-DE" dirty="0"/>
+          </a:p>
+        </p:txBody>
+      </p:sp>
+    </p:spTree>
+    <p:extLst>
+      <p:ext uri="{BB962C8B-B14F-4D97-AF65-F5344CB8AC3E}">
+        <p14:creationId xmlns:p14="http://schemas.microsoft.com/office/powerpoint/2010/main" val="1238048498"/>
       </p:ext>
     </p:extLst>
   </p:cSld>
@@ -15619,6 +16221,1707 @@
           <a:chExt cx="0" cy="0"/>
         </a:xfrm>
       </p:grpSpPr>
+      <p:sp>
+        <p:nvSpPr>
+          <p:cNvPr id="3" name="Datumsplatzhalter 2"/>
+          <p:cNvSpPr>
+            <a:spLocks noGrp="1"/>
+          </p:cNvSpPr>
+          <p:nvPr>
+            <p:ph type="dt" sz="half" idx="10"/>
+          </p:nvPr>
+        </p:nvSpPr>
+        <p:spPr/>
+        <p:txBody>
+          <a:bodyPr/>
+          <a:lstStyle/>
+          <a:p>
+            <a:fld id="{D7EBB97D-9926-4A8D-8C1C-1E5C83B83A11}" type="datetime1">
+              <a:rPr lang="de-DE" smtClean="0"/>
+              <a:t>17.07.22</a:t>
+            </a:fld>
+            <a:endParaRPr lang="de-DE" dirty="0"/>
+          </a:p>
+        </p:txBody>
+      </p:sp>
+      <p:sp>
+        <p:nvSpPr>
+          <p:cNvPr id="4" name="Fußzeilenplatzhalter 3"/>
+          <p:cNvSpPr>
+            <a:spLocks noGrp="1"/>
+          </p:cNvSpPr>
+          <p:nvPr>
+            <p:ph type="ftr" sz="quarter" idx="11"/>
+          </p:nvPr>
+        </p:nvSpPr>
+        <p:spPr/>
+        <p:txBody>
+          <a:bodyPr/>
+          <a:lstStyle/>
+          <a:p>
+            <a:r>
+              <a:rPr lang="de-DE" dirty="0"/>
+              <a:t>Big Data &amp; </a:t>
+            </a:r>
+            <a:r>
+              <a:rPr lang="de-DE" dirty="0" err="1"/>
+              <a:t>Machine</a:t>
+            </a:r>
+            <a:r>
+              <a:rPr lang="de-DE" dirty="0"/>
+              <a:t> Learning – Final </a:t>
+            </a:r>
+            <a:r>
+              <a:rPr lang="de-DE" dirty="0" err="1"/>
+              <a:t>Presentation</a:t>
+            </a:r>
+            <a:r>
+              <a:rPr lang="de-DE" dirty="0"/>
+              <a:t>, Philipp Moritzer </a:t>
+            </a:r>
+          </a:p>
+        </p:txBody>
+      </p:sp>
+      <p:sp>
+        <p:nvSpPr>
+          <p:cNvPr id="12" name="Foliennummernplatzhalter 11"/>
+          <p:cNvSpPr>
+            <a:spLocks noGrp="1"/>
+          </p:cNvSpPr>
+          <p:nvPr>
+            <p:ph type="sldNum" sz="quarter" idx="12"/>
+          </p:nvPr>
+        </p:nvSpPr>
+        <p:spPr/>
+        <p:txBody>
+          <a:bodyPr/>
+          <a:lstStyle/>
+          <a:p>
+            <a:fld id="{58444F55-0981-4E9E-8F6B-2F7546EE58D7}" type="slidenum">
+              <a:rPr lang="de-DE" smtClean="0"/>
+              <a:pPr/>
+              <a:t>15</a:t>
+            </a:fld>
+            <a:endParaRPr lang="de-DE" dirty="0"/>
+          </a:p>
+        </p:txBody>
+      </p:sp>
+      <p:sp>
+        <p:nvSpPr>
+          <p:cNvPr id="2" name="Titel 1"/>
+          <p:cNvSpPr>
+            <a:spLocks noGrp="1"/>
+          </p:cNvSpPr>
+          <p:nvPr>
+            <p:ph type="title"/>
+          </p:nvPr>
+        </p:nvSpPr>
+        <p:spPr/>
+        <p:txBody>
+          <a:bodyPr/>
+          <a:lstStyle/>
+          <a:p>
+            <a:r>
+              <a:rPr lang="de-DE" dirty="0"/>
+              <a:t>Project - </a:t>
+            </a:r>
+            <a:r>
+              <a:rPr lang="de-DE" dirty="0" err="1"/>
+              <a:t>Overview</a:t>
+            </a:r>
+            <a:endParaRPr lang="de-DE" dirty="0"/>
+          </a:p>
+        </p:txBody>
+      </p:sp>
+      <p:sp>
+        <p:nvSpPr>
+          <p:cNvPr id="6" name="Inhaltsplatzhalter 5"/>
+          <p:cNvSpPr>
+            <a:spLocks noGrp="1"/>
+          </p:cNvSpPr>
+          <p:nvPr>
+            <p:ph sz="quarter" idx="13"/>
+          </p:nvPr>
+        </p:nvSpPr>
+        <p:spPr/>
+        <p:txBody>
+          <a:bodyPr/>
+          <a:lstStyle/>
+          <a:p>
+            <a:pPr marL="285750" indent="-285750">
+              <a:buFont typeface="Arial" panose="020B0604020202020204" pitchFamily="34" charset="0"/>
+              <a:buChar char="•"/>
+            </a:pPr>
+            <a:endParaRPr lang="de-DE" dirty="0"/>
+          </a:p>
+        </p:txBody>
+      </p:sp>
+    </p:spTree>
+    <p:extLst>
+      <p:ext uri="{BB962C8B-B14F-4D97-AF65-F5344CB8AC3E}">
+        <p14:creationId xmlns:p14="http://schemas.microsoft.com/office/powerpoint/2010/main" val="3511688198"/>
+      </p:ext>
+    </p:extLst>
+  </p:cSld>
+  <p:clrMapOvr>
+    <a:masterClrMapping/>
+  </p:clrMapOvr>
+</p:sld>
+</file>
+
+<file path=ppt/slides/slide16.xml><?xml version="1.0" encoding="utf-8"?>
+<p:sld xmlns:a="http://schemas.openxmlformats.org/drawingml/2006/main" xmlns:r="http://schemas.openxmlformats.org/officeDocument/2006/relationships" xmlns:p="http://schemas.openxmlformats.org/presentationml/2006/main">
+  <p:cSld>
+    <p:spTree>
+      <p:nvGrpSpPr>
+        <p:cNvPr id="1" name=""/>
+        <p:cNvGrpSpPr/>
+        <p:nvPr/>
+      </p:nvGrpSpPr>
+      <p:grpSpPr>
+        <a:xfrm>
+          <a:off x="0" y="0"/>
+          <a:ext cx="0" cy="0"/>
+          <a:chOff x="0" y="0"/>
+          <a:chExt cx="0" cy="0"/>
+        </a:xfrm>
+      </p:grpSpPr>
+      <p:sp>
+        <p:nvSpPr>
+          <p:cNvPr id="3" name="Datumsplatzhalter 2"/>
+          <p:cNvSpPr>
+            <a:spLocks noGrp="1"/>
+          </p:cNvSpPr>
+          <p:nvPr>
+            <p:ph type="dt" sz="half" idx="10"/>
+          </p:nvPr>
+        </p:nvSpPr>
+        <p:spPr/>
+        <p:txBody>
+          <a:bodyPr/>
+          <a:lstStyle/>
+          <a:p>
+            <a:fld id="{D7EBB97D-9926-4A8D-8C1C-1E5C83B83A11}" type="datetime1">
+              <a:rPr lang="de-DE" smtClean="0"/>
+              <a:t>17.07.22</a:t>
+            </a:fld>
+            <a:endParaRPr lang="de-DE" dirty="0"/>
+          </a:p>
+        </p:txBody>
+      </p:sp>
+      <p:sp>
+        <p:nvSpPr>
+          <p:cNvPr id="4" name="Fußzeilenplatzhalter 3"/>
+          <p:cNvSpPr>
+            <a:spLocks noGrp="1"/>
+          </p:cNvSpPr>
+          <p:nvPr>
+            <p:ph type="ftr" sz="quarter" idx="11"/>
+          </p:nvPr>
+        </p:nvSpPr>
+        <p:spPr/>
+        <p:txBody>
+          <a:bodyPr/>
+          <a:lstStyle/>
+          <a:p>
+            <a:r>
+              <a:rPr lang="de-DE" dirty="0"/>
+              <a:t>Big Data &amp; </a:t>
+            </a:r>
+            <a:r>
+              <a:rPr lang="de-DE" dirty="0" err="1"/>
+              <a:t>Machine</a:t>
+            </a:r>
+            <a:r>
+              <a:rPr lang="de-DE" dirty="0"/>
+              <a:t> Learning – Final </a:t>
+            </a:r>
+            <a:r>
+              <a:rPr lang="de-DE" dirty="0" err="1"/>
+              <a:t>Presentation</a:t>
+            </a:r>
+            <a:r>
+              <a:rPr lang="de-DE" dirty="0"/>
+              <a:t>, Philipp Moritzer </a:t>
+            </a:r>
+          </a:p>
+        </p:txBody>
+      </p:sp>
+      <p:sp>
+        <p:nvSpPr>
+          <p:cNvPr id="12" name="Foliennummernplatzhalter 11"/>
+          <p:cNvSpPr>
+            <a:spLocks noGrp="1"/>
+          </p:cNvSpPr>
+          <p:nvPr>
+            <p:ph type="sldNum" sz="quarter" idx="12"/>
+          </p:nvPr>
+        </p:nvSpPr>
+        <p:spPr/>
+        <p:txBody>
+          <a:bodyPr/>
+          <a:lstStyle/>
+          <a:p>
+            <a:fld id="{58444F55-0981-4E9E-8F6B-2F7546EE58D7}" type="slidenum">
+              <a:rPr lang="de-DE" smtClean="0"/>
+              <a:pPr/>
+              <a:t>16</a:t>
+            </a:fld>
+            <a:endParaRPr lang="de-DE" dirty="0"/>
+          </a:p>
+        </p:txBody>
+      </p:sp>
+      <p:sp>
+        <p:nvSpPr>
+          <p:cNvPr id="2" name="Titel 1"/>
+          <p:cNvSpPr>
+            <a:spLocks noGrp="1"/>
+          </p:cNvSpPr>
+          <p:nvPr>
+            <p:ph type="title"/>
+          </p:nvPr>
+        </p:nvSpPr>
+        <p:spPr/>
+        <p:txBody>
+          <a:bodyPr/>
+          <a:lstStyle/>
+          <a:p>
+            <a:r>
+              <a:rPr lang="de-DE" dirty="0"/>
+              <a:t>Project – The </a:t>
+            </a:r>
+            <a:r>
+              <a:rPr lang="de-DE" dirty="0" err="1"/>
+              <a:t>dataset</a:t>
+            </a:r>
+            <a:endParaRPr lang="de-DE" dirty="0"/>
+          </a:p>
+        </p:txBody>
+      </p:sp>
+      <p:sp>
+        <p:nvSpPr>
+          <p:cNvPr id="6" name="Inhaltsplatzhalter 5"/>
+          <p:cNvSpPr>
+            <a:spLocks noGrp="1"/>
+          </p:cNvSpPr>
+          <p:nvPr>
+            <p:ph sz="quarter" idx="13"/>
+          </p:nvPr>
+        </p:nvSpPr>
+        <p:spPr/>
+        <p:txBody>
+          <a:bodyPr/>
+          <a:lstStyle/>
+          <a:p>
+            <a:pPr marL="285750" indent="-285750">
+              <a:buFont typeface="Arial" panose="020B0604020202020204" pitchFamily="34" charset="0"/>
+              <a:buChar char="•"/>
+            </a:pPr>
+            <a:r>
+              <a:rPr lang="de-DE" dirty="0"/>
+              <a:t>Values </a:t>
+            </a:r>
+            <a:r>
+              <a:rPr lang="de-DE" dirty="0" err="1"/>
+              <a:t>that</a:t>
+            </a:r>
+            <a:r>
+              <a:rPr lang="de-DE" dirty="0"/>
+              <a:t> </a:t>
+            </a:r>
+            <a:r>
+              <a:rPr lang="de-DE" dirty="0" err="1"/>
+              <a:t>represent</a:t>
+            </a:r>
+            <a:r>
+              <a:rPr lang="de-DE" dirty="0"/>
+              <a:t> </a:t>
+            </a:r>
+            <a:r>
+              <a:rPr lang="de-DE" dirty="0" err="1"/>
+              <a:t>measured</a:t>
+            </a:r>
+            <a:r>
+              <a:rPr lang="de-DE" dirty="0"/>
+              <a:t> </a:t>
+            </a:r>
+            <a:r>
+              <a:rPr lang="de-DE" dirty="0" err="1"/>
+              <a:t>bird</a:t>
+            </a:r>
+            <a:r>
+              <a:rPr lang="de-DE" dirty="0"/>
+              <a:t> </a:t>
+            </a:r>
+            <a:r>
+              <a:rPr lang="de-DE" dirty="0" err="1"/>
+              <a:t>locations</a:t>
+            </a:r>
+            <a:r>
+              <a:rPr lang="de-DE" dirty="0"/>
+              <a:t> </a:t>
+            </a:r>
+            <a:r>
+              <a:rPr lang="de-DE" dirty="0" err="1"/>
+              <a:t>over</a:t>
+            </a:r>
+            <a:r>
+              <a:rPr lang="de-DE" dirty="0"/>
+              <a:t> a </a:t>
+            </a:r>
+            <a:r>
+              <a:rPr lang="de-DE" dirty="0" err="1"/>
+              <a:t>series</a:t>
+            </a:r>
+            <a:r>
+              <a:rPr lang="de-DE" dirty="0"/>
+              <a:t> </a:t>
+            </a:r>
+            <a:r>
+              <a:rPr lang="de-DE" dirty="0" err="1"/>
+              <a:t>of</a:t>
+            </a:r>
+            <a:r>
+              <a:rPr lang="de-DE" dirty="0"/>
+              <a:t> time</a:t>
+            </a:r>
+          </a:p>
+          <a:p>
+            <a:pPr marL="285750" indent="-285750">
+              <a:buFont typeface="Arial" panose="020B0604020202020204" pitchFamily="34" charset="0"/>
+              <a:buChar char="•"/>
+            </a:pPr>
+            <a:r>
+              <a:rPr lang="de-DE" dirty="0" err="1"/>
+              <a:t>Stored</a:t>
+            </a:r>
+            <a:r>
+              <a:rPr lang="de-DE" dirty="0"/>
+              <a:t> </a:t>
+            </a:r>
+            <a:r>
+              <a:rPr lang="de-DE" dirty="0" err="1"/>
+              <a:t>as</a:t>
+            </a:r>
+            <a:r>
+              <a:rPr lang="de-DE" dirty="0"/>
+              <a:t> a CSV-file </a:t>
+            </a:r>
+          </a:p>
+          <a:p>
+            <a:pPr marL="285750" indent="-285750">
+              <a:buFont typeface="Arial" panose="020B0604020202020204" pitchFamily="34" charset="0"/>
+              <a:buChar char="•"/>
+            </a:pPr>
+            <a:r>
+              <a:rPr lang="de-DE" dirty="0" err="1"/>
+              <a:t>Contains</a:t>
+            </a:r>
+            <a:r>
+              <a:rPr lang="de-DE" dirty="0"/>
+              <a:t> 89869 </a:t>
+            </a:r>
+            <a:r>
+              <a:rPr lang="de-DE" dirty="0" err="1"/>
+              <a:t>measurements</a:t>
+            </a:r>
+            <a:endParaRPr lang="de-DE" dirty="0"/>
+          </a:p>
+          <a:p>
+            <a:pPr marL="285750" indent="-285750">
+              <a:buFont typeface="Arial" panose="020B0604020202020204" pitchFamily="34" charset="0"/>
+              <a:buChar char="•"/>
+            </a:pPr>
+            <a:r>
+              <a:rPr lang="de-DE" dirty="0"/>
+              <a:t>Time </a:t>
+            </a:r>
+            <a:r>
+              <a:rPr lang="de-DE" dirty="0" err="1"/>
+              <a:t>range</a:t>
+            </a:r>
+            <a:r>
+              <a:rPr lang="de-DE" dirty="0"/>
+              <a:t> </a:t>
+            </a:r>
+            <a:r>
+              <a:rPr lang="de-DE" dirty="0" err="1"/>
+              <a:t>from</a:t>
+            </a:r>
+            <a:r>
+              <a:rPr lang="de-DE" dirty="0"/>
+              <a:t> 2009-2016</a:t>
+            </a:r>
+          </a:p>
+          <a:p>
+            <a:pPr marL="285750" indent="-285750">
+              <a:buFont typeface="Arial" panose="020B0604020202020204" pitchFamily="34" charset="0"/>
+              <a:buChar char="•"/>
+            </a:pPr>
+            <a:endParaRPr lang="de-DE" dirty="0"/>
+          </a:p>
+        </p:txBody>
+      </p:sp>
+      <p:pic>
+        <p:nvPicPr>
+          <p:cNvPr id="7" name="Picture 6" descr="Table&#10;&#10;Description automatically generated">
+            <a:extLst>
+              <a:ext uri="{FF2B5EF4-FFF2-40B4-BE49-F238E27FC236}">
+                <a16:creationId xmlns:a16="http://schemas.microsoft.com/office/drawing/2014/main" id="{7B00EDE7-F94F-1CD7-E182-7EE277B555DB}"/>
+              </a:ext>
+            </a:extLst>
+          </p:cNvPr>
+          <p:cNvPicPr>
+            <a:picLocks noChangeAspect="1"/>
+          </p:cNvPicPr>
+          <p:nvPr/>
+        </p:nvPicPr>
+        <p:blipFill>
+          <a:blip r:embed="rId3"/>
+          <a:stretch>
+            <a:fillRect/>
+          </a:stretch>
+        </p:blipFill>
+        <p:spPr>
+          <a:xfrm>
+            <a:off x="1007604" y="2050932"/>
+            <a:ext cx="6651529" cy="2592288"/>
+          </a:xfrm>
+          <a:prstGeom prst="rect">
+            <a:avLst/>
+          </a:prstGeom>
+        </p:spPr>
+      </p:pic>
+    </p:spTree>
+    <p:extLst>
+      <p:ext uri="{BB962C8B-B14F-4D97-AF65-F5344CB8AC3E}">
+        <p14:creationId xmlns:p14="http://schemas.microsoft.com/office/powerpoint/2010/main" val="2818337938"/>
+      </p:ext>
+    </p:extLst>
+  </p:cSld>
+  <p:clrMapOvr>
+    <a:masterClrMapping/>
+  </p:clrMapOvr>
+</p:sld>
+</file>
+
+<file path=ppt/slides/slide17.xml><?xml version="1.0" encoding="utf-8"?>
+<p:sld xmlns:a="http://schemas.openxmlformats.org/drawingml/2006/main" xmlns:r="http://schemas.openxmlformats.org/officeDocument/2006/relationships" xmlns:p="http://schemas.openxmlformats.org/presentationml/2006/main">
+  <p:cSld>
+    <p:spTree>
+      <p:nvGrpSpPr>
+        <p:cNvPr id="1" name=""/>
+        <p:cNvGrpSpPr/>
+        <p:nvPr/>
+      </p:nvGrpSpPr>
+      <p:grpSpPr>
+        <a:xfrm>
+          <a:off x="0" y="0"/>
+          <a:ext cx="0" cy="0"/>
+          <a:chOff x="0" y="0"/>
+          <a:chExt cx="0" cy="0"/>
+        </a:xfrm>
+      </p:grpSpPr>
+      <p:sp>
+        <p:nvSpPr>
+          <p:cNvPr id="3" name="Datumsplatzhalter 2"/>
+          <p:cNvSpPr>
+            <a:spLocks noGrp="1"/>
+          </p:cNvSpPr>
+          <p:nvPr>
+            <p:ph type="dt" sz="half" idx="10"/>
+          </p:nvPr>
+        </p:nvSpPr>
+        <p:spPr/>
+        <p:txBody>
+          <a:bodyPr/>
+          <a:lstStyle/>
+          <a:p>
+            <a:fld id="{D7EBB97D-9926-4A8D-8C1C-1E5C83B83A11}" type="datetime1">
+              <a:rPr lang="de-DE" smtClean="0"/>
+              <a:t>17.07.22</a:t>
+            </a:fld>
+            <a:endParaRPr lang="de-DE" dirty="0"/>
+          </a:p>
+        </p:txBody>
+      </p:sp>
+      <p:sp>
+        <p:nvSpPr>
+          <p:cNvPr id="4" name="Fußzeilenplatzhalter 3"/>
+          <p:cNvSpPr>
+            <a:spLocks noGrp="1"/>
+          </p:cNvSpPr>
+          <p:nvPr>
+            <p:ph type="ftr" sz="quarter" idx="11"/>
+          </p:nvPr>
+        </p:nvSpPr>
+        <p:spPr/>
+        <p:txBody>
+          <a:bodyPr/>
+          <a:lstStyle/>
+          <a:p>
+            <a:r>
+              <a:rPr lang="de-DE" dirty="0"/>
+              <a:t>Big Data &amp; </a:t>
+            </a:r>
+            <a:r>
+              <a:rPr lang="de-DE" dirty="0" err="1"/>
+              <a:t>Machine</a:t>
+            </a:r>
+            <a:r>
+              <a:rPr lang="de-DE" dirty="0"/>
+              <a:t> Learning – Final </a:t>
+            </a:r>
+            <a:r>
+              <a:rPr lang="de-DE" dirty="0" err="1"/>
+              <a:t>Presentation</a:t>
+            </a:r>
+            <a:r>
+              <a:rPr lang="de-DE" dirty="0"/>
+              <a:t>, Philipp Moritzer </a:t>
+            </a:r>
+          </a:p>
+        </p:txBody>
+      </p:sp>
+      <p:sp>
+        <p:nvSpPr>
+          <p:cNvPr id="12" name="Foliennummernplatzhalter 11"/>
+          <p:cNvSpPr>
+            <a:spLocks noGrp="1"/>
+          </p:cNvSpPr>
+          <p:nvPr>
+            <p:ph type="sldNum" sz="quarter" idx="12"/>
+          </p:nvPr>
+        </p:nvSpPr>
+        <p:spPr/>
+        <p:txBody>
+          <a:bodyPr/>
+          <a:lstStyle/>
+          <a:p>
+            <a:fld id="{58444F55-0981-4E9E-8F6B-2F7546EE58D7}" type="slidenum">
+              <a:rPr lang="de-DE" smtClean="0"/>
+              <a:pPr/>
+              <a:t>17</a:t>
+            </a:fld>
+            <a:endParaRPr lang="de-DE" dirty="0"/>
+          </a:p>
+        </p:txBody>
+      </p:sp>
+      <p:sp>
+        <p:nvSpPr>
+          <p:cNvPr id="2" name="Titel 1"/>
+          <p:cNvSpPr>
+            <a:spLocks noGrp="1"/>
+          </p:cNvSpPr>
+          <p:nvPr>
+            <p:ph type="title"/>
+          </p:nvPr>
+        </p:nvSpPr>
+        <p:spPr/>
+        <p:txBody>
+          <a:bodyPr/>
+          <a:lstStyle/>
+          <a:p>
+            <a:r>
+              <a:rPr lang="de-DE" dirty="0"/>
+              <a:t>Project – Setting </a:t>
+            </a:r>
+            <a:r>
+              <a:rPr lang="de-DE" dirty="0" err="1"/>
+              <a:t>up</a:t>
+            </a:r>
+            <a:r>
+              <a:rPr lang="de-DE" dirty="0"/>
+              <a:t> </a:t>
+            </a:r>
+            <a:r>
+              <a:rPr lang="de-DE" dirty="0" err="1"/>
+              <a:t>the</a:t>
+            </a:r>
+            <a:r>
+              <a:rPr lang="de-DE" dirty="0"/>
+              <a:t> </a:t>
+            </a:r>
+            <a:r>
+              <a:rPr lang="de-DE" dirty="0" err="1"/>
+              <a:t>infrastructure</a:t>
+            </a:r>
+            <a:endParaRPr lang="de-DE" dirty="0"/>
+          </a:p>
+        </p:txBody>
+      </p:sp>
+      <p:sp>
+        <p:nvSpPr>
+          <p:cNvPr id="6" name="Inhaltsplatzhalter 5"/>
+          <p:cNvSpPr>
+            <a:spLocks noGrp="1"/>
+          </p:cNvSpPr>
+          <p:nvPr>
+            <p:ph sz="quarter" idx="13"/>
+          </p:nvPr>
+        </p:nvSpPr>
+        <p:spPr/>
+        <p:txBody>
+          <a:bodyPr/>
+          <a:lstStyle/>
+          <a:p>
+            <a:pPr marL="285750" indent="-285750">
+              <a:buFont typeface="Arial" panose="020B0604020202020204" pitchFamily="34" charset="0"/>
+              <a:buChar char="•"/>
+            </a:pPr>
+            <a:r>
+              <a:rPr lang="de-DE" dirty="0"/>
+              <a:t>Values </a:t>
+            </a:r>
+            <a:r>
+              <a:rPr lang="de-DE" dirty="0" err="1"/>
+              <a:t>that</a:t>
+            </a:r>
+            <a:r>
+              <a:rPr lang="de-DE" dirty="0"/>
+              <a:t> </a:t>
+            </a:r>
+            <a:r>
+              <a:rPr lang="de-DE" dirty="0" err="1"/>
+              <a:t>represent</a:t>
+            </a:r>
+            <a:r>
+              <a:rPr lang="de-DE" dirty="0"/>
+              <a:t> </a:t>
+            </a:r>
+            <a:r>
+              <a:rPr lang="de-DE" dirty="0" err="1"/>
+              <a:t>measured</a:t>
+            </a:r>
+            <a:r>
+              <a:rPr lang="de-DE" dirty="0"/>
+              <a:t> </a:t>
+            </a:r>
+            <a:r>
+              <a:rPr lang="de-DE" dirty="0" err="1"/>
+              <a:t>bird</a:t>
+            </a:r>
+            <a:r>
+              <a:rPr lang="de-DE" dirty="0"/>
+              <a:t> </a:t>
+            </a:r>
+            <a:r>
+              <a:rPr lang="de-DE" dirty="0" err="1"/>
+              <a:t>locations</a:t>
+            </a:r>
+            <a:r>
+              <a:rPr lang="de-DE" dirty="0"/>
+              <a:t> </a:t>
+            </a:r>
+            <a:r>
+              <a:rPr lang="de-DE" dirty="0" err="1"/>
+              <a:t>over</a:t>
+            </a:r>
+            <a:r>
+              <a:rPr lang="de-DE" dirty="0"/>
+              <a:t> a </a:t>
+            </a:r>
+            <a:r>
+              <a:rPr lang="de-DE" dirty="0" err="1"/>
+              <a:t>series</a:t>
+            </a:r>
+            <a:r>
+              <a:rPr lang="de-DE" dirty="0"/>
+              <a:t> </a:t>
+            </a:r>
+            <a:r>
+              <a:rPr lang="de-DE" dirty="0" err="1"/>
+              <a:t>of</a:t>
+            </a:r>
+            <a:r>
+              <a:rPr lang="de-DE" dirty="0"/>
+              <a:t> time</a:t>
+            </a:r>
+          </a:p>
+          <a:p>
+            <a:pPr marL="285750" indent="-285750">
+              <a:buFont typeface="Arial" panose="020B0604020202020204" pitchFamily="34" charset="0"/>
+              <a:buChar char="•"/>
+            </a:pPr>
+            <a:endParaRPr lang="de-DE" dirty="0"/>
+          </a:p>
+        </p:txBody>
+      </p:sp>
+    </p:spTree>
+    <p:extLst>
+      <p:ext uri="{BB962C8B-B14F-4D97-AF65-F5344CB8AC3E}">
+        <p14:creationId xmlns:p14="http://schemas.microsoft.com/office/powerpoint/2010/main" val="3977817513"/>
+      </p:ext>
+    </p:extLst>
+  </p:cSld>
+  <p:clrMapOvr>
+    <a:masterClrMapping/>
+  </p:clrMapOvr>
+</p:sld>
+</file>
+
+<file path=ppt/slides/slide18.xml><?xml version="1.0" encoding="utf-8"?>
+<p:sld xmlns:a="http://schemas.openxmlformats.org/drawingml/2006/main" xmlns:r="http://schemas.openxmlformats.org/officeDocument/2006/relationships" xmlns:p="http://schemas.openxmlformats.org/presentationml/2006/main">
+  <p:cSld>
+    <p:spTree>
+      <p:nvGrpSpPr>
+        <p:cNvPr id="1" name=""/>
+        <p:cNvGrpSpPr/>
+        <p:nvPr/>
+      </p:nvGrpSpPr>
+      <p:grpSpPr>
+        <a:xfrm>
+          <a:off x="0" y="0"/>
+          <a:ext cx="0" cy="0"/>
+          <a:chOff x="0" y="0"/>
+          <a:chExt cx="0" cy="0"/>
+        </a:xfrm>
+      </p:grpSpPr>
+      <p:sp>
+        <p:nvSpPr>
+          <p:cNvPr id="3" name="Datumsplatzhalter 2"/>
+          <p:cNvSpPr>
+            <a:spLocks noGrp="1"/>
+          </p:cNvSpPr>
+          <p:nvPr>
+            <p:ph type="dt" sz="half" idx="10"/>
+          </p:nvPr>
+        </p:nvSpPr>
+        <p:spPr/>
+        <p:txBody>
+          <a:bodyPr/>
+          <a:lstStyle/>
+          <a:p>
+            <a:fld id="{D7EBB97D-9926-4A8D-8C1C-1E5C83B83A11}" type="datetime1">
+              <a:rPr lang="de-DE" smtClean="0"/>
+              <a:t>17.07.22</a:t>
+            </a:fld>
+            <a:endParaRPr lang="de-DE" dirty="0"/>
+          </a:p>
+        </p:txBody>
+      </p:sp>
+      <p:sp>
+        <p:nvSpPr>
+          <p:cNvPr id="4" name="Fußzeilenplatzhalter 3"/>
+          <p:cNvSpPr>
+            <a:spLocks noGrp="1"/>
+          </p:cNvSpPr>
+          <p:nvPr>
+            <p:ph type="ftr" sz="quarter" idx="11"/>
+          </p:nvPr>
+        </p:nvSpPr>
+        <p:spPr/>
+        <p:txBody>
+          <a:bodyPr/>
+          <a:lstStyle/>
+          <a:p>
+            <a:r>
+              <a:rPr lang="de-DE" dirty="0"/>
+              <a:t>Big Data &amp; </a:t>
+            </a:r>
+            <a:r>
+              <a:rPr lang="de-DE" dirty="0" err="1"/>
+              <a:t>Machine</a:t>
+            </a:r>
+            <a:r>
+              <a:rPr lang="de-DE" dirty="0"/>
+              <a:t> Learning – Final </a:t>
+            </a:r>
+            <a:r>
+              <a:rPr lang="de-DE" dirty="0" err="1"/>
+              <a:t>Presentation</a:t>
+            </a:r>
+            <a:r>
+              <a:rPr lang="de-DE" dirty="0"/>
+              <a:t>, Philipp Moritzer </a:t>
+            </a:r>
+          </a:p>
+        </p:txBody>
+      </p:sp>
+      <p:sp>
+        <p:nvSpPr>
+          <p:cNvPr id="12" name="Foliennummernplatzhalter 11"/>
+          <p:cNvSpPr>
+            <a:spLocks noGrp="1"/>
+          </p:cNvSpPr>
+          <p:nvPr>
+            <p:ph type="sldNum" sz="quarter" idx="12"/>
+          </p:nvPr>
+        </p:nvSpPr>
+        <p:spPr/>
+        <p:txBody>
+          <a:bodyPr/>
+          <a:lstStyle/>
+          <a:p>
+            <a:fld id="{58444F55-0981-4E9E-8F6B-2F7546EE58D7}" type="slidenum">
+              <a:rPr lang="de-DE" smtClean="0"/>
+              <a:pPr/>
+              <a:t>18</a:t>
+            </a:fld>
+            <a:endParaRPr lang="de-DE" dirty="0"/>
+          </a:p>
+        </p:txBody>
+      </p:sp>
+      <p:sp>
+        <p:nvSpPr>
+          <p:cNvPr id="2" name="Titel 1"/>
+          <p:cNvSpPr>
+            <a:spLocks noGrp="1"/>
+          </p:cNvSpPr>
+          <p:nvPr>
+            <p:ph type="title"/>
+          </p:nvPr>
+        </p:nvSpPr>
+        <p:spPr/>
+        <p:txBody>
+          <a:bodyPr/>
+          <a:lstStyle/>
+          <a:p>
+            <a:r>
+              <a:rPr lang="de-DE" dirty="0"/>
+              <a:t>Project – </a:t>
+            </a:r>
+            <a:r>
+              <a:rPr lang="de-DE" dirty="0" err="1"/>
+              <a:t>Importing</a:t>
+            </a:r>
+            <a:r>
+              <a:rPr lang="de-DE" dirty="0"/>
+              <a:t> </a:t>
+            </a:r>
+            <a:r>
+              <a:rPr lang="de-DE" dirty="0" err="1"/>
+              <a:t>the</a:t>
+            </a:r>
+            <a:r>
+              <a:rPr lang="de-DE" dirty="0"/>
+              <a:t> </a:t>
+            </a:r>
+            <a:r>
+              <a:rPr lang="de-DE" dirty="0" err="1"/>
+              <a:t>data</a:t>
+            </a:r>
+            <a:endParaRPr lang="de-DE" dirty="0"/>
+          </a:p>
+        </p:txBody>
+      </p:sp>
+      <p:sp>
+        <p:nvSpPr>
+          <p:cNvPr id="6" name="Inhaltsplatzhalter 5"/>
+          <p:cNvSpPr>
+            <a:spLocks noGrp="1"/>
+          </p:cNvSpPr>
+          <p:nvPr>
+            <p:ph sz="quarter" idx="13"/>
+          </p:nvPr>
+        </p:nvSpPr>
+        <p:spPr/>
+        <p:txBody>
+          <a:bodyPr/>
+          <a:lstStyle/>
+          <a:p>
+            <a:pPr marL="285750" indent="-285750">
+              <a:buFont typeface="Arial" panose="020B0604020202020204" pitchFamily="34" charset="0"/>
+              <a:buChar char="•"/>
+            </a:pPr>
+            <a:r>
+              <a:rPr lang="de-DE" dirty="0"/>
+              <a:t>Values </a:t>
+            </a:r>
+            <a:r>
+              <a:rPr lang="de-DE" dirty="0" err="1"/>
+              <a:t>that</a:t>
+            </a:r>
+            <a:r>
+              <a:rPr lang="de-DE" dirty="0"/>
+              <a:t> </a:t>
+            </a:r>
+            <a:r>
+              <a:rPr lang="de-DE" dirty="0" err="1"/>
+              <a:t>represent</a:t>
+            </a:r>
+            <a:r>
+              <a:rPr lang="de-DE" dirty="0"/>
+              <a:t> </a:t>
+            </a:r>
+            <a:r>
+              <a:rPr lang="de-DE" dirty="0" err="1"/>
+              <a:t>measured</a:t>
+            </a:r>
+            <a:r>
+              <a:rPr lang="de-DE" dirty="0"/>
+              <a:t> </a:t>
+            </a:r>
+            <a:r>
+              <a:rPr lang="de-DE" dirty="0" err="1"/>
+              <a:t>bird</a:t>
+            </a:r>
+            <a:r>
+              <a:rPr lang="de-DE" dirty="0"/>
+              <a:t> </a:t>
+            </a:r>
+            <a:r>
+              <a:rPr lang="de-DE" dirty="0" err="1"/>
+              <a:t>locations</a:t>
+            </a:r>
+            <a:r>
+              <a:rPr lang="de-DE" dirty="0"/>
+              <a:t> </a:t>
+            </a:r>
+            <a:r>
+              <a:rPr lang="de-DE" dirty="0" err="1"/>
+              <a:t>over</a:t>
+            </a:r>
+            <a:r>
+              <a:rPr lang="de-DE" dirty="0"/>
+              <a:t> a </a:t>
+            </a:r>
+            <a:r>
+              <a:rPr lang="de-DE" dirty="0" err="1"/>
+              <a:t>series</a:t>
+            </a:r>
+            <a:r>
+              <a:rPr lang="de-DE" dirty="0"/>
+              <a:t> </a:t>
+            </a:r>
+            <a:r>
+              <a:rPr lang="de-DE" dirty="0" err="1"/>
+              <a:t>of</a:t>
+            </a:r>
+            <a:r>
+              <a:rPr lang="de-DE" dirty="0"/>
+              <a:t> time</a:t>
+            </a:r>
+          </a:p>
+          <a:p>
+            <a:pPr marL="285750" indent="-285750">
+              <a:buFont typeface="Arial" panose="020B0604020202020204" pitchFamily="34" charset="0"/>
+              <a:buChar char="•"/>
+            </a:pPr>
+            <a:endParaRPr lang="de-DE" dirty="0"/>
+          </a:p>
+        </p:txBody>
+      </p:sp>
+    </p:spTree>
+    <p:extLst>
+      <p:ext uri="{BB962C8B-B14F-4D97-AF65-F5344CB8AC3E}">
+        <p14:creationId xmlns:p14="http://schemas.microsoft.com/office/powerpoint/2010/main" val="4285775379"/>
+      </p:ext>
+    </p:extLst>
+  </p:cSld>
+  <p:clrMapOvr>
+    <a:masterClrMapping/>
+  </p:clrMapOvr>
+</p:sld>
+</file>
+
+<file path=ppt/slides/slide19.xml><?xml version="1.0" encoding="utf-8"?>
+<p:sld xmlns:a="http://schemas.openxmlformats.org/drawingml/2006/main" xmlns:r="http://schemas.openxmlformats.org/officeDocument/2006/relationships" xmlns:p="http://schemas.openxmlformats.org/presentationml/2006/main">
+  <p:cSld>
+    <p:spTree>
+      <p:nvGrpSpPr>
+        <p:cNvPr id="1" name=""/>
+        <p:cNvGrpSpPr/>
+        <p:nvPr/>
+      </p:nvGrpSpPr>
+      <p:grpSpPr>
+        <a:xfrm>
+          <a:off x="0" y="0"/>
+          <a:ext cx="0" cy="0"/>
+          <a:chOff x="0" y="0"/>
+          <a:chExt cx="0" cy="0"/>
+        </a:xfrm>
+      </p:grpSpPr>
+      <p:sp>
+        <p:nvSpPr>
+          <p:cNvPr id="3" name="Datumsplatzhalter 2"/>
+          <p:cNvSpPr>
+            <a:spLocks noGrp="1"/>
+          </p:cNvSpPr>
+          <p:nvPr>
+            <p:ph type="dt" sz="half" idx="10"/>
+          </p:nvPr>
+        </p:nvSpPr>
+        <p:spPr/>
+        <p:txBody>
+          <a:bodyPr/>
+          <a:lstStyle/>
+          <a:p>
+            <a:fld id="{D7EBB97D-9926-4A8D-8C1C-1E5C83B83A11}" type="datetime1">
+              <a:rPr lang="de-DE" smtClean="0"/>
+              <a:t>17.07.22</a:t>
+            </a:fld>
+            <a:endParaRPr lang="de-DE" dirty="0"/>
+          </a:p>
+        </p:txBody>
+      </p:sp>
+      <p:sp>
+        <p:nvSpPr>
+          <p:cNvPr id="4" name="Fußzeilenplatzhalter 3"/>
+          <p:cNvSpPr>
+            <a:spLocks noGrp="1"/>
+          </p:cNvSpPr>
+          <p:nvPr>
+            <p:ph type="ftr" sz="quarter" idx="11"/>
+          </p:nvPr>
+        </p:nvSpPr>
+        <p:spPr/>
+        <p:txBody>
+          <a:bodyPr/>
+          <a:lstStyle/>
+          <a:p>
+            <a:r>
+              <a:rPr lang="de-DE" dirty="0"/>
+              <a:t>Big Data &amp; </a:t>
+            </a:r>
+            <a:r>
+              <a:rPr lang="de-DE" dirty="0" err="1"/>
+              <a:t>Machine</a:t>
+            </a:r>
+            <a:r>
+              <a:rPr lang="de-DE" dirty="0"/>
+              <a:t> Learning – Final </a:t>
+            </a:r>
+            <a:r>
+              <a:rPr lang="de-DE" dirty="0" err="1"/>
+              <a:t>Presentation</a:t>
+            </a:r>
+            <a:r>
+              <a:rPr lang="de-DE" dirty="0"/>
+              <a:t>, Philipp Moritzer </a:t>
+            </a:r>
+          </a:p>
+        </p:txBody>
+      </p:sp>
+      <p:sp>
+        <p:nvSpPr>
+          <p:cNvPr id="12" name="Foliennummernplatzhalter 11"/>
+          <p:cNvSpPr>
+            <a:spLocks noGrp="1"/>
+          </p:cNvSpPr>
+          <p:nvPr>
+            <p:ph type="sldNum" sz="quarter" idx="12"/>
+          </p:nvPr>
+        </p:nvSpPr>
+        <p:spPr/>
+        <p:txBody>
+          <a:bodyPr/>
+          <a:lstStyle/>
+          <a:p>
+            <a:fld id="{58444F55-0981-4E9E-8F6B-2F7546EE58D7}" type="slidenum">
+              <a:rPr lang="de-DE" smtClean="0"/>
+              <a:pPr/>
+              <a:t>19</a:t>
+            </a:fld>
+            <a:endParaRPr lang="de-DE" dirty="0"/>
+          </a:p>
+        </p:txBody>
+      </p:sp>
+      <p:sp>
+        <p:nvSpPr>
+          <p:cNvPr id="2" name="Titel 1"/>
+          <p:cNvSpPr>
+            <a:spLocks noGrp="1"/>
+          </p:cNvSpPr>
+          <p:nvPr>
+            <p:ph type="title"/>
+          </p:nvPr>
+        </p:nvSpPr>
+        <p:spPr/>
+        <p:txBody>
+          <a:bodyPr/>
+          <a:lstStyle/>
+          <a:p>
+            <a:r>
+              <a:rPr lang="de-DE" dirty="0"/>
+              <a:t>Project – </a:t>
+            </a:r>
+            <a:r>
+              <a:rPr lang="de-DE" dirty="0" err="1"/>
+              <a:t>visualization</a:t>
+            </a:r>
+            <a:endParaRPr lang="de-DE" dirty="0"/>
+          </a:p>
+        </p:txBody>
+      </p:sp>
+      <p:sp>
+        <p:nvSpPr>
+          <p:cNvPr id="6" name="Inhaltsplatzhalter 5"/>
+          <p:cNvSpPr>
+            <a:spLocks noGrp="1"/>
+          </p:cNvSpPr>
+          <p:nvPr>
+            <p:ph sz="quarter" idx="13"/>
+          </p:nvPr>
+        </p:nvSpPr>
+        <p:spPr/>
+        <p:txBody>
+          <a:bodyPr/>
+          <a:lstStyle/>
+          <a:p>
+            <a:pPr marL="285750" indent="-285750">
+              <a:buFont typeface="Arial" panose="020B0604020202020204" pitchFamily="34" charset="0"/>
+              <a:buChar char="•"/>
+            </a:pPr>
+            <a:r>
+              <a:rPr lang="de-DE" dirty="0"/>
+              <a:t>Values </a:t>
+            </a:r>
+            <a:r>
+              <a:rPr lang="de-DE" dirty="0" err="1"/>
+              <a:t>that</a:t>
+            </a:r>
+            <a:r>
+              <a:rPr lang="de-DE" dirty="0"/>
+              <a:t> </a:t>
+            </a:r>
+            <a:r>
+              <a:rPr lang="de-DE" dirty="0" err="1"/>
+              <a:t>represent</a:t>
+            </a:r>
+            <a:r>
+              <a:rPr lang="de-DE" dirty="0"/>
+              <a:t> </a:t>
+            </a:r>
+            <a:r>
+              <a:rPr lang="de-DE" dirty="0" err="1"/>
+              <a:t>measured</a:t>
+            </a:r>
+            <a:r>
+              <a:rPr lang="de-DE" dirty="0"/>
+              <a:t> </a:t>
+            </a:r>
+            <a:r>
+              <a:rPr lang="de-DE" dirty="0" err="1"/>
+              <a:t>bird</a:t>
+            </a:r>
+            <a:r>
+              <a:rPr lang="de-DE" dirty="0"/>
+              <a:t> </a:t>
+            </a:r>
+            <a:r>
+              <a:rPr lang="de-DE" dirty="0" err="1"/>
+              <a:t>locations</a:t>
+            </a:r>
+            <a:r>
+              <a:rPr lang="de-DE" dirty="0"/>
+              <a:t> </a:t>
+            </a:r>
+            <a:r>
+              <a:rPr lang="de-DE" dirty="0" err="1"/>
+              <a:t>over</a:t>
+            </a:r>
+            <a:r>
+              <a:rPr lang="de-DE" dirty="0"/>
+              <a:t> a </a:t>
+            </a:r>
+            <a:r>
+              <a:rPr lang="de-DE" dirty="0" err="1"/>
+              <a:t>series</a:t>
+            </a:r>
+            <a:r>
+              <a:rPr lang="de-DE" dirty="0"/>
+              <a:t> </a:t>
+            </a:r>
+            <a:r>
+              <a:rPr lang="de-DE" dirty="0" err="1"/>
+              <a:t>of</a:t>
+            </a:r>
+            <a:r>
+              <a:rPr lang="de-DE" dirty="0"/>
+              <a:t> time</a:t>
+            </a:r>
+          </a:p>
+          <a:p>
+            <a:pPr marL="285750" indent="-285750">
+              <a:buFont typeface="Arial" panose="020B0604020202020204" pitchFamily="34" charset="0"/>
+              <a:buChar char="•"/>
+            </a:pPr>
+            <a:endParaRPr lang="de-DE" dirty="0"/>
+          </a:p>
+        </p:txBody>
+      </p:sp>
+    </p:spTree>
+    <p:extLst>
+      <p:ext uri="{BB962C8B-B14F-4D97-AF65-F5344CB8AC3E}">
+        <p14:creationId xmlns:p14="http://schemas.microsoft.com/office/powerpoint/2010/main" val="1667100456"/>
+      </p:ext>
+    </p:extLst>
+  </p:cSld>
+  <p:clrMapOvr>
+    <a:masterClrMapping/>
+  </p:clrMapOvr>
+</p:sld>
+</file>
+
+<file path=ppt/slides/slide2.xml><?xml version="1.0" encoding="utf-8"?>
+<p:sld xmlns:a="http://schemas.openxmlformats.org/drawingml/2006/main" xmlns:r="http://schemas.openxmlformats.org/officeDocument/2006/relationships" xmlns:p="http://schemas.openxmlformats.org/presentationml/2006/main">
+  <p:cSld>
+    <p:spTree>
+      <p:nvGrpSpPr>
+        <p:cNvPr id="1" name=""/>
+        <p:cNvGrpSpPr/>
+        <p:nvPr/>
+      </p:nvGrpSpPr>
+      <p:grpSpPr>
+        <a:xfrm>
+          <a:off x="0" y="0"/>
+          <a:ext cx="0" cy="0"/>
+          <a:chOff x="0" y="0"/>
+          <a:chExt cx="0" cy="0"/>
+        </a:xfrm>
+      </p:grpSpPr>
+      <p:sp>
+        <p:nvSpPr>
+          <p:cNvPr id="5" name="Inhaltsplatzhalter 4"/>
+          <p:cNvSpPr>
+            <a:spLocks noGrp="1"/>
+          </p:cNvSpPr>
+          <p:nvPr>
+            <p:ph sz="quarter" idx="10"/>
+          </p:nvPr>
+        </p:nvSpPr>
+        <p:spPr/>
+        <p:txBody>
+          <a:bodyPr/>
+          <a:lstStyle/>
+          <a:p>
+            <a:r>
+              <a:rPr lang="de-DE" dirty="0" err="1"/>
+              <a:t>Introduction</a:t>
+            </a:r>
+            <a:endParaRPr lang="de-DE" dirty="0"/>
+          </a:p>
+          <a:p>
+            <a:r>
+              <a:rPr lang="de-DE" dirty="0" err="1"/>
+              <a:t>Fundamentals</a:t>
+            </a:r>
+            <a:endParaRPr lang="de-DE" dirty="0"/>
+          </a:p>
+          <a:p>
+            <a:pPr lvl="1"/>
+            <a:r>
+              <a:rPr lang="de-DE" dirty="0"/>
+              <a:t>NoSQL </a:t>
+            </a:r>
+            <a:r>
+              <a:rPr lang="de-DE" dirty="0" err="1"/>
+              <a:t>basics</a:t>
+            </a:r>
+            <a:endParaRPr lang="de-DE" dirty="0"/>
+          </a:p>
+          <a:p>
+            <a:pPr lvl="1"/>
+            <a:r>
+              <a:rPr lang="de-DE" dirty="0"/>
+              <a:t>NoSQL </a:t>
+            </a:r>
+            <a:r>
+              <a:rPr lang="de-DE" dirty="0" err="1"/>
+              <a:t>vs</a:t>
+            </a:r>
+            <a:r>
+              <a:rPr lang="de-DE" dirty="0"/>
+              <a:t> Relational Databases</a:t>
+            </a:r>
+          </a:p>
+          <a:p>
+            <a:pPr lvl="1"/>
+            <a:r>
+              <a:rPr lang="de-DE" dirty="0"/>
+              <a:t>Time Series Databases</a:t>
+            </a:r>
+          </a:p>
+          <a:p>
+            <a:pPr lvl="1"/>
+            <a:r>
+              <a:rPr lang="de-DE" dirty="0" err="1"/>
+              <a:t>InfluxDB</a:t>
+            </a:r>
+            <a:r>
+              <a:rPr lang="de-DE" dirty="0"/>
+              <a:t> </a:t>
+            </a:r>
+            <a:r>
+              <a:rPr lang="de-DE" dirty="0" err="1"/>
+              <a:t>basics</a:t>
+            </a:r>
+            <a:endParaRPr lang="de-DE" dirty="0"/>
+          </a:p>
+          <a:p>
+            <a:pPr lvl="4"/>
+            <a:r>
+              <a:rPr lang="de-DE" dirty="0" err="1"/>
+              <a:t>Flux</a:t>
+            </a:r>
+            <a:r>
+              <a:rPr lang="de-DE" dirty="0"/>
+              <a:t> </a:t>
+            </a:r>
+            <a:r>
+              <a:rPr lang="de-DE" dirty="0" err="1"/>
+              <a:t>query</a:t>
+            </a:r>
+            <a:r>
+              <a:rPr lang="de-DE" dirty="0"/>
+              <a:t> </a:t>
+            </a:r>
+            <a:r>
+              <a:rPr lang="de-DE" dirty="0" err="1"/>
+              <a:t>language</a:t>
+            </a:r>
+            <a:endParaRPr lang="de-DE" dirty="0"/>
+          </a:p>
+          <a:p>
+            <a:pPr lvl="4"/>
+            <a:r>
+              <a:rPr lang="de-DE" dirty="0" err="1"/>
+              <a:t>InfluxDB</a:t>
+            </a:r>
+            <a:r>
+              <a:rPr lang="de-DE" dirty="0"/>
+              <a:t> </a:t>
+            </a:r>
+            <a:r>
+              <a:rPr lang="de-DE" dirty="0" err="1"/>
+              <a:t>vs</a:t>
+            </a:r>
+            <a:r>
+              <a:rPr lang="de-DE" dirty="0"/>
+              <a:t> </a:t>
+            </a:r>
+            <a:r>
+              <a:rPr lang="de-DE" dirty="0" err="1"/>
+              <a:t>Timescale</a:t>
+            </a:r>
+            <a:r>
+              <a:rPr lang="de-DE" dirty="0"/>
+              <a:t> </a:t>
+            </a:r>
+            <a:r>
+              <a:rPr lang="de-DE" dirty="0" err="1"/>
+              <a:t>vs</a:t>
+            </a:r>
+            <a:r>
+              <a:rPr lang="de-DE" dirty="0"/>
+              <a:t> Prometheus</a:t>
+            </a:r>
+          </a:p>
+          <a:p>
+            <a:pPr lvl="1"/>
+            <a:r>
+              <a:rPr lang="de-DE" dirty="0"/>
+              <a:t>Naive Bayes Classification</a:t>
+            </a:r>
+          </a:p>
+          <a:p>
+            <a:r>
+              <a:rPr lang="de-DE" dirty="0"/>
+              <a:t>Project</a:t>
+            </a:r>
+          </a:p>
+          <a:p>
+            <a:r>
+              <a:rPr lang="de-DE" dirty="0"/>
+              <a:t>Live </a:t>
+            </a:r>
+            <a:r>
+              <a:rPr lang="de-DE" dirty="0" err="1"/>
+              <a:t>demonstration</a:t>
+            </a:r>
+            <a:endParaRPr lang="de-DE" dirty="0"/>
+          </a:p>
+          <a:p>
+            <a:r>
+              <a:rPr lang="de-DE" dirty="0" err="1"/>
+              <a:t>Conclusion</a:t>
+            </a:r>
+            <a:endParaRPr lang="de-DE" dirty="0"/>
+          </a:p>
+          <a:p>
+            <a:pPr marL="179025" indent="0">
+              <a:buNone/>
+            </a:pPr>
+            <a:endParaRPr lang="de-DE" dirty="0"/>
+          </a:p>
+          <a:p>
+            <a:pPr marL="0" indent="0">
+              <a:buNone/>
+            </a:pPr>
+            <a:endParaRPr lang="de-DE" dirty="0"/>
+          </a:p>
+        </p:txBody>
+      </p:sp>
+    </p:spTree>
+    <p:extLst>
+      <p:ext uri="{BB962C8B-B14F-4D97-AF65-F5344CB8AC3E}">
+        <p14:creationId xmlns:p14="http://schemas.microsoft.com/office/powerpoint/2010/main" val="2362759708"/>
+      </p:ext>
+    </p:extLst>
+  </p:cSld>
+  <p:clrMapOvr>
+    <a:masterClrMapping/>
+  </p:clrMapOvr>
+</p:sld>
+</file>
+
+<file path=ppt/slides/slide20.xml><?xml version="1.0" encoding="utf-8"?>
+<p:sld xmlns:a="http://schemas.openxmlformats.org/drawingml/2006/main" xmlns:r="http://schemas.openxmlformats.org/officeDocument/2006/relationships" xmlns:p="http://schemas.openxmlformats.org/presentationml/2006/main">
+  <p:cSld>
+    <p:spTree>
+      <p:nvGrpSpPr>
+        <p:cNvPr id="1" name=""/>
+        <p:cNvGrpSpPr/>
+        <p:nvPr/>
+      </p:nvGrpSpPr>
+      <p:grpSpPr>
+        <a:xfrm>
+          <a:off x="0" y="0"/>
+          <a:ext cx="0" cy="0"/>
+          <a:chOff x="0" y="0"/>
+          <a:chExt cx="0" cy="0"/>
+        </a:xfrm>
+      </p:grpSpPr>
+      <p:sp>
+        <p:nvSpPr>
+          <p:cNvPr id="3" name="Datumsplatzhalter 2"/>
+          <p:cNvSpPr>
+            <a:spLocks noGrp="1"/>
+          </p:cNvSpPr>
+          <p:nvPr>
+            <p:ph type="dt" sz="half" idx="10"/>
+          </p:nvPr>
+        </p:nvSpPr>
+        <p:spPr/>
+        <p:txBody>
+          <a:bodyPr/>
+          <a:lstStyle/>
+          <a:p>
+            <a:fld id="{D7EBB97D-9926-4A8D-8C1C-1E5C83B83A11}" type="datetime1">
+              <a:rPr lang="de-DE" smtClean="0"/>
+              <a:t>17.07.22</a:t>
+            </a:fld>
+            <a:endParaRPr lang="de-DE" dirty="0"/>
+          </a:p>
+        </p:txBody>
+      </p:sp>
+      <p:sp>
+        <p:nvSpPr>
+          <p:cNvPr id="4" name="Fußzeilenplatzhalter 3"/>
+          <p:cNvSpPr>
+            <a:spLocks noGrp="1"/>
+          </p:cNvSpPr>
+          <p:nvPr>
+            <p:ph type="ftr" sz="quarter" idx="11"/>
+          </p:nvPr>
+        </p:nvSpPr>
+        <p:spPr/>
+        <p:txBody>
+          <a:bodyPr/>
+          <a:lstStyle/>
+          <a:p>
+            <a:r>
+              <a:rPr lang="de-DE" dirty="0"/>
+              <a:t>Big Data &amp; </a:t>
+            </a:r>
+            <a:r>
+              <a:rPr lang="de-DE" dirty="0" err="1"/>
+              <a:t>Machine</a:t>
+            </a:r>
+            <a:r>
+              <a:rPr lang="de-DE" dirty="0"/>
+              <a:t> Learning – Final </a:t>
+            </a:r>
+            <a:r>
+              <a:rPr lang="de-DE" dirty="0" err="1"/>
+              <a:t>Presentation</a:t>
+            </a:r>
+            <a:r>
+              <a:rPr lang="de-DE" dirty="0"/>
+              <a:t>, Philipp Moritzer </a:t>
+            </a:r>
+          </a:p>
+        </p:txBody>
+      </p:sp>
+      <p:sp>
+        <p:nvSpPr>
+          <p:cNvPr id="12" name="Foliennummernplatzhalter 11"/>
+          <p:cNvSpPr>
+            <a:spLocks noGrp="1"/>
+          </p:cNvSpPr>
+          <p:nvPr>
+            <p:ph type="sldNum" sz="quarter" idx="12"/>
+          </p:nvPr>
+        </p:nvSpPr>
+        <p:spPr/>
+        <p:txBody>
+          <a:bodyPr/>
+          <a:lstStyle/>
+          <a:p>
+            <a:fld id="{58444F55-0981-4E9E-8F6B-2F7546EE58D7}" type="slidenum">
+              <a:rPr lang="de-DE" smtClean="0"/>
+              <a:pPr/>
+              <a:t>20</a:t>
+            </a:fld>
+            <a:endParaRPr lang="de-DE" dirty="0"/>
+          </a:p>
+        </p:txBody>
+      </p:sp>
+      <p:sp>
+        <p:nvSpPr>
+          <p:cNvPr id="2" name="Titel 1"/>
+          <p:cNvSpPr>
+            <a:spLocks noGrp="1"/>
+          </p:cNvSpPr>
+          <p:nvPr>
+            <p:ph type="title"/>
+          </p:nvPr>
+        </p:nvSpPr>
+        <p:spPr/>
+        <p:txBody>
+          <a:bodyPr/>
+          <a:lstStyle/>
+          <a:p>
+            <a:r>
+              <a:rPr lang="de-DE" dirty="0"/>
+              <a:t>Project – </a:t>
+            </a:r>
+            <a:r>
+              <a:rPr lang="de-DE" dirty="0" err="1"/>
+              <a:t>classification</a:t>
+            </a:r>
+            <a:endParaRPr lang="de-DE" dirty="0"/>
+          </a:p>
+        </p:txBody>
+      </p:sp>
+      <p:sp>
+        <p:nvSpPr>
+          <p:cNvPr id="6" name="Inhaltsplatzhalter 5"/>
+          <p:cNvSpPr>
+            <a:spLocks noGrp="1"/>
+          </p:cNvSpPr>
+          <p:nvPr>
+            <p:ph sz="quarter" idx="13"/>
+          </p:nvPr>
+        </p:nvSpPr>
+        <p:spPr/>
+        <p:txBody>
+          <a:bodyPr/>
+          <a:lstStyle/>
+          <a:p>
+            <a:pPr marL="285750" indent="-285750">
+              <a:buFont typeface="Arial" panose="020B0604020202020204" pitchFamily="34" charset="0"/>
+              <a:buChar char="•"/>
+            </a:pPr>
+            <a:r>
+              <a:rPr lang="de-DE" dirty="0"/>
+              <a:t>Values </a:t>
+            </a:r>
+            <a:r>
+              <a:rPr lang="de-DE" dirty="0" err="1"/>
+              <a:t>that</a:t>
+            </a:r>
+            <a:r>
+              <a:rPr lang="de-DE" dirty="0"/>
+              <a:t> </a:t>
+            </a:r>
+            <a:r>
+              <a:rPr lang="de-DE" dirty="0" err="1"/>
+              <a:t>represent</a:t>
+            </a:r>
+            <a:r>
+              <a:rPr lang="de-DE" dirty="0"/>
+              <a:t> </a:t>
+            </a:r>
+            <a:r>
+              <a:rPr lang="de-DE" dirty="0" err="1"/>
+              <a:t>measured</a:t>
+            </a:r>
+            <a:r>
+              <a:rPr lang="de-DE" dirty="0"/>
+              <a:t> </a:t>
+            </a:r>
+            <a:r>
+              <a:rPr lang="de-DE" dirty="0" err="1"/>
+              <a:t>bird</a:t>
+            </a:r>
+            <a:r>
+              <a:rPr lang="de-DE" dirty="0"/>
+              <a:t> </a:t>
+            </a:r>
+            <a:r>
+              <a:rPr lang="de-DE" dirty="0" err="1"/>
+              <a:t>locations</a:t>
+            </a:r>
+            <a:r>
+              <a:rPr lang="de-DE" dirty="0"/>
+              <a:t> </a:t>
+            </a:r>
+            <a:r>
+              <a:rPr lang="de-DE" dirty="0" err="1"/>
+              <a:t>over</a:t>
+            </a:r>
+            <a:r>
+              <a:rPr lang="de-DE" dirty="0"/>
+              <a:t> a </a:t>
+            </a:r>
+            <a:r>
+              <a:rPr lang="de-DE" dirty="0" err="1"/>
+              <a:t>series</a:t>
+            </a:r>
+            <a:r>
+              <a:rPr lang="de-DE" dirty="0"/>
+              <a:t> </a:t>
+            </a:r>
+            <a:r>
+              <a:rPr lang="de-DE" dirty="0" err="1"/>
+              <a:t>of</a:t>
+            </a:r>
+            <a:r>
+              <a:rPr lang="de-DE" dirty="0"/>
+              <a:t> time</a:t>
+            </a:r>
+          </a:p>
+          <a:p>
+            <a:pPr marL="285750" indent="-285750">
+              <a:buFont typeface="Arial" panose="020B0604020202020204" pitchFamily="34" charset="0"/>
+              <a:buChar char="•"/>
+            </a:pPr>
+            <a:endParaRPr lang="de-DE" dirty="0"/>
+          </a:p>
+        </p:txBody>
+      </p:sp>
+    </p:spTree>
+    <p:extLst>
+      <p:ext uri="{BB962C8B-B14F-4D97-AF65-F5344CB8AC3E}">
+        <p14:creationId xmlns:p14="http://schemas.microsoft.com/office/powerpoint/2010/main" val="1162500194"/>
+      </p:ext>
+    </p:extLst>
+  </p:cSld>
+  <p:clrMapOvr>
+    <a:masterClrMapping/>
+  </p:clrMapOvr>
+</p:sld>
+</file>
+
+<file path=ppt/slides/slide21.xml><?xml version="1.0" encoding="utf-8"?>
+<p:sld xmlns:a="http://schemas.openxmlformats.org/drawingml/2006/main" xmlns:r="http://schemas.openxmlformats.org/officeDocument/2006/relationships" xmlns:p="http://schemas.openxmlformats.org/presentationml/2006/main">
+  <p:cSld>
+    <p:spTree>
+      <p:nvGrpSpPr>
+        <p:cNvPr id="1" name=""/>
+        <p:cNvGrpSpPr/>
+        <p:nvPr/>
+      </p:nvGrpSpPr>
+      <p:grpSpPr>
+        <a:xfrm>
+          <a:off x="0" y="0"/>
+          <a:ext cx="0" cy="0"/>
+          <a:chOff x="0" y="0"/>
+          <a:chExt cx="0" cy="0"/>
+        </a:xfrm>
+      </p:grpSpPr>
       <p:graphicFrame>
         <p:nvGraphicFramePr>
           <p:cNvPr id="4" name="Objekt 3" hidden="1"/>
@@ -15756,7 +18059,7 @@
 </p:sld>
 </file>
 
-<file path=ppt/slides/slide16.xml><?xml version="1.0" encoding="utf-8"?>
+<file path=ppt/slides/slide22.xml><?xml version="1.0" encoding="utf-8"?>
 <p:sld xmlns:a="http://schemas.openxmlformats.org/drawingml/2006/main" xmlns:r="http://schemas.openxmlformats.org/officeDocument/2006/relationships" xmlns:p="http://schemas.openxmlformats.org/presentationml/2006/main">
   <p:cSld>
     <p:spTree>
@@ -15907,7 +18210,246 @@
 </p:sld>
 </file>
 
-<file path=ppt/slides/slide17.xml><?xml version="1.0" encoding="utf-8"?>
+<file path=ppt/slides/slide23.xml><?xml version="1.0" encoding="utf-8"?>
+<p:sld xmlns:a="http://schemas.openxmlformats.org/drawingml/2006/main" xmlns:r="http://schemas.openxmlformats.org/officeDocument/2006/relationships" xmlns:p="http://schemas.openxmlformats.org/presentationml/2006/main">
+  <p:cSld>
+    <p:spTree>
+      <p:nvGrpSpPr>
+        <p:cNvPr id="1" name=""/>
+        <p:cNvGrpSpPr/>
+        <p:nvPr/>
+      </p:nvGrpSpPr>
+      <p:grpSpPr>
+        <a:xfrm>
+          <a:off x="0" y="0"/>
+          <a:ext cx="0" cy="0"/>
+          <a:chOff x="0" y="0"/>
+          <a:chExt cx="0" cy="0"/>
+        </a:xfrm>
+      </p:grpSpPr>
+      <p:sp>
+        <p:nvSpPr>
+          <p:cNvPr id="3" name="Datumsplatzhalter 2"/>
+          <p:cNvSpPr>
+            <a:spLocks noGrp="1"/>
+          </p:cNvSpPr>
+          <p:nvPr>
+            <p:ph type="dt" sz="half" idx="10"/>
+          </p:nvPr>
+        </p:nvSpPr>
+        <p:spPr/>
+        <p:txBody>
+          <a:bodyPr/>
+          <a:lstStyle/>
+          <a:p>
+            <a:fld id="{D7EBB97D-9926-4A8D-8C1C-1E5C83B83A11}" type="datetime1">
+              <a:rPr lang="de-DE" smtClean="0"/>
+              <a:t>17.07.22</a:t>
+            </a:fld>
+            <a:endParaRPr lang="de-DE" dirty="0"/>
+          </a:p>
+        </p:txBody>
+      </p:sp>
+      <p:sp>
+        <p:nvSpPr>
+          <p:cNvPr id="4" name="Fußzeilenplatzhalter 3"/>
+          <p:cNvSpPr>
+            <a:spLocks noGrp="1"/>
+          </p:cNvSpPr>
+          <p:nvPr>
+            <p:ph type="ftr" sz="quarter" idx="11"/>
+          </p:nvPr>
+        </p:nvSpPr>
+        <p:spPr/>
+        <p:txBody>
+          <a:bodyPr/>
+          <a:lstStyle/>
+          <a:p>
+            <a:r>
+              <a:rPr lang="de-DE" dirty="0"/>
+              <a:t>Big Data &amp; </a:t>
+            </a:r>
+            <a:r>
+              <a:rPr lang="de-DE" dirty="0" err="1"/>
+              <a:t>Machine</a:t>
+            </a:r>
+            <a:r>
+              <a:rPr lang="de-DE" dirty="0"/>
+              <a:t> Learning – Final </a:t>
+            </a:r>
+            <a:r>
+              <a:rPr lang="de-DE" dirty="0" err="1"/>
+              <a:t>Presentation</a:t>
+            </a:r>
+            <a:r>
+              <a:rPr lang="de-DE" dirty="0"/>
+              <a:t>, Philipp Moritzer </a:t>
+            </a:r>
+          </a:p>
+        </p:txBody>
+      </p:sp>
+      <p:sp>
+        <p:nvSpPr>
+          <p:cNvPr id="12" name="Foliennummernplatzhalter 11"/>
+          <p:cNvSpPr>
+            <a:spLocks noGrp="1"/>
+          </p:cNvSpPr>
+          <p:nvPr>
+            <p:ph type="sldNum" sz="quarter" idx="12"/>
+          </p:nvPr>
+        </p:nvSpPr>
+        <p:spPr/>
+        <p:txBody>
+          <a:bodyPr/>
+          <a:lstStyle/>
+          <a:p>
+            <a:fld id="{58444F55-0981-4E9E-8F6B-2F7546EE58D7}" type="slidenum">
+              <a:rPr lang="de-DE" smtClean="0"/>
+              <a:pPr/>
+              <a:t>23</a:t>
+            </a:fld>
+            <a:endParaRPr lang="de-DE" dirty="0"/>
+          </a:p>
+        </p:txBody>
+      </p:sp>
+      <p:sp>
+        <p:nvSpPr>
+          <p:cNvPr id="2" name="Titel 1"/>
+          <p:cNvSpPr>
+            <a:spLocks noGrp="1"/>
+          </p:cNvSpPr>
+          <p:nvPr>
+            <p:ph type="title"/>
+          </p:nvPr>
+        </p:nvSpPr>
+        <p:spPr/>
+        <p:txBody>
+          <a:bodyPr/>
+          <a:lstStyle/>
+          <a:p>
+            <a:r>
+              <a:rPr lang="de-DE" dirty="0"/>
+              <a:t>Project – The </a:t>
+            </a:r>
+            <a:r>
+              <a:rPr lang="de-DE" dirty="0" err="1"/>
+              <a:t>dataset</a:t>
+            </a:r>
+            <a:endParaRPr lang="de-DE" dirty="0"/>
+          </a:p>
+        </p:txBody>
+      </p:sp>
+      <p:sp>
+        <p:nvSpPr>
+          <p:cNvPr id="6" name="Inhaltsplatzhalter 5"/>
+          <p:cNvSpPr>
+            <a:spLocks noGrp="1"/>
+          </p:cNvSpPr>
+          <p:nvPr>
+            <p:ph sz="quarter" idx="13"/>
+          </p:nvPr>
+        </p:nvSpPr>
+        <p:spPr/>
+        <p:txBody>
+          <a:bodyPr/>
+          <a:lstStyle/>
+          <a:p>
+            <a:pPr marL="285750" indent="-285750">
+              <a:buFont typeface="Arial" panose="020B0604020202020204" pitchFamily="34" charset="0"/>
+              <a:buChar char="•"/>
+            </a:pPr>
+            <a:r>
+              <a:rPr lang="de-DE" dirty="0"/>
+              <a:t>Values </a:t>
+            </a:r>
+            <a:r>
+              <a:rPr lang="de-DE" dirty="0" err="1"/>
+              <a:t>that</a:t>
+            </a:r>
+            <a:r>
+              <a:rPr lang="de-DE" dirty="0"/>
+              <a:t> </a:t>
+            </a:r>
+            <a:r>
+              <a:rPr lang="de-DE" dirty="0" err="1"/>
+              <a:t>represent</a:t>
+            </a:r>
+            <a:r>
+              <a:rPr lang="de-DE" dirty="0"/>
+              <a:t> </a:t>
+            </a:r>
+            <a:r>
+              <a:rPr lang="de-DE" dirty="0" err="1"/>
+              <a:t>measured</a:t>
+            </a:r>
+            <a:r>
+              <a:rPr lang="de-DE" dirty="0"/>
+              <a:t> </a:t>
+            </a:r>
+            <a:r>
+              <a:rPr lang="de-DE" dirty="0" err="1"/>
+              <a:t>bird</a:t>
+            </a:r>
+            <a:r>
+              <a:rPr lang="de-DE" dirty="0"/>
+              <a:t> </a:t>
+            </a:r>
+            <a:r>
+              <a:rPr lang="de-DE" dirty="0" err="1"/>
+              <a:t>locations</a:t>
+            </a:r>
+            <a:r>
+              <a:rPr lang="de-DE" dirty="0"/>
+              <a:t> </a:t>
+            </a:r>
+            <a:r>
+              <a:rPr lang="de-DE" dirty="0" err="1"/>
+              <a:t>over</a:t>
+            </a:r>
+            <a:r>
+              <a:rPr lang="de-DE" dirty="0"/>
+              <a:t> a </a:t>
+            </a:r>
+            <a:r>
+              <a:rPr lang="de-DE" dirty="0" err="1"/>
+              <a:t>series</a:t>
+            </a:r>
+            <a:r>
+              <a:rPr lang="de-DE" dirty="0"/>
+              <a:t> </a:t>
+            </a:r>
+            <a:r>
+              <a:rPr lang="de-DE" dirty="0" err="1"/>
+              <a:t>of</a:t>
+            </a:r>
+            <a:r>
+              <a:rPr lang="de-DE" dirty="0"/>
+              <a:t> time</a:t>
+            </a:r>
+          </a:p>
+          <a:p>
+            <a:pPr marL="285750" indent="-285750">
+              <a:buFont typeface="Arial" panose="020B0604020202020204" pitchFamily="34" charset="0"/>
+              <a:buChar char="•"/>
+            </a:pPr>
+            <a:endParaRPr lang="de-DE" dirty="0"/>
+          </a:p>
+        </p:txBody>
+      </p:sp>
+    </p:spTree>
+    <p:extLst>
+      <p:ext uri="{BB962C8B-B14F-4D97-AF65-F5344CB8AC3E}">
+        <p14:creationId xmlns:p14="http://schemas.microsoft.com/office/powerpoint/2010/main" val="3430286260"/>
+      </p:ext>
+    </p:extLst>
+  </p:cSld>
+  <p:clrMapOvr>
+    <a:masterClrMapping/>
+  </p:clrMapOvr>
+</p:sld>
+</file>
+
+<file path=ppt/slides/slide24.xml><?xml version="1.0" encoding="utf-8"?>
 <p:sld xmlns:a="http://schemas.openxmlformats.org/drawingml/2006/main" xmlns:r="http://schemas.openxmlformats.org/officeDocument/2006/relationships" xmlns:p="http://schemas.openxmlformats.org/presentationml/2006/main">
   <p:cSld>
     <p:spTree>
@@ -16031,2100 +18573,6 @@
 </p:sld>
 </file>
 
-<file path=ppt/slides/slide18.xml><?xml version="1.0" encoding="utf-8"?>
-<p:sld xmlns:a="http://schemas.openxmlformats.org/drawingml/2006/main" xmlns:r="http://schemas.openxmlformats.org/officeDocument/2006/relationships" xmlns:p="http://schemas.openxmlformats.org/presentationml/2006/main">
-  <p:cSld>
-    <p:spTree>
-      <p:nvGrpSpPr>
-        <p:cNvPr id="1" name=""/>
-        <p:cNvGrpSpPr/>
-        <p:nvPr/>
-      </p:nvGrpSpPr>
-      <p:grpSpPr>
-        <a:xfrm>
-          <a:off x="0" y="0"/>
-          <a:ext cx="0" cy="0"/>
-          <a:chOff x="0" y="0"/>
-          <a:chExt cx="0" cy="0"/>
-        </a:xfrm>
-      </p:grpSpPr>
-      <p:sp>
-        <p:nvSpPr>
-          <p:cNvPr id="2" name="Date Placeholder 1">
-            <a:extLst>
-              <a:ext uri="{FF2B5EF4-FFF2-40B4-BE49-F238E27FC236}">
-                <a16:creationId xmlns:a16="http://schemas.microsoft.com/office/drawing/2014/main" id="{0191F0C7-BF41-9710-70EB-D18852C21B6F}"/>
-              </a:ext>
-            </a:extLst>
-          </p:cNvPr>
-          <p:cNvSpPr>
-            <a:spLocks noGrp="1"/>
-          </p:cNvSpPr>
-          <p:nvPr>
-            <p:ph type="dt" sz="half" idx="10"/>
-          </p:nvPr>
-        </p:nvSpPr>
-        <p:spPr/>
-        <p:txBody>
-          <a:bodyPr/>
-          <a:lstStyle/>
-          <a:p>
-            <a:fld id="{51F9D3FF-F5C6-48BA-AF3B-6687C8CBA8CD}" type="datetime1">
-              <a:rPr lang="de-DE" smtClean="0"/>
-              <a:t>17.07.22</a:t>
-            </a:fld>
-            <a:endParaRPr lang="de-DE" dirty="0"/>
-          </a:p>
-        </p:txBody>
-      </p:sp>
-      <p:sp>
-        <p:nvSpPr>
-          <p:cNvPr id="3" name="Footer Placeholder 2">
-            <a:extLst>
-              <a:ext uri="{FF2B5EF4-FFF2-40B4-BE49-F238E27FC236}">
-                <a16:creationId xmlns:a16="http://schemas.microsoft.com/office/drawing/2014/main" id="{A6AAC715-4062-F324-278E-33E23ABAB037}"/>
-              </a:ext>
-            </a:extLst>
-          </p:cNvPr>
-          <p:cNvSpPr>
-            <a:spLocks noGrp="1"/>
-          </p:cNvSpPr>
-          <p:nvPr>
-            <p:ph type="ftr" sz="quarter" idx="11"/>
-          </p:nvPr>
-        </p:nvSpPr>
-        <p:spPr/>
-        <p:txBody>
-          <a:bodyPr/>
-          <a:lstStyle/>
-          <a:p>
-            <a:r>
-              <a:rPr lang="de-DE"/>
-              <a:t>Name der Präsentation, Name des Sprechers ©HSB</a:t>
-            </a:r>
-            <a:endParaRPr lang="de-DE" dirty="0"/>
-          </a:p>
-        </p:txBody>
-      </p:sp>
-      <p:sp>
-        <p:nvSpPr>
-          <p:cNvPr id="4" name="Slide Number Placeholder 3">
-            <a:extLst>
-              <a:ext uri="{FF2B5EF4-FFF2-40B4-BE49-F238E27FC236}">
-                <a16:creationId xmlns:a16="http://schemas.microsoft.com/office/drawing/2014/main" id="{C1150CE8-067F-100B-A3DB-DE039E882719}"/>
-              </a:ext>
-            </a:extLst>
-          </p:cNvPr>
-          <p:cNvSpPr>
-            <a:spLocks noGrp="1"/>
-          </p:cNvSpPr>
-          <p:nvPr>
-            <p:ph type="sldNum" sz="quarter" idx="12"/>
-          </p:nvPr>
-        </p:nvSpPr>
-        <p:spPr/>
-        <p:txBody>
-          <a:bodyPr/>
-          <a:lstStyle/>
-          <a:p>
-            <a:fld id="{58444F55-0981-4E9E-8F6B-2F7546EE58D7}" type="slidenum">
-              <a:rPr lang="de-DE" smtClean="0"/>
-              <a:pPr/>
-              <a:t>18</a:t>
-            </a:fld>
-            <a:endParaRPr lang="de-DE" dirty="0"/>
-          </a:p>
-        </p:txBody>
-      </p:sp>
-      <p:sp>
-        <p:nvSpPr>
-          <p:cNvPr id="5" name="Title 4">
-            <a:extLst>
-              <a:ext uri="{FF2B5EF4-FFF2-40B4-BE49-F238E27FC236}">
-                <a16:creationId xmlns:a16="http://schemas.microsoft.com/office/drawing/2014/main" id="{1E937642-1D4C-C139-7B47-6BE8E91F061F}"/>
-              </a:ext>
-            </a:extLst>
-          </p:cNvPr>
-          <p:cNvSpPr>
-            <a:spLocks noGrp="1"/>
-          </p:cNvSpPr>
-          <p:nvPr>
-            <p:ph type="title"/>
-          </p:nvPr>
-        </p:nvSpPr>
-        <p:spPr/>
-        <p:txBody>
-          <a:bodyPr/>
-          <a:lstStyle/>
-          <a:p>
-            <a:r>
-              <a:rPr lang="en-DE" dirty="0"/>
-              <a:t>Sources 1</a:t>
-            </a:r>
-          </a:p>
-        </p:txBody>
-      </p:sp>
-      <p:sp>
-        <p:nvSpPr>
-          <p:cNvPr id="6" name="Text Placeholder 5">
-            <a:extLst>
-              <a:ext uri="{FF2B5EF4-FFF2-40B4-BE49-F238E27FC236}">
-                <a16:creationId xmlns:a16="http://schemas.microsoft.com/office/drawing/2014/main" id="{BEB0659A-9C2A-9D8D-3312-C3D70A8C2C99}"/>
-              </a:ext>
-            </a:extLst>
-          </p:cNvPr>
-          <p:cNvSpPr>
-            <a:spLocks noGrp="1"/>
-          </p:cNvSpPr>
-          <p:nvPr>
-            <p:ph type="body" sz="quarter" idx="13"/>
-          </p:nvPr>
-        </p:nvSpPr>
-        <p:spPr/>
-        <p:txBody>
-          <a:bodyPr/>
-          <a:lstStyle/>
-          <a:p>
-            <a:r>
-              <a:rPr lang="en-GB" sz="1200" dirty="0"/>
-              <a:t>- [1] Brad </a:t>
-            </a:r>
-            <a:r>
-              <a:rPr lang="en-GB" sz="1200" dirty="0" err="1"/>
-              <a:t>Dayley</a:t>
-            </a:r>
-            <a:r>
-              <a:rPr lang="en-GB" sz="1200" dirty="0"/>
-              <a:t>. </a:t>
-            </a:r>
-            <a:r>
-              <a:rPr lang="en-GB" sz="1200" dirty="0" err="1"/>
-              <a:t>Sams</a:t>
-            </a:r>
-            <a:r>
-              <a:rPr lang="en-GB" sz="1200" dirty="0"/>
-              <a:t> Teach Yourself NoSQL with MongoDB in 24 Hours, Video Enhanced Edition. O'REILLY. 2014.</a:t>
-            </a:r>
-          </a:p>
-          <a:p>
-            <a:r>
-              <a:rPr lang="en-GB" sz="1200" dirty="0"/>
-              <a:t>- [2] Kasun </a:t>
-            </a:r>
-            <a:r>
-              <a:rPr lang="en-GB" sz="1200" dirty="0" err="1"/>
-              <a:t>Idrasiri</a:t>
-            </a:r>
-            <a:r>
-              <a:rPr lang="en-GB" sz="1200" dirty="0"/>
-              <a:t>, </a:t>
-            </a:r>
-            <a:r>
-              <a:rPr lang="en-GB" sz="1200" dirty="0" err="1"/>
-              <a:t>Sriskandarajah</a:t>
-            </a:r>
-            <a:r>
-              <a:rPr lang="en-GB" sz="1200" dirty="0"/>
-              <a:t> </a:t>
-            </a:r>
-            <a:r>
-              <a:rPr lang="en-GB" sz="1200" dirty="0" err="1"/>
-              <a:t>Suhothayan</a:t>
-            </a:r>
-            <a:r>
-              <a:rPr lang="en-GB" sz="1200" dirty="0"/>
-              <a:t>. Design Patterns for Cloud Native Applications. O'REILLY. 2021.</a:t>
-            </a:r>
-          </a:p>
-          <a:p>
-            <a:r>
-              <a:rPr lang="en-GB" sz="1200" dirty="0"/>
-              <a:t>- [3] </a:t>
-            </a:r>
-            <a:r>
-              <a:rPr lang="en-GB" sz="1200" dirty="0" err="1"/>
-              <a:t>CloudLab</a:t>
-            </a:r>
-            <a:r>
-              <a:rPr lang="en-GB" sz="1200" dirty="0"/>
-              <a:t>. NoSQL - CAP Theorem. Author unknown. Date unknown. URL: https://</a:t>
-            </a:r>
-            <a:r>
-              <a:rPr lang="en-GB" sz="1200" dirty="0" err="1"/>
-              <a:t>cloudxlab.com</a:t>
-            </a:r>
-            <a:r>
-              <a:rPr lang="en-GB" sz="1200" dirty="0"/>
-              <a:t>/assessment/</a:t>
-            </a:r>
-            <a:r>
-              <a:rPr lang="en-GB" sz="1200" dirty="0" err="1"/>
-              <a:t>displayslide</a:t>
-            </a:r>
-            <a:r>
-              <a:rPr lang="en-GB" sz="1200" dirty="0"/>
-              <a:t>/345/</a:t>
-            </a:r>
-            <a:r>
-              <a:rPr lang="en-GB" sz="1200" dirty="0" err="1"/>
-              <a:t>nosql</a:t>
-            </a:r>
-            <a:r>
-              <a:rPr lang="en-GB" sz="1200" dirty="0"/>
-              <a:t>-cap-theorem#:~:text=NoSQL%20can%20not%20provide%20consistency,Consistency%2C%20Availability%20and%20Partition%20Tolerance. (visited: 10.07.2022, 20:15)</a:t>
-            </a:r>
-          </a:p>
-          <a:p>
-            <a:r>
-              <a:rPr lang="en-GB" sz="1200" dirty="0"/>
-              <a:t>- [4] Ted Dunning, Ellen Friedman. Time Series Databases: New Ways to Store and Access Data. O'REILLY. 2014.</a:t>
-            </a:r>
-          </a:p>
-          <a:p>
-            <a:r>
-              <a:rPr lang="en-GB" sz="1200" dirty="0"/>
-              <a:t>- [5] Joe Reis, Matt Housley. Fundamentals of Data Engineering: Plan and Build Robust Data Systems. O'REILLYs. 2022.</a:t>
-            </a:r>
-          </a:p>
-          <a:p>
-            <a:r>
-              <a:rPr lang="en-GB" sz="1200" dirty="0"/>
-              <a:t>- [6] Paul Dix. Why Build a Time Series Data Platform?. </a:t>
-            </a:r>
-            <a:r>
-              <a:rPr lang="en-GB" sz="1200" dirty="0" err="1"/>
-              <a:t>db</a:t>
-            </a:r>
-            <a:r>
-              <a:rPr lang="en-GB" sz="1200" dirty="0"/>
-              <a:t>-engines. 2017. https://</a:t>
-            </a:r>
-            <a:r>
-              <a:rPr lang="en-GB" sz="1200" dirty="0" err="1"/>
-              <a:t>db-engines.com</a:t>
-            </a:r>
-            <a:r>
-              <a:rPr lang="en-GB" sz="1200" dirty="0"/>
-              <a:t>/</a:t>
-            </a:r>
-            <a:r>
-              <a:rPr lang="en-GB" sz="1200" dirty="0" err="1"/>
-              <a:t>en</a:t>
-            </a:r>
-            <a:r>
-              <a:rPr lang="en-GB" sz="1200" dirty="0"/>
-              <a:t>/</a:t>
-            </a:r>
-            <a:r>
-              <a:rPr lang="en-GB" sz="1200" dirty="0" err="1"/>
-              <a:t>blog_post</a:t>
-            </a:r>
-            <a:r>
-              <a:rPr lang="en-GB" sz="1200" dirty="0"/>
-              <a:t>/71 (visited: 10.07.2022, 20:15)</a:t>
-            </a:r>
-          </a:p>
-          <a:p>
-            <a:r>
-              <a:rPr lang="en-GB" sz="1200" dirty="0"/>
-              <a:t>- [7] </a:t>
-            </a:r>
-            <a:r>
-              <a:rPr lang="en-GB" sz="1200" dirty="0" err="1"/>
-              <a:t>Kovid</a:t>
-            </a:r>
-            <a:r>
-              <a:rPr lang="en-GB" sz="1200" dirty="0"/>
-              <a:t> </a:t>
-            </a:r>
-            <a:r>
-              <a:rPr lang="en-GB" sz="1200" dirty="0" err="1"/>
-              <a:t>Rathee</a:t>
-            </a:r>
-            <a:r>
-              <a:rPr lang="en-GB" sz="1200" dirty="0"/>
-              <a:t>. The case for using timeseries databases. 2021. URL: https://</a:t>
-            </a:r>
-            <a:r>
-              <a:rPr lang="en-GB" sz="1200" dirty="0" err="1"/>
-              <a:t>towardsdatascience.com</a:t>
-            </a:r>
-            <a:r>
-              <a:rPr lang="en-GB" sz="1200" dirty="0"/>
-              <a:t>/the-case-for-using-timeseries-databases-c060a8afe727 (visited: 10.07.2022, 20:15)</a:t>
-            </a:r>
-          </a:p>
-          <a:p>
-            <a:r>
-              <a:rPr lang="en-GB" sz="1200" dirty="0"/>
-              <a:t>- [8] </a:t>
-            </a:r>
-            <a:r>
-              <a:rPr lang="en-GB" sz="1200" dirty="0" err="1"/>
-              <a:t>db</a:t>
-            </a:r>
-            <a:r>
-              <a:rPr lang="en-GB" sz="1200" dirty="0"/>
-              <a:t>-engines. </a:t>
-            </a:r>
-            <a:r>
-              <a:rPr lang="en-GB" sz="1200" dirty="0" err="1"/>
-              <a:t>InfluxDB</a:t>
-            </a:r>
-            <a:r>
-              <a:rPr lang="en-GB" sz="1200" dirty="0"/>
-              <a:t> System Properties. 2022. URL: https://</a:t>
-            </a:r>
-            <a:r>
-              <a:rPr lang="en-GB" sz="1200" dirty="0" err="1"/>
-              <a:t>db-engines.com</a:t>
-            </a:r>
-            <a:r>
-              <a:rPr lang="en-GB" sz="1200" dirty="0"/>
-              <a:t>/</a:t>
-            </a:r>
-            <a:r>
-              <a:rPr lang="en-GB" sz="1200" dirty="0" err="1"/>
-              <a:t>en</a:t>
-            </a:r>
-            <a:r>
-              <a:rPr lang="en-GB" sz="1200" dirty="0"/>
-              <a:t>/system/</a:t>
-            </a:r>
-            <a:r>
-              <a:rPr lang="en-GB" sz="1200" dirty="0" err="1"/>
-              <a:t>InfluxDB</a:t>
-            </a:r>
-            <a:r>
-              <a:rPr lang="en-GB" sz="1200" dirty="0"/>
-              <a:t> (visited: 10.07.2022, 20:15)</a:t>
-            </a:r>
-          </a:p>
-          <a:p>
-            <a:r>
-              <a:rPr lang="en-GB" sz="1200" dirty="0"/>
-              <a:t>- [9] </a:t>
-            </a:r>
-            <a:r>
-              <a:rPr lang="en-GB" sz="1200" dirty="0" err="1"/>
-              <a:t>influxdata</a:t>
-            </a:r>
-            <a:r>
-              <a:rPr lang="en-GB" sz="1200" dirty="0"/>
-              <a:t>. </a:t>
-            </a:r>
-            <a:r>
-              <a:rPr lang="en-GB" sz="1200" dirty="0" err="1"/>
-              <a:t>influxdata</a:t>
-            </a:r>
-            <a:r>
-              <a:rPr lang="en-GB" sz="1200" dirty="0"/>
-              <a:t> - Documentation. 2022. URL: https://</a:t>
-            </a:r>
-            <a:r>
-              <a:rPr lang="en-GB" sz="1200" dirty="0" err="1"/>
-              <a:t>docs.influxdata.com</a:t>
-            </a:r>
-            <a:r>
-              <a:rPr lang="en-GB" sz="1200" dirty="0"/>
-              <a:t>/ (visited: 10.07.2022, 20:15)</a:t>
-            </a:r>
-          </a:p>
-          <a:p>
-            <a:r>
-              <a:rPr lang="en-GB" sz="1200" dirty="0"/>
-              <a:t>- [10] </a:t>
-            </a:r>
-            <a:r>
-              <a:rPr lang="en-GB" sz="1200" dirty="0" err="1"/>
-              <a:t>influxdata</a:t>
-            </a:r>
-            <a:r>
-              <a:rPr lang="en-GB" sz="1200" dirty="0"/>
-              <a:t>. Get started with Flux. 2022. URL: https://</a:t>
-            </a:r>
-            <a:r>
-              <a:rPr lang="en-GB" sz="1200" dirty="0" err="1"/>
-              <a:t>docs.influxdata.com</a:t>
-            </a:r>
-            <a:r>
-              <a:rPr lang="en-GB" sz="1200" dirty="0"/>
-              <a:t>/</a:t>
-            </a:r>
-            <a:r>
-              <a:rPr lang="en-GB" sz="1200" dirty="0" err="1"/>
-              <a:t>influxdb</a:t>
-            </a:r>
-            <a:r>
-              <a:rPr lang="en-GB" sz="1200" dirty="0"/>
-              <a:t>/cloud/query-data/get-started/ (visited: 10.07.2022, 20:15)</a:t>
-            </a:r>
-            <a:br>
-              <a:rPr lang="en-GB" dirty="0"/>
-            </a:br>
-            <a:endParaRPr lang="en-GB" dirty="0"/>
-          </a:p>
-          <a:p>
-            <a:endParaRPr lang="en-DE" dirty="0"/>
-          </a:p>
-        </p:txBody>
-      </p:sp>
-    </p:spTree>
-    <p:extLst>
-      <p:ext uri="{BB962C8B-B14F-4D97-AF65-F5344CB8AC3E}">
-        <p14:creationId xmlns:p14="http://schemas.microsoft.com/office/powerpoint/2010/main" val="1361981264"/>
-      </p:ext>
-    </p:extLst>
-  </p:cSld>
-  <p:clrMapOvr>
-    <a:masterClrMapping/>
-  </p:clrMapOvr>
-</p:sld>
-</file>
-
-<file path=ppt/slides/slide19.xml><?xml version="1.0" encoding="utf-8"?>
-<p:sld xmlns:a="http://schemas.openxmlformats.org/drawingml/2006/main" xmlns:r="http://schemas.openxmlformats.org/officeDocument/2006/relationships" xmlns:p="http://schemas.openxmlformats.org/presentationml/2006/main">
-  <p:cSld>
-    <p:spTree>
-      <p:nvGrpSpPr>
-        <p:cNvPr id="1" name=""/>
-        <p:cNvGrpSpPr/>
-        <p:nvPr/>
-      </p:nvGrpSpPr>
-      <p:grpSpPr>
-        <a:xfrm>
-          <a:off x="0" y="0"/>
-          <a:ext cx="0" cy="0"/>
-          <a:chOff x="0" y="0"/>
-          <a:chExt cx="0" cy="0"/>
-        </a:xfrm>
-      </p:grpSpPr>
-      <p:sp>
-        <p:nvSpPr>
-          <p:cNvPr id="2" name="Date Placeholder 1">
-            <a:extLst>
-              <a:ext uri="{FF2B5EF4-FFF2-40B4-BE49-F238E27FC236}">
-                <a16:creationId xmlns:a16="http://schemas.microsoft.com/office/drawing/2014/main" id="{0191F0C7-BF41-9710-70EB-D18852C21B6F}"/>
-              </a:ext>
-            </a:extLst>
-          </p:cNvPr>
-          <p:cNvSpPr>
-            <a:spLocks noGrp="1"/>
-          </p:cNvSpPr>
-          <p:nvPr>
-            <p:ph type="dt" sz="half" idx="10"/>
-          </p:nvPr>
-        </p:nvSpPr>
-        <p:spPr/>
-        <p:txBody>
-          <a:bodyPr/>
-          <a:lstStyle/>
-          <a:p>
-            <a:fld id="{51F9D3FF-F5C6-48BA-AF3B-6687C8CBA8CD}" type="datetime1">
-              <a:rPr lang="de-DE" smtClean="0"/>
-              <a:t>17.07.22</a:t>
-            </a:fld>
-            <a:endParaRPr lang="de-DE" dirty="0"/>
-          </a:p>
-        </p:txBody>
-      </p:sp>
-      <p:sp>
-        <p:nvSpPr>
-          <p:cNvPr id="3" name="Footer Placeholder 2">
-            <a:extLst>
-              <a:ext uri="{FF2B5EF4-FFF2-40B4-BE49-F238E27FC236}">
-                <a16:creationId xmlns:a16="http://schemas.microsoft.com/office/drawing/2014/main" id="{A6AAC715-4062-F324-278E-33E23ABAB037}"/>
-              </a:ext>
-            </a:extLst>
-          </p:cNvPr>
-          <p:cNvSpPr>
-            <a:spLocks noGrp="1"/>
-          </p:cNvSpPr>
-          <p:nvPr>
-            <p:ph type="ftr" sz="quarter" idx="11"/>
-          </p:nvPr>
-        </p:nvSpPr>
-        <p:spPr/>
-        <p:txBody>
-          <a:bodyPr/>
-          <a:lstStyle/>
-          <a:p>
-            <a:r>
-              <a:rPr lang="de-DE"/>
-              <a:t>Name der Präsentation, Name des Sprechers ©HSB</a:t>
-            </a:r>
-            <a:endParaRPr lang="de-DE" dirty="0"/>
-          </a:p>
-        </p:txBody>
-      </p:sp>
-      <p:sp>
-        <p:nvSpPr>
-          <p:cNvPr id="4" name="Slide Number Placeholder 3">
-            <a:extLst>
-              <a:ext uri="{FF2B5EF4-FFF2-40B4-BE49-F238E27FC236}">
-                <a16:creationId xmlns:a16="http://schemas.microsoft.com/office/drawing/2014/main" id="{C1150CE8-067F-100B-A3DB-DE039E882719}"/>
-              </a:ext>
-            </a:extLst>
-          </p:cNvPr>
-          <p:cNvSpPr>
-            <a:spLocks noGrp="1"/>
-          </p:cNvSpPr>
-          <p:nvPr>
-            <p:ph type="sldNum" sz="quarter" idx="12"/>
-          </p:nvPr>
-        </p:nvSpPr>
-        <p:spPr/>
-        <p:txBody>
-          <a:bodyPr/>
-          <a:lstStyle/>
-          <a:p>
-            <a:fld id="{58444F55-0981-4E9E-8F6B-2F7546EE58D7}" type="slidenum">
-              <a:rPr lang="de-DE" smtClean="0"/>
-              <a:pPr/>
-              <a:t>19</a:t>
-            </a:fld>
-            <a:endParaRPr lang="de-DE" dirty="0"/>
-          </a:p>
-        </p:txBody>
-      </p:sp>
-      <p:sp>
-        <p:nvSpPr>
-          <p:cNvPr id="5" name="Title 4">
-            <a:extLst>
-              <a:ext uri="{FF2B5EF4-FFF2-40B4-BE49-F238E27FC236}">
-                <a16:creationId xmlns:a16="http://schemas.microsoft.com/office/drawing/2014/main" id="{1E937642-1D4C-C139-7B47-6BE8E91F061F}"/>
-              </a:ext>
-            </a:extLst>
-          </p:cNvPr>
-          <p:cNvSpPr>
-            <a:spLocks noGrp="1"/>
-          </p:cNvSpPr>
-          <p:nvPr>
-            <p:ph type="title"/>
-          </p:nvPr>
-        </p:nvSpPr>
-        <p:spPr/>
-        <p:txBody>
-          <a:bodyPr/>
-          <a:lstStyle/>
-          <a:p>
-            <a:r>
-              <a:rPr lang="en-DE" dirty="0"/>
-              <a:t>Sources 2</a:t>
-            </a:r>
-          </a:p>
-        </p:txBody>
-      </p:sp>
-      <p:sp>
-        <p:nvSpPr>
-          <p:cNvPr id="6" name="Text Placeholder 5">
-            <a:extLst>
-              <a:ext uri="{FF2B5EF4-FFF2-40B4-BE49-F238E27FC236}">
-                <a16:creationId xmlns:a16="http://schemas.microsoft.com/office/drawing/2014/main" id="{BEB0659A-9C2A-9D8D-3312-C3D70A8C2C99}"/>
-              </a:ext>
-            </a:extLst>
-          </p:cNvPr>
-          <p:cNvSpPr>
-            <a:spLocks noGrp="1"/>
-          </p:cNvSpPr>
-          <p:nvPr>
-            <p:ph type="body" sz="quarter" idx="13"/>
-          </p:nvPr>
-        </p:nvSpPr>
-        <p:spPr/>
-        <p:txBody>
-          <a:bodyPr/>
-          <a:lstStyle/>
-          <a:p>
-            <a:r>
-              <a:rPr lang="en-GB" sz="1200" dirty="0"/>
-              <a:t>- [11] Rohan </a:t>
-            </a:r>
-            <a:r>
-              <a:rPr lang="en-GB" sz="1200" dirty="0" err="1"/>
-              <a:t>Sreerama</a:t>
-            </a:r>
-            <a:r>
-              <a:rPr lang="en-GB" sz="1200" dirty="0"/>
-              <a:t>. A Deep Dive into Machine Learning in Flux: Naive Bayes Classification. 2020. URL: https://</a:t>
-            </a:r>
-            <a:r>
-              <a:rPr lang="en-GB" sz="1200" dirty="0" err="1"/>
-              <a:t>www.influxdata.com</a:t>
-            </a:r>
-            <a:r>
-              <a:rPr lang="en-GB" sz="1200" dirty="0"/>
-              <a:t>/blog/deep-dive-into-machine-learning-in-flux-naive-bayes-classification/ (visited: 10.07.2022, 20:15)</a:t>
-            </a:r>
-          </a:p>
-          <a:p>
-            <a:r>
-              <a:rPr lang="en-GB" sz="1200" dirty="0"/>
-              <a:t>- [12] Igor </a:t>
-            </a:r>
-            <a:r>
-              <a:rPr lang="en-GB" sz="1200" dirty="0" err="1"/>
-              <a:t>Bobriakov</a:t>
-            </a:r>
-            <a:r>
-              <a:rPr lang="en-GB" sz="1200" dirty="0"/>
-              <a:t>. Prometheus vs </a:t>
-            </a:r>
-            <a:r>
-              <a:rPr lang="en-GB" sz="1200" dirty="0" err="1"/>
-              <a:t>InfluxDB</a:t>
-            </a:r>
-            <a:r>
-              <a:rPr lang="en-GB" sz="1200" dirty="0"/>
-              <a:t>. 2020. URL: https://</a:t>
-            </a:r>
-            <a:r>
-              <a:rPr lang="en-GB" sz="1200" dirty="0" err="1"/>
-              <a:t>www.metricfire.com</a:t>
-            </a:r>
-            <a:r>
-              <a:rPr lang="en-GB" sz="1200" dirty="0"/>
-              <a:t>/blog/</a:t>
-            </a:r>
-            <a:r>
-              <a:rPr lang="en-GB" sz="1200" dirty="0" err="1"/>
-              <a:t>prometheus</a:t>
-            </a:r>
-            <a:r>
-              <a:rPr lang="en-GB" sz="1200" dirty="0"/>
-              <a:t>-vs-</a:t>
-            </a:r>
-            <a:r>
-              <a:rPr lang="en-GB" sz="1200" dirty="0" err="1"/>
-              <a:t>influxdb</a:t>
-            </a:r>
-            <a:r>
-              <a:rPr lang="en-GB" sz="1200" dirty="0"/>
-              <a:t>/ (visited: 10.07.2022, 20:15)</a:t>
-            </a:r>
-          </a:p>
-          <a:p>
-            <a:r>
-              <a:rPr lang="en-GB" sz="1200" dirty="0"/>
-              <a:t>- [13] </a:t>
-            </a:r>
-            <a:r>
-              <a:rPr lang="en-GB" sz="1200" dirty="0" err="1"/>
-              <a:t>db</a:t>
-            </a:r>
-            <a:r>
-              <a:rPr lang="en-GB" sz="1200" dirty="0"/>
-              <a:t>-engines. System Properties Comparison </a:t>
-            </a:r>
-            <a:r>
-              <a:rPr lang="en-GB" sz="1200" dirty="0" err="1"/>
-              <a:t>InfluxDB</a:t>
-            </a:r>
-            <a:r>
-              <a:rPr lang="en-GB" sz="1200" dirty="0"/>
-              <a:t> vs. Prometheus vs. </a:t>
-            </a:r>
-            <a:r>
-              <a:rPr lang="en-GB" sz="1200" dirty="0" err="1"/>
-              <a:t>TimescaleDB</a:t>
-            </a:r>
-            <a:r>
-              <a:rPr lang="en-GB" sz="1200" dirty="0"/>
-              <a:t>. 2022, URL: https://</a:t>
-            </a:r>
-            <a:r>
-              <a:rPr lang="en-GB" sz="1200" dirty="0" err="1"/>
-              <a:t>db-engines.com</a:t>
-            </a:r>
-            <a:r>
-              <a:rPr lang="en-GB" sz="1200" dirty="0"/>
-              <a:t>/</a:t>
-            </a:r>
-            <a:r>
-              <a:rPr lang="en-GB" sz="1200" dirty="0" err="1"/>
-              <a:t>en</a:t>
-            </a:r>
-            <a:r>
-              <a:rPr lang="en-GB" sz="1200" dirty="0"/>
-              <a:t>/system/InfluxDB%3BPrometheus%3BTimescaleDB (visited: 10.07.2022, 20:15)</a:t>
-            </a:r>
-          </a:p>
-          <a:p>
-            <a:r>
-              <a:rPr lang="en-GB" sz="1200" dirty="0"/>
-              <a:t>- [14] United Manufacturing Hub. Why we chose </a:t>
-            </a:r>
-            <a:r>
-              <a:rPr lang="en-GB" sz="1200" dirty="0" err="1"/>
-              <a:t>timescaleDB</a:t>
-            </a:r>
-            <a:r>
-              <a:rPr lang="en-GB" sz="1200" dirty="0"/>
-              <a:t> over </a:t>
-            </a:r>
-            <a:r>
-              <a:rPr lang="en-GB" sz="1200" dirty="0" err="1"/>
-              <a:t>InfluxDB</a:t>
-            </a:r>
-            <a:r>
-              <a:rPr lang="en-GB" sz="1200" dirty="0"/>
-              <a:t>. 2022, URL: https://</a:t>
-            </a:r>
-            <a:r>
-              <a:rPr lang="en-GB" sz="1200" dirty="0" err="1"/>
-              <a:t>docs.umh.app</a:t>
-            </a:r>
-            <a:r>
-              <a:rPr lang="en-GB" sz="1200" dirty="0"/>
-              <a:t>/docs/concepts/</a:t>
-            </a:r>
-            <a:r>
-              <a:rPr lang="en-GB" sz="1200" dirty="0" err="1"/>
-              <a:t>timescaledb</a:t>
-            </a:r>
-            <a:r>
-              <a:rPr lang="en-GB" sz="1200" dirty="0"/>
-              <a:t>-vs-</a:t>
-            </a:r>
-            <a:r>
-              <a:rPr lang="en-GB" sz="1200" dirty="0" err="1"/>
-              <a:t>influxdb</a:t>
-            </a:r>
-            <a:r>
-              <a:rPr lang="en-GB" sz="1200" dirty="0"/>
-              <a:t>/</a:t>
-            </a:r>
-          </a:p>
-          <a:p>
-            <a:r>
-              <a:rPr lang="en-GB" sz="1200" dirty="0"/>
-              <a:t>- [15] Team Magic. Building a Naive Bayes classifier using Flux. 2020. URL: https://</a:t>
-            </a:r>
-            <a:r>
-              <a:rPr lang="en-GB" sz="1200" dirty="0" err="1"/>
-              <a:t>github.com</a:t>
-            </a:r>
-            <a:r>
-              <a:rPr lang="en-GB" sz="1200" dirty="0"/>
-              <a:t>/RohanSreerama5/Naive-Bayes-Classifier-Flux/blob/master/Naive%20Bayes.pdf (visited: 10.07.2022, 20:15)</a:t>
-            </a:r>
-          </a:p>
-          <a:p>
-            <a:r>
-              <a:rPr lang="en-GB" sz="1200" dirty="0"/>
-              <a:t>- [16] Rohan </a:t>
-            </a:r>
-            <a:r>
-              <a:rPr lang="en-GB" sz="1200" dirty="0" err="1"/>
-              <a:t>Sreerama</a:t>
-            </a:r>
-            <a:r>
-              <a:rPr lang="en-GB" sz="1200" dirty="0"/>
-              <a:t>. Naive-Bayes-Classifier-Flux. 2020. URL: https://</a:t>
-            </a:r>
-            <a:r>
-              <a:rPr lang="en-GB" sz="1200" dirty="0" err="1"/>
-              <a:t>github.com</a:t>
-            </a:r>
-            <a:r>
-              <a:rPr lang="en-GB" sz="1200" dirty="0"/>
-              <a:t>/RohanSreerama5/Naive-Bayes-Classifier-Flux (visited: 10.07.2022)</a:t>
-            </a:r>
-          </a:p>
-          <a:p>
-            <a:br>
-              <a:rPr lang="en-GB" sz="1200" dirty="0"/>
-            </a:br>
-            <a:endParaRPr lang="en-GB" sz="1200" dirty="0"/>
-          </a:p>
-          <a:p>
-            <a:endParaRPr lang="en-DE" sz="1200" dirty="0"/>
-          </a:p>
-        </p:txBody>
-      </p:sp>
-    </p:spTree>
-    <p:extLst>
-      <p:ext uri="{BB962C8B-B14F-4D97-AF65-F5344CB8AC3E}">
-        <p14:creationId xmlns:p14="http://schemas.microsoft.com/office/powerpoint/2010/main" val="3450581967"/>
-      </p:ext>
-    </p:extLst>
-  </p:cSld>
-  <p:clrMapOvr>
-    <a:masterClrMapping/>
-  </p:clrMapOvr>
-</p:sld>
-</file>
-
-<file path=ppt/slides/slide2.xml><?xml version="1.0" encoding="utf-8"?>
-<p:sld xmlns:a="http://schemas.openxmlformats.org/drawingml/2006/main" xmlns:r="http://schemas.openxmlformats.org/officeDocument/2006/relationships" xmlns:p="http://schemas.openxmlformats.org/presentationml/2006/main">
-  <p:cSld>
-    <p:spTree>
-      <p:nvGrpSpPr>
-        <p:cNvPr id="1" name=""/>
-        <p:cNvGrpSpPr/>
-        <p:nvPr/>
-      </p:nvGrpSpPr>
-      <p:grpSpPr>
-        <a:xfrm>
-          <a:off x="0" y="0"/>
-          <a:ext cx="0" cy="0"/>
-          <a:chOff x="0" y="0"/>
-          <a:chExt cx="0" cy="0"/>
-        </a:xfrm>
-      </p:grpSpPr>
-      <p:sp>
-        <p:nvSpPr>
-          <p:cNvPr id="5" name="Inhaltsplatzhalter 4"/>
-          <p:cNvSpPr>
-            <a:spLocks noGrp="1"/>
-          </p:cNvSpPr>
-          <p:nvPr>
-            <p:ph sz="quarter" idx="10"/>
-          </p:nvPr>
-        </p:nvSpPr>
-        <p:spPr/>
-        <p:txBody>
-          <a:bodyPr/>
-          <a:lstStyle/>
-          <a:p>
-            <a:r>
-              <a:rPr lang="de-DE" dirty="0" err="1"/>
-              <a:t>Introduction</a:t>
-            </a:r>
-            <a:endParaRPr lang="de-DE" dirty="0"/>
-          </a:p>
-          <a:p>
-            <a:r>
-              <a:rPr lang="de-DE" dirty="0" err="1"/>
-              <a:t>Fundamentals</a:t>
-            </a:r>
-            <a:endParaRPr lang="de-DE" dirty="0"/>
-          </a:p>
-          <a:p>
-            <a:pPr lvl="1"/>
-            <a:r>
-              <a:rPr lang="de-DE" dirty="0"/>
-              <a:t>NoSQL </a:t>
-            </a:r>
-            <a:r>
-              <a:rPr lang="de-DE" dirty="0" err="1"/>
-              <a:t>basics</a:t>
-            </a:r>
-            <a:endParaRPr lang="de-DE" dirty="0"/>
-          </a:p>
-          <a:p>
-            <a:pPr lvl="1"/>
-            <a:r>
-              <a:rPr lang="de-DE" dirty="0"/>
-              <a:t>NoSQL </a:t>
-            </a:r>
-            <a:r>
-              <a:rPr lang="de-DE" dirty="0" err="1"/>
-              <a:t>vs</a:t>
-            </a:r>
-            <a:r>
-              <a:rPr lang="de-DE" dirty="0"/>
-              <a:t> Relational Databases</a:t>
-            </a:r>
-          </a:p>
-          <a:p>
-            <a:pPr lvl="1"/>
-            <a:r>
-              <a:rPr lang="de-DE" dirty="0"/>
-              <a:t>Time Series Databases</a:t>
-            </a:r>
-          </a:p>
-          <a:p>
-            <a:pPr lvl="1"/>
-            <a:r>
-              <a:rPr lang="de-DE" dirty="0" err="1"/>
-              <a:t>InfluxDB</a:t>
-            </a:r>
-            <a:r>
-              <a:rPr lang="de-DE" dirty="0"/>
-              <a:t> </a:t>
-            </a:r>
-            <a:r>
-              <a:rPr lang="de-DE" dirty="0" err="1"/>
-              <a:t>basics</a:t>
-            </a:r>
-            <a:endParaRPr lang="de-DE" dirty="0"/>
-          </a:p>
-          <a:p>
-            <a:pPr lvl="4"/>
-            <a:r>
-              <a:rPr lang="de-DE" dirty="0" err="1"/>
-              <a:t>Flux</a:t>
-            </a:r>
-            <a:r>
-              <a:rPr lang="de-DE" dirty="0"/>
-              <a:t> </a:t>
-            </a:r>
-            <a:r>
-              <a:rPr lang="de-DE" dirty="0" err="1"/>
-              <a:t>query</a:t>
-            </a:r>
-            <a:r>
-              <a:rPr lang="de-DE" dirty="0"/>
-              <a:t> </a:t>
-            </a:r>
-            <a:r>
-              <a:rPr lang="de-DE" dirty="0" err="1"/>
-              <a:t>language</a:t>
-            </a:r>
-            <a:endParaRPr lang="de-DE" dirty="0"/>
-          </a:p>
-          <a:p>
-            <a:pPr lvl="4"/>
-            <a:r>
-              <a:rPr lang="de-DE" dirty="0" err="1"/>
-              <a:t>InfluxDB</a:t>
-            </a:r>
-            <a:r>
-              <a:rPr lang="de-DE" dirty="0"/>
-              <a:t> </a:t>
-            </a:r>
-            <a:r>
-              <a:rPr lang="de-DE" dirty="0" err="1"/>
-              <a:t>vs</a:t>
-            </a:r>
-            <a:r>
-              <a:rPr lang="de-DE" dirty="0"/>
-              <a:t> </a:t>
-            </a:r>
-            <a:r>
-              <a:rPr lang="de-DE" dirty="0" err="1"/>
-              <a:t>Timescale</a:t>
-            </a:r>
-            <a:r>
-              <a:rPr lang="de-DE" dirty="0"/>
-              <a:t> </a:t>
-            </a:r>
-            <a:r>
-              <a:rPr lang="de-DE" dirty="0" err="1"/>
-              <a:t>vs</a:t>
-            </a:r>
-            <a:r>
-              <a:rPr lang="de-DE" dirty="0"/>
-              <a:t> Prometheus</a:t>
-            </a:r>
-          </a:p>
-          <a:p>
-            <a:pPr lvl="1"/>
-            <a:r>
-              <a:rPr lang="de-DE" dirty="0"/>
-              <a:t>Naive Bayes Classification</a:t>
-            </a:r>
-          </a:p>
-          <a:p>
-            <a:r>
-              <a:rPr lang="de-DE" dirty="0"/>
-              <a:t>Project</a:t>
-            </a:r>
-          </a:p>
-          <a:p>
-            <a:r>
-              <a:rPr lang="de-DE" dirty="0"/>
-              <a:t>Live </a:t>
-            </a:r>
-            <a:r>
-              <a:rPr lang="de-DE" dirty="0" err="1"/>
-              <a:t>demonstration</a:t>
-            </a:r>
-            <a:endParaRPr lang="de-DE" dirty="0"/>
-          </a:p>
-          <a:p>
-            <a:r>
-              <a:rPr lang="de-DE" dirty="0" err="1"/>
-              <a:t>Conclusion</a:t>
-            </a:r>
-            <a:endParaRPr lang="de-DE" dirty="0"/>
-          </a:p>
-          <a:p>
-            <a:pPr marL="179025" indent="0">
-              <a:buNone/>
-            </a:pPr>
-            <a:endParaRPr lang="de-DE" dirty="0"/>
-          </a:p>
-          <a:p>
-            <a:pPr marL="0" indent="0">
-              <a:buNone/>
-            </a:pPr>
-            <a:endParaRPr lang="de-DE" dirty="0"/>
-          </a:p>
-        </p:txBody>
-      </p:sp>
-    </p:spTree>
-    <p:extLst>
-      <p:ext uri="{BB962C8B-B14F-4D97-AF65-F5344CB8AC3E}">
-        <p14:creationId xmlns:p14="http://schemas.microsoft.com/office/powerpoint/2010/main" val="2362759708"/>
-      </p:ext>
-    </p:extLst>
-  </p:cSld>
-  <p:clrMapOvr>
-    <a:masterClrMapping/>
-  </p:clrMapOvr>
-</p:sld>
-</file>
-
-<file path=ppt/slides/slide20.xml><?xml version="1.0" encoding="utf-8"?>
-<p:sld xmlns:a="http://schemas.openxmlformats.org/drawingml/2006/main" xmlns:r="http://schemas.openxmlformats.org/officeDocument/2006/relationships" xmlns:p="http://schemas.openxmlformats.org/presentationml/2006/main">
-  <p:cSld>
-    <p:spTree>
-      <p:nvGrpSpPr>
-        <p:cNvPr id="1" name=""/>
-        <p:cNvGrpSpPr/>
-        <p:nvPr/>
-      </p:nvGrpSpPr>
-      <p:grpSpPr>
-        <a:xfrm>
-          <a:off x="0" y="0"/>
-          <a:ext cx="0" cy="0"/>
-          <a:chOff x="0" y="0"/>
-          <a:chExt cx="0" cy="0"/>
-        </a:xfrm>
-      </p:grpSpPr>
-      <p:sp>
-        <p:nvSpPr>
-          <p:cNvPr id="3" name="Datumsplatzhalter 2"/>
-          <p:cNvSpPr>
-            <a:spLocks noGrp="1"/>
-          </p:cNvSpPr>
-          <p:nvPr>
-            <p:ph type="dt" sz="half" idx="10"/>
-          </p:nvPr>
-        </p:nvSpPr>
-        <p:spPr/>
-        <p:txBody>
-          <a:bodyPr/>
-          <a:lstStyle/>
-          <a:p>
-            <a:fld id="{D7EBB97D-9926-4A8D-8C1C-1E5C83B83A11}" type="datetime1">
-              <a:rPr lang="de-DE" smtClean="0"/>
-              <a:t>17.07.22</a:t>
-            </a:fld>
-            <a:endParaRPr lang="de-DE" dirty="0"/>
-          </a:p>
-        </p:txBody>
-      </p:sp>
-      <p:sp>
-        <p:nvSpPr>
-          <p:cNvPr id="4" name="Fußzeilenplatzhalter 3"/>
-          <p:cNvSpPr>
-            <a:spLocks noGrp="1"/>
-          </p:cNvSpPr>
-          <p:nvPr>
-            <p:ph type="ftr" sz="quarter" idx="11"/>
-          </p:nvPr>
-        </p:nvSpPr>
-        <p:spPr/>
-        <p:txBody>
-          <a:bodyPr/>
-          <a:lstStyle/>
-          <a:p>
-            <a:r>
-              <a:rPr lang="de-DE" dirty="0"/>
-              <a:t>Big Data &amp; </a:t>
-            </a:r>
-            <a:r>
-              <a:rPr lang="de-DE" dirty="0" err="1"/>
-              <a:t>Machine</a:t>
-            </a:r>
-            <a:r>
-              <a:rPr lang="de-DE" dirty="0"/>
-              <a:t> Learning – Final </a:t>
-            </a:r>
-            <a:r>
-              <a:rPr lang="de-DE" dirty="0" err="1"/>
-              <a:t>Presentation</a:t>
-            </a:r>
-            <a:r>
-              <a:rPr lang="de-DE" dirty="0"/>
-              <a:t>, Philipp Moritzer </a:t>
-            </a:r>
-          </a:p>
-        </p:txBody>
-      </p:sp>
-      <p:sp>
-        <p:nvSpPr>
-          <p:cNvPr id="12" name="Foliennummernplatzhalter 11"/>
-          <p:cNvSpPr>
-            <a:spLocks noGrp="1"/>
-          </p:cNvSpPr>
-          <p:nvPr>
-            <p:ph type="sldNum" sz="quarter" idx="12"/>
-          </p:nvPr>
-        </p:nvSpPr>
-        <p:spPr/>
-        <p:txBody>
-          <a:bodyPr/>
-          <a:lstStyle/>
-          <a:p>
-            <a:fld id="{58444F55-0981-4E9E-8F6B-2F7546EE58D7}" type="slidenum">
-              <a:rPr lang="de-DE" smtClean="0"/>
-              <a:pPr/>
-              <a:t>20</a:t>
-            </a:fld>
-            <a:endParaRPr lang="de-DE" dirty="0"/>
-          </a:p>
-        </p:txBody>
-      </p:sp>
-      <p:sp>
-        <p:nvSpPr>
-          <p:cNvPr id="2" name="Titel 1"/>
-          <p:cNvSpPr>
-            <a:spLocks noGrp="1"/>
-          </p:cNvSpPr>
-          <p:nvPr>
-            <p:ph type="title"/>
-          </p:nvPr>
-        </p:nvSpPr>
-        <p:spPr/>
-        <p:txBody>
-          <a:bodyPr/>
-          <a:lstStyle/>
-          <a:p>
-            <a:r>
-              <a:rPr lang="de-DE" dirty="0"/>
-              <a:t>Image Sources (all </a:t>
-            </a:r>
-            <a:r>
-              <a:rPr lang="de-DE" dirty="0" err="1"/>
-              <a:t>accessed</a:t>
-            </a:r>
-            <a:r>
-              <a:rPr lang="de-DE" dirty="0"/>
-              <a:t> on: 17.07.2022, 15:00)</a:t>
-            </a:r>
-          </a:p>
-        </p:txBody>
-      </p:sp>
-      <p:sp>
-        <p:nvSpPr>
-          <p:cNvPr id="6" name="Inhaltsplatzhalter 5"/>
-          <p:cNvSpPr>
-            <a:spLocks noGrp="1"/>
-          </p:cNvSpPr>
-          <p:nvPr>
-            <p:ph sz="quarter" idx="13"/>
-          </p:nvPr>
-        </p:nvSpPr>
-        <p:spPr/>
-        <p:txBody>
-          <a:bodyPr/>
-          <a:lstStyle/>
-          <a:p>
-            <a:pPr marL="285750" indent="-285750">
-              <a:buFontTx/>
-              <a:buChar char="-"/>
-            </a:pPr>
-            <a:r>
-              <a:rPr lang="de-DE" dirty="0"/>
-              <a:t>[1] Top 10 </a:t>
-            </a:r>
-            <a:r>
-              <a:rPr lang="de-DE" dirty="0" err="1"/>
-              <a:t>noSQL</a:t>
-            </a:r>
-            <a:r>
-              <a:rPr lang="de-DE" dirty="0"/>
-              <a:t> Databases: </a:t>
-            </a:r>
-            <a:r>
-              <a:rPr lang="de-DE" dirty="0">
-                <a:hlinkClick r:id="rId3"/>
-              </a:rPr>
-              <a:t>https://ares.decipherzone.com/blog-manager/uploads/ckeditor_Top%2010%20NoSQL%20Databases%20in%202022.png</a:t>
-            </a:r>
-            <a:endParaRPr lang="de-DE" dirty="0"/>
-          </a:p>
-          <a:p>
-            <a:pPr marL="285750" indent="-285750">
-              <a:buFontTx/>
-              <a:buChar char="-"/>
-            </a:pPr>
-            <a:r>
-              <a:rPr lang="de-DE" dirty="0"/>
-              <a:t>[2] </a:t>
-            </a:r>
-            <a:r>
-              <a:rPr lang="de-DE" dirty="0" err="1"/>
-              <a:t>InfluxDB</a:t>
-            </a:r>
-            <a:r>
-              <a:rPr lang="de-DE" dirty="0"/>
-              <a:t>: </a:t>
-            </a:r>
-            <a:r>
-              <a:rPr lang="de-DE" dirty="0">
-                <a:hlinkClick r:id="rId4"/>
-              </a:rPr>
-              <a:t>https://dbdb.io/db/influxdb/revisions/7</a:t>
-            </a:r>
-            <a:r>
-              <a:rPr lang="de-DE" dirty="0"/>
-              <a:t> </a:t>
-            </a:r>
-          </a:p>
-          <a:p>
-            <a:pPr marL="285750" indent="-285750">
-              <a:buFontTx/>
-              <a:buChar char="-"/>
-            </a:pPr>
-            <a:r>
-              <a:rPr lang="de-DE" dirty="0"/>
-              <a:t>[3] Prometheus: </a:t>
-            </a:r>
-            <a:r>
-              <a:rPr lang="de-DE" dirty="0">
-                <a:hlinkClick r:id="rId5"/>
-              </a:rPr>
-              <a:t>https://blogs.sap.com/wp-content/uploads/2018/01/prometheus.png</a:t>
-            </a:r>
-            <a:r>
-              <a:rPr lang="de-DE" dirty="0"/>
-              <a:t> </a:t>
-            </a:r>
-          </a:p>
-          <a:p>
-            <a:pPr marL="285750" indent="-285750">
-              <a:buFontTx/>
-              <a:buChar char="-"/>
-            </a:pPr>
-            <a:r>
-              <a:rPr lang="de-DE" dirty="0"/>
-              <a:t>[4] </a:t>
-            </a:r>
-            <a:r>
-              <a:rPr lang="de-DE" dirty="0" err="1"/>
-              <a:t>TimescaleDB</a:t>
-            </a:r>
-            <a:r>
-              <a:rPr lang="de-DE" dirty="0"/>
-              <a:t>: </a:t>
-            </a:r>
-            <a:r>
-              <a:rPr lang="de-DE" dirty="0">
-                <a:hlinkClick r:id="rId6"/>
-              </a:rPr>
-              <a:t>https://3rdman.de/wp-content/uploads/Timescale.png</a:t>
-            </a:r>
-            <a:r>
-              <a:rPr lang="de-DE" dirty="0"/>
-              <a:t> </a:t>
-            </a:r>
-          </a:p>
-        </p:txBody>
-      </p:sp>
-    </p:spTree>
-    <p:extLst>
-      <p:ext uri="{BB962C8B-B14F-4D97-AF65-F5344CB8AC3E}">
-        <p14:creationId xmlns:p14="http://schemas.microsoft.com/office/powerpoint/2010/main" val="3571236112"/>
-      </p:ext>
-    </p:extLst>
-  </p:cSld>
-  <p:clrMapOvr>
-    <a:masterClrMapping/>
-  </p:clrMapOvr>
-</p:sld>
-</file>
-
-<file path=ppt/slides/slide21.xml><?xml version="1.0" encoding="utf-8"?>
-<p:sld xmlns:a="http://schemas.openxmlformats.org/drawingml/2006/main" xmlns:r="http://schemas.openxmlformats.org/officeDocument/2006/relationships" xmlns:p="http://schemas.openxmlformats.org/presentationml/2006/main">
-  <p:cSld>
-    <p:spTree>
-      <p:nvGrpSpPr>
-        <p:cNvPr id="1" name=""/>
-        <p:cNvGrpSpPr/>
-        <p:nvPr/>
-      </p:nvGrpSpPr>
-      <p:grpSpPr>
-        <a:xfrm>
-          <a:off x="0" y="0"/>
-          <a:ext cx="0" cy="0"/>
-          <a:chOff x="0" y="0"/>
-          <a:chExt cx="0" cy="0"/>
-        </a:xfrm>
-      </p:grpSpPr>
-      <p:sp>
-        <p:nvSpPr>
-          <p:cNvPr id="3" name="Datumsplatzhalter 2"/>
-          <p:cNvSpPr>
-            <a:spLocks noGrp="1"/>
-          </p:cNvSpPr>
-          <p:nvPr>
-            <p:ph type="dt" sz="half" idx="10"/>
-          </p:nvPr>
-        </p:nvSpPr>
-        <p:spPr/>
-        <p:txBody>
-          <a:bodyPr/>
-          <a:lstStyle/>
-          <a:p>
-            <a:fld id="{D7EBB97D-9926-4A8D-8C1C-1E5C83B83A11}" type="datetime1">
-              <a:rPr lang="de-DE" smtClean="0"/>
-              <a:t>17.07.22</a:t>
-            </a:fld>
-            <a:endParaRPr lang="de-DE" dirty="0"/>
-          </a:p>
-        </p:txBody>
-      </p:sp>
-      <p:sp>
-        <p:nvSpPr>
-          <p:cNvPr id="4" name="Fußzeilenplatzhalter 3"/>
-          <p:cNvSpPr>
-            <a:spLocks noGrp="1"/>
-          </p:cNvSpPr>
-          <p:nvPr>
-            <p:ph type="ftr" sz="quarter" idx="11"/>
-          </p:nvPr>
-        </p:nvSpPr>
-        <p:spPr/>
-        <p:txBody>
-          <a:bodyPr/>
-          <a:lstStyle/>
-          <a:p>
-            <a:r>
-              <a:rPr lang="de-DE" dirty="0"/>
-              <a:t>Big Data &amp; </a:t>
-            </a:r>
-            <a:r>
-              <a:rPr lang="de-DE" dirty="0" err="1"/>
-              <a:t>Machine</a:t>
-            </a:r>
-            <a:r>
-              <a:rPr lang="de-DE" dirty="0"/>
-              <a:t> Learning – Final </a:t>
-            </a:r>
-            <a:r>
-              <a:rPr lang="de-DE" dirty="0" err="1"/>
-              <a:t>Presentation</a:t>
-            </a:r>
-            <a:r>
-              <a:rPr lang="de-DE" dirty="0"/>
-              <a:t>, Philipp Moritzer </a:t>
-            </a:r>
-          </a:p>
-        </p:txBody>
-      </p:sp>
-      <p:sp>
-        <p:nvSpPr>
-          <p:cNvPr id="12" name="Foliennummernplatzhalter 11"/>
-          <p:cNvSpPr>
-            <a:spLocks noGrp="1"/>
-          </p:cNvSpPr>
-          <p:nvPr>
-            <p:ph type="sldNum" sz="quarter" idx="12"/>
-          </p:nvPr>
-        </p:nvSpPr>
-        <p:spPr/>
-        <p:txBody>
-          <a:bodyPr/>
-          <a:lstStyle/>
-          <a:p>
-            <a:fld id="{58444F55-0981-4E9E-8F6B-2F7546EE58D7}" type="slidenum">
-              <a:rPr lang="de-DE" smtClean="0"/>
-              <a:pPr/>
-              <a:t>21</a:t>
-            </a:fld>
-            <a:endParaRPr lang="de-DE" dirty="0"/>
-          </a:p>
-        </p:txBody>
-      </p:sp>
-      <p:sp>
-        <p:nvSpPr>
-          <p:cNvPr id="2" name="Titel 1"/>
-          <p:cNvSpPr>
-            <a:spLocks noGrp="1"/>
-          </p:cNvSpPr>
-          <p:nvPr>
-            <p:ph type="title"/>
-          </p:nvPr>
-        </p:nvSpPr>
-        <p:spPr/>
-        <p:txBody>
-          <a:bodyPr/>
-          <a:lstStyle/>
-          <a:p>
-            <a:r>
-              <a:rPr lang="de-DE" dirty="0" err="1"/>
-              <a:t>Comparing</a:t>
-            </a:r>
-            <a:r>
-              <a:rPr lang="de-DE" dirty="0"/>
-              <a:t> </a:t>
-            </a:r>
-            <a:r>
-              <a:rPr lang="de-DE" dirty="0" err="1"/>
-              <a:t>InfluxDB</a:t>
-            </a:r>
-            <a:r>
-              <a:rPr lang="de-DE" dirty="0"/>
-              <a:t> </a:t>
-            </a:r>
-            <a:r>
-              <a:rPr lang="de-DE" dirty="0" err="1"/>
-              <a:t>to</a:t>
-            </a:r>
-            <a:r>
-              <a:rPr lang="de-DE" dirty="0"/>
-              <a:t> </a:t>
-            </a:r>
-            <a:r>
-              <a:rPr lang="de-DE" dirty="0" err="1"/>
-              <a:t>other</a:t>
-            </a:r>
-            <a:endParaRPr lang="de-DE" dirty="0"/>
-          </a:p>
-        </p:txBody>
-      </p:sp>
-      <p:sp>
-        <p:nvSpPr>
-          <p:cNvPr id="6" name="Inhaltsplatzhalter 5"/>
-          <p:cNvSpPr>
-            <a:spLocks noGrp="1"/>
-          </p:cNvSpPr>
-          <p:nvPr>
-            <p:ph sz="quarter" idx="13"/>
-          </p:nvPr>
-        </p:nvSpPr>
-        <p:spPr/>
-        <p:txBody>
-          <a:bodyPr/>
-          <a:lstStyle/>
-          <a:p>
-            <a:endParaRPr lang="de-DE" dirty="0"/>
-          </a:p>
-        </p:txBody>
-      </p:sp>
-    </p:spTree>
-    <p:extLst>
-      <p:ext uri="{BB962C8B-B14F-4D97-AF65-F5344CB8AC3E}">
-        <p14:creationId xmlns:p14="http://schemas.microsoft.com/office/powerpoint/2010/main" val="3818903813"/>
-      </p:ext>
-    </p:extLst>
-  </p:cSld>
-  <p:clrMapOvr>
-    <a:masterClrMapping/>
-  </p:clrMapOvr>
-</p:sld>
-</file>
-
-<file path=ppt/slides/slide22.xml><?xml version="1.0" encoding="utf-8"?>
-<p:sld xmlns:a="http://schemas.openxmlformats.org/drawingml/2006/main" xmlns:r="http://schemas.openxmlformats.org/officeDocument/2006/relationships" xmlns:p="http://schemas.openxmlformats.org/presentationml/2006/main">
-  <p:cSld>
-    <p:spTree>
-      <p:nvGrpSpPr>
-        <p:cNvPr id="1" name=""/>
-        <p:cNvGrpSpPr/>
-        <p:nvPr/>
-      </p:nvGrpSpPr>
-      <p:grpSpPr>
-        <a:xfrm>
-          <a:off x="0" y="0"/>
-          <a:ext cx="0" cy="0"/>
-          <a:chOff x="0" y="0"/>
-          <a:chExt cx="0" cy="0"/>
-        </a:xfrm>
-      </p:grpSpPr>
-      <p:sp>
-        <p:nvSpPr>
-          <p:cNvPr id="4" name="Titel 3"/>
-          <p:cNvSpPr>
-            <a:spLocks noGrp="1"/>
-          </p:cNvSpPr>
-          <p:nvPr>
-            <p:ph type="title"/>
-          </p:nvPr>
-        </p:nvSpPr>
-        <p:spPr/>
-        <p:txBody>
-          <a:bodyPr/>
-          <a:lstStyle/>
-          <a:p>
-            <a:r>
-              <a:rPr lang="de-DE" dirty="0"/>
-              <a:t>Säulendiagramm</a:t>
-            </a:r>
-            <a:br>
-              <a:rPr lang="de-DE" dirty="0"/>
-            </a:br>
-            <a:r>
-              <a:rPr lang="de-DE" dirty="0"/>
-              <a:t>Werte und Beschriftungen können nach Doppelklick geändert werden</a:t>
-            </a:r>
-          </a:p>
-        </p:txBody>
-      </p:sp>
-      <p:sp>
-        <p:nvSpPr>
-          <p:cNvPr id="8" name="Datumsplatzhalter 7"/>
-          <p:cNvSpPr>
-            <a:spLocks noGrp="1"/>
-          </p:cNvSpPr>
-          <p:nvPr>
-            <p:ph type="dt" sz="half" idx="10"/>
-          </p:nvPr>
-        </p:nvSpPr>
-        <p:spPr/>
-        <p:txBody>
-          <a:bodyPr/>
-          <a:lstStyle/>
-          <a:p>
-            <a:fld id="{74ADCDC6-15F8-440A-85C7-E016319DAC93}" type="datetime1">
-              <a:rPr lang="de-DE" smtClean="0"/>
-              <a:t>17.07.22</a:t>
-            </a:fld>
-            <a:endParaRPr lang="de-DE" dirty="0"/>
-          </a:p>
-        </p:txBody>
-      </p:sp>
-      <p:sp>
-        <p:nvSpPr>
-          <p:cNvPr id="9" name="Fußzeilenplatzhalter 8"/>
-          <p:cNvSpPr>
-            <a:spLocks noGrp="1"/>
-          </p:cNvSpPr>
-          <p:nvPr>
-            <p:ph type="ftr" sz="quarter" idx="11"/>
-          </p:nvPr>
-        </p:nvSpPr>
-        <p:spPr/>
-        <p:txBody>
-          <a:bodyPr/>
-          <a:lstStyle/>
-          <a:p>
-            <a:r>
-              <a:rPr lang="de-DE" dirty="0"/>
-              <a:t>Name der Präsentation, Name des Sprechers ©HSB</a:t>
-            </a:r>
-          </a:p>
-        </p:txBody>
-      </p:sp>
-      <p:sp>
-        <p:nvSpPr>
-          <p:cNvPr id="10" name="Foliennummernplatzhalter 9"/>
-          <p:cNvSpPr>
-            <a:spLocks noGrp="1"/>
-          </p:cNvSpPr>
-          <p:nvPr>
-            <p:ph type="sldNum" sz="quarter" idx="12"/>
-          </p:nvPr>
-        </p:nvSpPr>
-        <p:spPr/>
-        <p:txBody>
-          <a:bodyPr/>
-          <a:lstStyle/>
-          <a:p>
-            <a:fld id="{58444F55-0981-4E9E-8F6B-2F7546EE58D7}" type="slidenum">
-              <a:rPr lang="de-DE" smtClean="0"/>
-              <a:pPr/>
-              <a:t>22</a:t>
-            </a:fld>
-            <a:endParaRPr lang="de-DE" dirty="0"/>
-          </a:p>
-        </p:txBody>
-      </p:sp>
-      <p:graphicFrame>
-        <p:nvGraphicFramePr>
-          <p:cNvPr id="6" name="Diagramm 5"/>
-          <p:cNvGraphicFramePr/>
-          <p:nvPr>
-            <p:extLst>
-              <p:ext uri="{D42A27DB-BD31-4B8C-83A1-F6EECF244321}">
-                <p14:modId xmlns:p14="http://schemas.microsoft.com/office/powerpoint/2010/main" val="3598402336"/>
-              </p:ext>
-            </p:extLst>
-          </p:nvPr>
-        </p:nvGraphicFramePr>
-        <p:xfrm>
-          <a:off x="250825" y="1095375"/>
-          <a:ext cx="8642349" cy="3024188"/>
-        </p:xfrm>
-        <a:graphic>
-          <a:graphicData uri="http://schemas.openxmlformats.org/drawingml/2006/chart">
-            <c:chart xmlns:c="http://schemas.openxmlformats.org/drawingml/2006/chart" xmlns:r="http://schemas.openxmlformats.org/officeDocument/2006/relationships" r:id="rId2"/>
-          </a:graphicData>
-        </a:graphic>
-      </p:graphicFrame>
-      <p:sp>
-        <p:nvSpPr>
-          <p:cNvPr id="7" name="Rechteck 6"/>
-          <p:cNvSpPr/>
-          <p:nvPr/>
-        </p:nvSpPr>
-        <p:spPr>
-          <a:xfrm>
-            <a:off x="254819" y="4515966"/>
-            <a:ext cx="8638356" cy="144000"/>
-          </a:xfrm>
-          <a:prstGeom prst="rect">
-            <a:avLst/>
-          </a:prstGeom>
-          <a:noFill/>
-          <a:ln w="6350">
-            <a:noFill/>
-          </a:ln>
-        </p:spPr>
-        <p:style>
-          <a:lnRef idx="2">
-            <a:schemeClr val="accent1">
-              <a:shade val="50000"/>
-            </a:schemeClr>
-          </a:lnRef>
-          <a:fillRef idx="1">
-            <a:schemeClr val="accent1"/>
-          </a:fillRef>
-          <a:effectRef idx="0">
-            <a:schemeClr val="accent1"/>
-          </a:effectRef>
-          <a:fontRef idx="minor">
-            <a:schemeClr val="lt1"/>
-          </a:fontRef>
-        </p:style>
-        <p:txBody>
-          <a:bodyPr lIns="0" tIns="0" rIns="0" bIns="0" rtlCol="0" anchor="b" anchorCtr="0"/>
-          <a:lstStyle/>
-          <a:p>
-            <a:pPr>
-              <a:buClr>
-                <a:schemeClr val="accent1"/>
-              </a:buClr>
-            </a:pPr>
-            <a:r>
-              <a:rPr lang="de-DE" sz="900" dirty="0">
-                <a:solidFill>
-                  <a:schemeClr val="bg2"/>
-                </a:solidFill>
-              </a:rPr>
-              <a:t>Quelle: Rum rera dest tatint hillestrum sitat aut accae venimaxim vendelisti tem ent, quis es excero volupta tionseq uasitas.</a:t>
-            </a:r>
-          </a:p>
-        </p:txBody>
-      </p:sp>
-    </p:spTree>
-    <p:extLst>
-      <p:ext uri="{BB962C8B-B14F-4D97-AF65-F5344CB8AC3E}">
-        <p14:creationId xmlns:p14="http://schemas.microsoft.com/office/powerpoint/2010/main" val="203867659"/>
-      </p:ext>
-    </p:extLst>
-  </p:cSld>
-  <p:clrMapOvr>
-    <a:masterClrMapping/>
-  </p:clrMapOvr>
-</p:sld>
-</file>
-
-<file path=ppt/slides/slide23.xml><?xml version="1.0" encoding="utf-8"?>
-<p:sld xmlns:a="http://schemas.openxmlformats.org/drawingml/2006/main" xmlns:r="http://schemas.openxmlformats.org/officeDocument/2006/relationships" xmlns:p="http://schemas.openxmlformats.org/presentationml/2006/main">
-  <p:cSld>
-    <p:spTree>
-      <p:nvGrpSpPr>
-        <p:cNvPr id="1" name=""/>
-        <p:cNvGrpSpPr/>
-        <p:nvPr/>
-      </p:nvGrpSpPr>
-      <p:grpSpPr>
-        <a:xfrm>
-          <a:off x="0" y="0"/>
-          <a:ext cx="0" cy="0"/>
-          <a:chOff x="0" y="0"/>
-          <a:chExt cx="0" cy="0"/>
-        </a:xfrm>
-      </p:grpSpPr>
-      <p:sp>
-        <p:nvSpPr>
-          <p:cNvPr id="4" name="Titel 3"/>
-          <p:cNvSpPr>
-            <a:spLocks noGrp="1"/>
-          </p:cNvSpPr>
-          <p:nvPr>
-            <p:ph type="title"/>
-          </p:nvPr>
-        </p:nvSpPr>
-        <p:spPr/>
-        <p:txBody>
-          <a:bodyPr/>
-          <a:lstStyle/>
-          <a:p>
-            <a:r>
-              <a:rPr lang="de-DE" dirty="0"/>
-              <a:t>Balkendiagramm</a:t>
-            </a:r>
-            <a:br>
-              <a:rPr lang="de-DE" dirty="0"/>
-            </a:br>
-            <a:r>
-              <a:rPr lang="de-DE" dirty="0"/>
-              <a:t>Werte und Beschriftungen können nach Doppelklick geändert werden</a:t>
-            </a:r>
-          </a:p>
-        </p:txBody>
-      </p:sp>
-      <p:graphicFrame>
-        <p:nvGraphicFramePr>
-          <p:cNvPr id="6" name="Diagramm 5"/>
-          <p:cNvGraphicFramePr/>
-          <p:nvPr>
-            <p:extLst>
-              <p:ext uri="{D42A27DB-BD31-4B8C-83A1-F6EECF244321}">
-                <p14:modId xmlns:p14="http://schemas.microsoft.com/office/powerpoint/2010/main" val="2702812772"/>
-              </p:ext>
-            </p:extLst>
-          </p:nvPr>
-        </p:nvGraphicFramePr>
-        <p:xfrm>
-          <a:off x="250825" y="1095374"/>
-          <a:ext cx="8642349" cy="3024189"/>
-        </p:xfrm>
-        <a:graphic>
-          <a:graphicData uri="http://schemas.openxmlformats.org/drawingml/2006/chart">
-            <c:chart xmlns:c="http://schemas.openxmlformats.org/drawingml/2006/chart" xmlns:r="http://schemas.openxmlformats.org/officeDocument/2006/relationships" r:id="rId2"/>
-          </a:graphicData>
-        </a:graphic>
-      </p:graphicFrame>
-      <p:sp>
-        <p:nvSpPr>
-          <p:cNvPr id="8" name="Datumsplatzhalter 7"/>
-          <p:cNvSpPr>
-            <a:spLocks noGrp="1"/>
-          </p:cNvSpPr>
-          <p:nvPr>
-            <p:ph type="dt" sz="half" idx="10"/>
-          </p:nvPr>
-        </p:nvSpPr>
-        <p:spPr/>
-        <p:txBody>
-          <a:bodyPr/>
-          <a:lstStyle/>
-          <a:p>
-            <a:fld id="{B558ECAE-EF4F-4F0E-998C-E06BB00CEEDD}" type="datetime1">
-              <a:rPr lang="de-DE" smtClean="0"/>
-              <a:t>17.07.22</a:t>
-            </a:fld>
-            <a:endParaRPr lang="de-DE" dirty="0"/>
-          </a:p>
-        </p:txBody>
-      </p:sp>
-      <p:sp>
-        <p:nvSpPr>
-          <p:cNvPr id="9" name="Fußzeilenplatzhalter 8"/>
-          <p:cNvSpPr>
-            <a:spLocks noGrp="1"/>
-          </p:cNvSpPr>
-          <p:nvPr>
-            <p:ph type="ftr" sz="quarter" idx="11"/>
-          </p:nvPr>
-        </p:nvSpPr>
-        <p:spPr/>
-        <p:txBody>
-          <a:bodyPr/>
-          <a:lstStyle/>
-          <a:p>
-            <a:r>
-              <a:rPr lang="de-DE" dirty="0"/>
-              <a:t>Name der Präsentation, Name des Sprechers ©HSB</a:t>
-            </a:r>
-          </a:p>
-        </p:txBody>
-      </p:sp>
-      <p:sp>
-        <p:nvSpPr>
-          <p:cNvPr id="10" name="Foliennummernplatzhalter 9"/>
-          <p:cNvSpPr>
-            <a:spLocks noGrp="1"/>
-          </p:cNvSpPr>
-          <p:nvPr>
-            <p:ph type="sldNum" sz="quarter" idx="12"/>
-          </p:nvPr>
-        </p:nvSpPr>
-        <p:spPr/>
-        <p:txBody>
-          <a:bodyPr/>
-          <a:lstStyle/>
-          <a:p>
-            <a:fld id="{58444F55-0981-4E9E-8F6B-2F7546EE58D7}" type="slidenum">
-              <a:rPr lang="de-DE" smtClean="0"/>
-              <a:pPr/>
-              <a:t>23</a:t>
-            </a:fld>
-            <a:endParaRPr lang="de-DE" dirty="0"/>
-          </a:p>
-        </p:txBody>
-      </p:sp>
-      <p:sp>
-        <p:nvSpPr>
-          <p:cNvPr id="11" name="Rechteck 10"/>
-          <p:cNvSpPr/>
-          <p:nvPr/>
-        </p:nvSpPr>
-        <p:spPr>
-          <a:xfrm>
-            <a:off x="254819" y="4515966"/>
-            <a:ext cx="8638356" cy="144000"/>
-          </a:xfrm>
-          <a:prstGeom prst="rect">
-            <a:avLst/>
-          </a:prstGeom>
-          <a:noFill/>
-          <a:ln w="6350">
-            <a:noFill/>
-          </a:ln>
-        </p:spPr>
-        <p:style>
-          <a:lnRef idx="2">
-            <a:schemeClr val="accent1">
-              <a:shade val="50000"/>
-            </a:schemeClr>
-          </a:lnRef>
-          <a:fillRef idx="1">
-            <a:schemeClr val="accent1"/>
-          </a:fillRef>
-          <a:effectRef idx="0">
-            <a:schemeClr val="accent1"/>
-          </a:effectRef>
-          <a:fontRef idx="minor">
-            <a:schemeClr val="lt1"/>
-          </a:fontRef>
-        </p:style>
-        <p:txBody>
-          <a:bodyPr lIns="0" tIns="0" rIns="0" bIns="0" rtlCol="0" anchor="b" anchorCtr="0"/>
-          <a:lstStyle/>
-          <a:p>
-            <a:pPr>
-              <a:buClr>
-                <a:schemeClr val="accent1"/>
-              </a:buClr>
-            </a:pPr>
-            <a:r>
-              <a:rPr lang="de-DE" sz="900" dirty="0">
-                <a:solidFill>
-                  <a:schemeClr val="bg2"/>
-                </a:solidFill>
-              </a:rPr>
-              <a:t>Quelle: Rum rera dest tatint hillestrum sitat aut accae venimaxim vendelisti tem ent, quis es excero volupta tionseq uasitas.</a:t>
-            </a:r>
-          </a:p>
-        </p:txBody>
-      </p:sp>
-    </p:spTree>
-    <p:extLst>
-      <p:ext uri="{BB962C8B-B14F-4D97-AF65-F5344CB8AC3E}">
-        <p14:creationId xmlns:p14="http://schemas.microsoft.com/office/powerpoint/2010/main" val="2086538864"/>
-      </p:ext>
-    </p:extLst>
-  </p:cSld>
-  <p:clrMapOvr>
-    <a:masterClrMapping/>
-  </p:clrMapOvr>
-</p:sld>
-</file>
-
-<file path=ppt/slides/slide24.xml><?xml version="1.0" encoding="utf-8"?>
-<p:sld xmlns:a="http://schemas.openxmlformats.org/drawingml/2006/main" xmlns:r="http://schemas.openxmlformats.org/officeDocument/2006/relationships" xmlns:p="http://schemas.openxmlformats.org/presentationml/2006/main">
-  <p:cSld>
-    <p:spTree>
-      <p:nvGrpSpPr>
-        <p:cNvPr id="1" name=""/>
-        <p:cNvGrpSpPr/>
-        <p:nvPr/>
-      </p:nvGrpSpPr>
-      <p:grpSpPr>
-        <a:xfrm>
-          <a:off x="0" y="0"/>
-          <a:ext cx="0" cy="0"/>
-          <a:chOff x="0" y="0"/>
-          <a:chExt cx="0" cy="0"/>
-        </a:xfrm>
-      </p:grpSpPr>
-      <p:sp>
-        <p:nvSpPr>
-          <p:cNvPr id="4" name="Titel 3"/>
-          <p:cNvSpPr>
-            <a:spLocks noGrp="1"/>
-          </p:cNvSpPr>
-          <p:nvPr>
-            <p:ph type="title"/>
-          </p:nvPr>
-        </p:nvSpPr>
-        <p:spPr/>
-        <p:txBody>
-          <a:bodyPr/>
-          <a:lstStyle/>
-          <a:p>
-            <a:r>
-              <a:rPr lang="de-DE" dirty="0"/>
-              <a:t>Stapelbalkendiagramm</a:t>
-            </a:r>
-            <a:br>
-              <a:rPr lang="de-DE" dirty="0"/>
-            </a:br>
-            <a:r>
-              <a:rPr lang="de-DE" dirty="0"/>
-              <a:t>Werte und Beschriftungen können nach Doppelklick geändert werden</a:t>
-            </a:r>
-          </a:p>
-        </p:txBody>
-      </p:sp>
-      <p:graphicFrame>
-        <p:nvGraphicFramePr>
-          <p:cNvPr id="6" name="Diagramm 5"/>
-          <p:cNvGraphicFramePr/>
-          <p:nvPr>
-            <p:extLst>
-              <p:ext uri="{D42A27DB-BD31-4B8C-83A1-F6EECF244321}">
-                <p14:modId xmlns:p14="http://schemas.microsoft.com/office/powerpoint/2010/main" val="214306084"/>
-              </p:ext>
-            </p:extLst>
-          </p:nvPr>
-        </p:nvGraphicFramePr>
-        <p:xfrm>
-          <a:off x="254819" y="1095374"/>
-          <a:ext cx="8638355" cy="3024189"/>
-        </p:xfrm>
-        <a:graphic>
-          <a:graphicData uri="http://schemas.openxmlformats.org/drawingml/2006/chart">
-            <c:chart xmlns:c="http://schemas.openxmlformats.org/drawingml/2006/chart" xmlns:r="http://schemas.openxmlformats.org/officeDocument/2006/relationships" r:id="rId2"/>
-          </a:graphicData>
-        </a:graphic>
-      </p:graphicFrame>
-      <p:sp>
-        <p:nvSpPr>
-          <p:cNvPr id="8" name="Datumsplatzhalter 7"/>
-          <p:cNvSpPr>
-            <a:spLocks noGrp="1"/>
-          </p:cNvSpPr>
-          <p:nvPr>
-            <p:ph type="dt" sz="half" idx="10"/>
-          </p:nvPr>
-        </p:nvSpPr>
-        <p:spPr/>
-        <p:txBody>
-          <a:bodyPr/>
-          <a:lstStyle/>
-          <a:p>
-            <a:fld id="{EB8BF66A-BD51-48D8-9D80-A101D4FB04CF}" type="datetime1">
-              <a:rPr lang="de-DE" smtClean="0"/>
-              <a:t>17.07.22</a:t>
-            </a:fld>
-            <a:endParaRPr lang="de-DE" dirty="0"/>
-          </a:p>
-        </p:txBody>
-      </p:sp>
-      <p:sp>
-        <p:nvSpPr>
-          <p:cNvPr id="9" name="Fußzeilenplatzhalter 8"/>
-          <p:cNvSpPr>
-            <a:spLocks noGrp="1"/>
-          </p:cNvSpPr>
-          <p:nvPr>
-            <p:ph type="ftr" sz="quarter" idx="11"/>
-          </p:nvPr>
-        </p:nvSpPr>
-        <p:spPr/>
-        <p:txBody>
-          <a:bodyPr/>
-          <a:lstStyle/>
-          <a:p>
-            <a:r>
-              <a:rPr lang="de-DE" dirty="0"/>
-              <a:t>Name der Präsentation, Name des Sprechers ©HSB</a:t>
-            </a:r>
-          </a:p>
-        </p:txBody>
-      </p:sp>
-      <p:sp>
-        <p:nvSpPr>
-          <p:cNvPr id="10" name="Foliennummernplatzhalter 9"/>
-          <p:cNvSpPr>
-            <a:spLocks noGrp="1"/>
-          </p:cNvSpPr>
-          <p:nvPr>
-            <p:ph type="sldNum" sz="quarter" idx="12"/>
-          </p:nvPr>
-        </p:nvSpPr>
-        <p:spPr/>
-        <p:txBody>
-          <a:bodyPr/>
-          <a:lstStyle/>
-          <a:p>
-            <a:fld id="{58444F55-0981-4E9E-8F6B-2F7546EE58D7}" type="slidenum">
-              <a:rPr lang="de-DE" smtClean="0"/>
-              <a:pPr/>
-              <a:t>24</a:t>
-            </a:fld>
-            <a:endParaRPr lang="de-DE" dirty="0"/>
-          </a:p>
-        </p:txBody>
-      </p:sp>
-      <p:sp>
-        <p:nvSpPr>
-          <p:cNvPr id="11" name="Rechteck 10"/>
-          <p:cNvSpPr/>
-          <p:nvPr/>
-        </p:nvSpPr>
-        <p:spPr>
-          <a:xfrm>
-            <a:off x="254819" y="4515966"/>
-            <a:ext cx="8638356" cy="144000"/>
-          </a:xfrm>
-          <a:prstGeom prst="rect">
-            <a:avLst/>
-          </a:prstGeom>
-          <a:noFill/>
-          <a:ln w="6350">
-            <a:noFill/>
-          </a:ln>
-        </p:spPr>
-        <p:style>
-          <a:lnRef idx="2">
-            <a:schemeClr val="accent1">
-              <a:shade val="50000"/>
-            </a:schemeClr>
-          </a:lnRef>
-          <a:fillRef idx="1">
-            <a:schemeClr val="accent1"/>
-          </a:fillRef>
-          <a:effectRef idx="0">
-            <a:schemeClr val="accent1"/>
-          </a:effectRef>
-          <a:fontRef idx="minor">
-            <a:schemeClr val="lt1"/>
-          </a:fontRef>
-        </p:style>
-        <p:txBody>
-          <a:bodyPr lIns="0" tIns="0" rIns="0" bIns="0" rtlCol="0" anchor="b" anchorCtr="0"/>
-          <a:lstStyle/>
-          <a:p>
-            <a:pPr>
-              <a:buClr>
-                <a:schemeClr val="accent1"/>
-              </a:buClr>
-            </a:pPr>
-            <a:r>
-              <a:rPr lang="de-DE" sz="900" dirty="0">
-                <a:solidFill>
-                  <a:schemeClr val="bg2"/>
-                </a:solidFill>
-              </a:rPr>
-              <a:t>Quelle: Rum rera dest tatint hillestrum sitat aut accae venimaxim vendelisti tem ent, quis es excero volupta tionseq uasitas.</a:t>
-            </a:r>
-          </a:p>
-        </p:txBody>
-      </p:sp>
-    </p:spTree>
-    <p:extLst>
-      <p:ext uri="{BB962C8B-B14F-4D97-AF65-F5344CB8AC3E}">
-        <p14:creationId xmlns:p14="http://schemas.microsoft.com/office/powerpoint/2010/main" val="134225762"/>
-      </p:ext>
-    </p:extLst>
-  </p:cSld>
-  <p:clrMapOvr>
-    <a:masterClrMapping/>
-  </p:clrMapOvr>
-</p:sld>
-</file>
-
 <file path=ppt/slides/slide25.xml><?xml version="1.0" encoding="utf-8"?>
 <p:sld xmlns:a="http://schemas.openxmlformats.org/drawingml/2006/main" xmlns:r="http://schemas.openxmlformats.org/officeDocument/2006/relationships" xmlns:p="http://schemas.openxmlformats.org/presentationml/2006/main">
   <p:cSld>
@@ -18144,12 +18592,18 @@
       </p:grpSpPr>
       <p:sp>
         <p:nvSpPr>
-          <p:cNvPr id="4" name="Titel 3"/>
+          <p:cNvPr id="2" name="Date Placeholder 1">
+            <a:extLst>
+              <a:ext uri="{FF2B5EF4-FFF2-40B4-BE49-F238E27FC236}">
+                <a16:creationId xmlns:a16="http://schemas.microsoft.com/office/drawing/2014/main" id="{0191F0C7-BF41-9710-70EB-D18852C21B6F}"/>
+              </a:ext>
+            </a:extLst>
+          </p:cNvPr>
           <p:cNvSpPr>
             <a:spLocks noGrp="1"/>
           </p:cNvSpPr>
           <p:nvPr>
-            <p:ph type="title"/>
+            <p:ph type="dt" sz="half" idx="10"/>
           </p:nvPr>
         </p:nvSpPr>
         <p:spPr/>
@@ -18157,58 +18611,7 @@
           <a:bodyPr/>
           <a:lstStyle/>
           <a:p>
-            <a:r>
-              <a:rPr lang="de-DE" dirty="0"/>
-              <a:t>Liniendiagramm</a:t>
-            </a:r>
-            <a:br>
-              <a:rPr lang="de-DE" dirty="0"/>
-            </a:br>
-            <a:r>
-              <a:rPr lang="de-DE" dirty="0"/>
-              <a:t>Werte und Beschriftungen können nach Doppelklick geändert werden</a:t>
-            </a:r>
-          </a:p>
-        </p:txBody>
-      </p:sp>
-      <p:graphicFrame>
-        <p:nvGraphicFramePr>
-          <p:cNvPr id="6" name="Diagramm 5"/>
-          <p:cNvGraphicFramePr/>
-          <p:nvPr>
-            <p:extLst>
-              <p:ext uri="{D42A27DB-BD31-4B8C-83A1-F6EECF244321}">
-                <p14:modId xmlns:p14="http://schemas.microsoft.com/office/powerpoint/2010/main" val="2185781317"/>
-              </p:ext>
-            </p:extLst>
-          </p:nvPr>
-        </p:nvGraphicFramePr>
-        <p:xfrm>
-          <a:off x="250825" y="1095374"/>
-          <a:ext cx="8642349" cy="3024189"/>
-        </p:xfrm>
-        <a:graphic>
-          <a:graphicData uri="http://schemas.openxmlformats.org/drawingml/2006/chart">
-            <c:chart xmlns:c="http://schemas.openxmlformats.org/drawingml/2006/chart" xmlns:r="http://schemas.openxmlformats.org/officeDocument/2006/relationships" r:id="rId2"/>
-          </a:graphicData>
-        </a:graphic>
-      </p:graphicFrame>
-      <p:sp>
-        <p:nvSpPr>
-          <p:cNvPr id="8" name="Datumsplatzhalter 7"/>
-          <p:cNvSpPr>
-            <a:spLocks noGrp="1"/>
-          </p:cNvSpPr>
-          <p:nvPr>
-            <p:ph type="dt" sz="half" idx="10"/>
-          </p:nvPr>
-        </p:nvSpPr>
-        <p:spPr/>
-        <p:txBody>
-          <a:bodyPr/>
-          <a:lstStyle/>
-          <a:p>
-            <a:fld id="{81C5308B-9BF3-437F-B3CE-145D2A3039FE}" type="datetime1">
+            <a:fld id="{51F9D3FF-F5C6-48BA-AF3B-6687C8CBA8CD}" type="datetime1">
               <a:rPr lang="de-DE" smtClean="0"/>
               <a:t>17.07.22</a:t>
             </a:fld>
@@ -18218,7 +18621,13 @@
       </p:sp>
       <p:sp>
         <p:nvSpPr>
-          <p:cNvPr id="9" name="Fußzeilenplatzhalter 8"/>
+          <p:cNvPr id="3" name="Footer Placeholder 2">
+            <a:extLst>
+              <a:ext uri="{FF2B5EF4-FFF2-40B4-BE49-F238E27FC236}">
+                <a16:creationId xmlns:a16="http://schemas.microsoft.com/office/drawing/2014/main" id="{A6AAC715-4062-F324-278E-33E23ABAB037}"/>
+              </a:ext>
+            </a:extLst>
+          </p:cNvPr>
           <p:cNvSpPr>
             <a:spLocks noGrp="1"/>
           </p:cNvSpPr>
@@ -18232,15 +18641,22 @@
           <a:lstStyle/>
           <a:p>
             <a:r>
-              <a:rPr lang="de-DE" dirty="0"/>
+              <a:rPr lang="de-DE"/>
               <a:t>Name der Präsentation, Name des Sprechers ©HSB</a:t>
             </a:r>
-          </a:p>
-        </p:txBody>
-      </p:sp>
-      <p:sp>
-        <p:nvSpPr>
-          <p:cNvPr id="10" name="Foliennummernplatzhalter 9"/>
+            <a:endParaRPr lang="de-DE" dirty="0"/>
+          </a:p>
+        </p:txBody>
+      </p:sp>
+      <p:sp>
+        <p:nvSpPr>
+          <p:cNvPr id="4" name="Slide Number Placeholder 3">
+            <a:extLst>
+              <a:ext uri="{FF2B5EF4-FFF2-40B4-BE49-F238E27FC236}">
+                <a16:creationId xmlns:a16="http://schemas.microsoft.com/office/drawing/2014/main" id="{C1150CE8-067F-100B-A3DB-DE039E882719}"/>
+              </a:ext>
+            </a:extLst>
+          </p:cNvPr>
           <p:cNvSpPr>
             <a:spLocks noGrp="1"/>
           </p:cNvSpPr>
@@ -18264,63 +18680,341 @@
       </p:sp>
       <p:sp>
         <p:nvSpPr>
-          <p:cNvPr id="11" name="Rechteck 10"/>
-          <p:cNvSpPr/>
-          <p:nvPr/>
-        </p:nvSpPr>
-        <p:spPr>
-          <a:xfrm>
-            <a:off x="254819" y="4515966"/>
-            <a:ext cx="8638356" cy="144000"/>
-          </a:xfrm>
-          <a:prstGeom prst="rect">
-            <a:avLst/>
-          </a:prstGeom>
-          <a:noFill/>
-          <a:ln w="6350">
-            <a:noFill/>
-          </a:ln>
-        </p:spPr>
-        <p:style>
-          <a:lnRef idx="2">
-            <a:schemeClr val="accent1">
-              <a:shade val="50000"/>
-            </a:schemeClr>
-          </a:lnRef>
-          <a:fillRef idx="1">
-            <a:schemeClr val="accent1"/>
-          </a:fillRef>
-          <a:effectRef idx="0">
-            <a:schemeClr val="accent1"/>
-          </a:effectRef>
-          <a:fontRef idx="minor">
-            <a:schemeClr val="lt1"/>
-          </a:fontRef>
-        </p:style>
-        <p:txBody>
-          <a:bodyPr lIns="0" tIns="0" rIns="0" bIns="0" rtlCol="0" anchor="b" anchorCtr="0"/>
+          <p:cNvPr id="5" name="Title 4">
+            <a:extLst>
+              <a:ext uri="{FF2B5EF4-FFF2-40B4-BE49-F238E27FC236}">
+                <a16:creationId xmlns:a16="http://schemas.microsoft.com/office/drawing/2014/main" id="{1E937642-1D4C-C139-7B47-6BE8E91F061F}"/>
+              </a:ext>
+            </a:extLst>
+          </p:cNvPr>
+          <p:cNvSpPr>
+            <a:spLocks noGrp="1"/>
+          </p:cNvSpPr>
+          <p:nvPr>
+            <p:ph type="title"/>
+          </p:nvPr>
+        </p:nvSpPr>
+        <p:spPr/>
+        <p:txBody>
+          <a:bodyPr/>
           <a:lstStyle/>
           <a:p>
-            <a:pPr>
-              <a:buClr>
-                <a:schemeClr val="accent1"/>
-              </a:buClr>
-            </a:pPr>
-            <a:r>
-              <a:rPr lang="de-DE" sz="900" dirty="0">
-                <a:solidFill>
-                  <a:schemeClr val="bg2"/>
-                </a:solidFill>
-              </a:rPr>
-              <a:t>Quelle: Rum rera dest tatint hillestrum sitat aut accae venimaxim vendelisti tem ent, quis es excero volupta tionseq uasitas.</a:t>
-            </a:r>
+            <a:r>
+              <a:rPr lang="en-DE" dirty="0"/>
+              <a:t>Sources 1</a:t>
+            </a:r>
+          </a:p>
+        </p:txBody>
+      </p:sp>
+      <p:sp>
+        <p:nvSpPr>
+          <p:cNvPr id="6" name="Text Placeholder 5">
+            <a:extLst>
+              <a:ext uri="{FF2B5EF4-FFF2-40B4-BE49-F238E27FC236}">
+                <a16:creationId xmlns:a16="http://schemas.microsoft.com/office/drawing/2014/main" id="{BEB0659A-9C2A-9D8D-3312-C3D70A8C2C99}"/>
+              </a:ext>
+            </a:extLst>
+          </p:cNvPr>
+          <p:cNvSpPr>
+            <a:spLocks noGrp="1"/>
+          </p:cNvSpPr>
+          <p:nvPr>
+            <p:ph type="body" sz="quarter" idx="13"/>
+          </p:nvPr>
+        </p:nvSpPr>
+        <p:spPr/>
+        <p:txBody>
+          <a:bodyPr/>
+          <a:lstStyle/>
+          <a:p>
+            <a:r>
+              <a:rPr lang="en-GB" sz="1200" dirty="0"/>
+              <a:t>- [1] Brad </a:t>
+            </a:r>
+            <a:r>
+              <a:rPr lang="en-GB" sz="1200" dirty="0" err="1"/>
+              <a:t>Dayley</a:t>
+            </a:r>
+            <a:r>
+              <a:rPr lang="en-GB" sz="1200" dirty="0"/>
+              <a:t>. </a:t>
+            </a:r>
+            <a:r>
+              <a:rPr lang="en-GB" sz="1200" dirty="0" err="1"/>
+              <a:t>Sams</a:t>
+            </a:r>
+            <a:r>
+              <a:rPr lang="en-GB" sz="1200" dirty="0"/>
+              <a:t> Teach Yourself NoSQL with MongoDB in 24 Hours, Video Enhanced Edition. O'REILLY. 2014.</a:t>
+            </a:r>
+          </a:p>
+          <a:p>
+            <a:r>
+              <a:rPr lang="en-GB" sz="1200" dirty="0"/>
+              <a:t>- [2] Kasun </a:t>
+            </a:r>
+            <a:r>
+              <a:rPr lang="en-GB" sz="1200" dirty="0" err="1"/>
+              <a:t>Idrasiri</a:t>
+            </a:r>
+            <a:r>
+              <a:rPr lang="en-GB" sz="1200" dirty="0"/>
+              <a:t>, </a:t>
+            </a:r>
+            <a:r>
+              <a:rPr lang="en-GB" sz="1200" dirty="0" err="1"/>
+              <a:t>Sriskandarajah</a:t>
+            </a:r>
+            <a:r>
+              <a:rPr lang="en-GB" sz="1200" dirty="0"/>
+              <a:t> </a:t>
+            </a:r>
+            <a:r>
+              <a:rPr lang="en-GB" sz="1200" dirty="0" err="1"/>
+              <a:t>Suhothayan</a:t>
+            </a:r>
+            <a:r>
+              <a:rPr lang="en-GB" sz="1200" dirty="0"/>
+              <a:t>. Design Patterns for Cloud Native Applications. O'REILLY. 2021.</a:t>
+            </a:r>
+          </a:p>
+          <a:p>
+            <a:r>
+              <a:rPr lang="en-GB" sz="1200" dirty="0"/>
+              <a:t>- [3] </a:t>
+            </a:r>
+            <a:r>
+              <a:rPr lang="en-GB" sz="1200" dirty="0" err="1"/>
+              <a:t>CloudLab</a:t>
+            </a:r>
+            <a:r>
+              <a:rPr lang="en-GB" sz="1200" dirty="0"/>
+              <a:t>. NoSQL - CAP Theorem. Author unknown. Date unknown. URL: https://</a:t>
+            </a:r>
+            <a:r>
+              <a:rPr lang="en-GB" sz="1200" dirty="0" err="1"/>
+              <a:t>cloudxlab.com</a:t>
+            </a:r>
+            <a:r>
+              <a:rPr lang="en-GB" sz="1200" dirty="0"/>
+              <a:t>/assessment/</a:t>
+            </a:r>
+            <a:r>
+              <a:rPr lang="en-GB" sz="1200" dirty="0" err="1"/>
+              <a:t>displayslide</a:t>
+            </a:r>
+            <a:r>
+              <a:rPr lang="en-GB" sz="1200" dirty="0"/>
+              <a:t>/345/</a:t>
+            </a:r>
+            <a:r>
+              <a:rPr lang="en-GB" sz="1200" dirty="0" err="1"/>
+              <a:t>nosql</a:t>
+            </a:r>
+            <a:r>
+              <a:rPr lang="en-GB" sz="1200" dirty="0"/>
+              <a:t>-cap-theorem#:~:text=NoSQL%20can%20not%20provide%20consistency,Consistency%2C%20Availability%20and%20Partition%20Tolerance. (visited: 10.07.2022, 20:15)</a:t>
+            </a:r>
+          </a:p>
+          <a:p>
+            <a:r>
+              <a:rPr lang="en-GB" sz="1200" dirty="0"/>
+              <a:t>- [4] Ted Dunning, Ellen Friedman. Time Series Databases: New Ways to Store and Access Data. O'REILLY. 2014.</a:t>
+            </a:r>
+          </a:p>
+          <a:p>
+            <a:r>
+              <a:rPr lang="en-GB" sz="1200" dirty="0"/>
+              <a:t>- [5] Joe Reis, Matt Housley. Fundamentals of Data Engineering: Plan and Build Robust Data Systems. O'REILLYs. 2022.</a:t>
+            </a:r>
+          </a:p>
+          <a:p>
+            <a:r>
+              <a:rPr lang="en-GB" sz="1200" dirty="0"/>
+              <a:t>- [6] Paul Dix. Why Build a Time Series Data Platform?. </a:t>
+            </a:r>
+            <a:r>
+              <a:rPr lang="en-GB" sz="1200" dirty="0" err="1"/>
+              <a:t>db</a:t>
+            </a:r>
+            <a:r>
+              <a:rPr lang="en-GB" sz="1200" dirty="0"/>
+              <a:t>-engines. 2017. https://</a:t>
+            </a:r>
+            <a:r>
+              <a:rPr lang="en-GB" sz="1200" dirty="0" err="1"/>
+              <a:t>db-engines.com</a:t>
+            </a:r>
+            <a:r>
+              <a:rPr lang="en-GB" sz="1200" dirty="0"/>
+              <a:t>/</a:t>
+            </a:r>
+            <a:r>
+              <a:rPr lang="en-GB" sz="1200" dirty="0" err="1"/>
+              <a:t>en</a:t>
+            </a:r>
+            <a:r>
+              <a:rPr lang="en-GB" sz="1200" dirty="0"/>
+              <a:t>/</a:t>
+            </a:r>
+            <a:r>
+              <a:rPr lang="en-GB" sz="1200" dirty="0" err="1"/>
+              <a:t>blog_post</a:t>
+            </a:r>
+            <a:r>
+              <a:rPr lang="en-GB" sz="1200" dirty="0"/>
+              <a:t>/71 (visited: 10.07.2022, 20:15)</a:t>
+            </a:r>
+          </a:p>
+          <a:p>
+            <a:r>
+              <a:rPr lang="en-GB" sz="1200" dirty="0"/>
+              <a:t>- [7] </a:t>
+            </a:r>
+            <a:r>
+              <a:rPr lang="en-GB" sz="1200" dirty="0" err="1"/>
+              <a:t>Kovid</a:t>
+            </a:r>
+            <a:r>
+              <a:rPr lang="en-GB" sz="1200" dirty="0"/>
+              <a:t> </a:t>
+            </a:r>
+            <a:r>
+              <a:rPr lang="en-GB" sz="1200" dirty="0" err="1"/>
+              <a:t>Rathee</a:t>
+            </a:r>
+            <a:r>
+              <a:rPr lang="en-GB" sz="1200" dirty="0"/>
+              <a:t>. The case for using timeseries databases. 2021. URL: https://</a:t>
+            </a:r>
+            <a:r>
+              <a:rPr lang="en-GB" sz="1200" dirty="0" err="1"/>
+              <a:t>towardsdatascience.com</a:t>
+            </a:r>
+            <a:r>
+              <a:rPr lang="en-GB" sz="1200" dirty="0"/>
+              <a:t>/the-case-for-using-timeseries-databases-c060a8afe727 (visited: 10.07.2022, 20:15)</a:t>
+            </a:r>
+          </a:p>
+          <a:p>
+            <a:r>
+              <a:rPr lang="en-GB" sz="1200" dirty="0"/>
+              <a:t>- [8] </a:t>
+            </a:r>
+            <a:r>
+              <a:rPr lang="en-GB" sz="1200" dirty="0" err="1"/>
+              <a:t>db</a:t>
+            </a:r>
+            <a:r>
+              <a:rPr lang="en-GB" sz="1200" dirty="0"/>
+              <a:t>-engines. </a:t>
+            </a:r>
+            <a:r>
+              <a:rPr lang="en-GB" sz="1200" dirty="0" err="1"/>
+              <a:t>InfluxDB</a:t>
+            </a:r>
+            <a:r>
+              <a:rPr lang="en-GB" sz="1200" dirty="0"/>
+              <a:t> System Properties. 2022. URL: https://</a:t>
+            </a:r>
+            <a:r>
+              <a:rPr lang="en-GB" sz="1200" dirty="0" err="1"/>
+              <a:t>db-engines.com</a:t>
+            </a:r>
+            <a:r>
+              <a:rPr lang="en-GB" sz="1200" dirty="0"/>
+              <a:t>/</a:t>
+            </a:r>
+            <a:r>
+              <a:rPr lang="en-GB" sz="1200" dirty="0" err="1"/>
+              <a:t>en</a:t>
+            </a:r>
+            <a:r>
+              <a:rPr lang="en-GB" sz="1200" dirty="0"/>
+              <a:t>/system/</a:t>
+            </a:r>
+            <a:r>
+              <a:rPr lang="en-GB" sz="1200" dirty="0" err="1"/>
+              <a:t>InfluxDB</a:t>
+            </a:r>
+            <a:r>
+              <a:rPr lang="en-GB" sz="1200" dirty="0"/>
+              <a:t> (visited: 10.07.2022, 20:15)</a:t>
+            </a:r>
+          </a:p>
+          <a:p>
+            <a:r>
+              <a:rPr lang="en-GB" sz="1200" dirty="0"/>
+              <a:t>- [9] </a:t>
+            </a:r>
+            <a:r>
+              <a:rPr lang="en-GB" sz="1200" dirty="0" err="1"/>
+              <a:t>influxdata</a:t>
+            </a:r>
+            <a:r>
+              <a:rPr lang="en-GB" sz="1200" dirty="0"/>
+              <a:t>. </a:t>
+            </a:r>
+            <a:r>
+              <a:rPr lang="en-GB" sz="1200" dirty="0" err="1"/>
+              <a:t>influxdata</a:t>
+            </a:r>
+            <a:r>
+              <a:rPr lang="en-GB" sz="1200" dirty="0"/>
+              <a:t> - Documentation. 2022. URL: https://</a:t>
+            </a:r>
+            <a:r>
+              <a:rPr lang="en-GB" sz="1200" dirty="0" err="1"/>
+              <a:t>docs.influxdata.com</a:t>
+            </a:r>
+            <a:r>
+              <a:rPr lang="en-GB" sz="1200" dirty="0"/>
+              <a:t>/ (visited: 10.07.2022, 20:15)</a:t>
+            </a:r>
+          </a:p>
+          <a:p>
+            <a:r>
+              <a:rPr lang="en-GB" sz="1200" dirty="0"/>
+              <a:t>- [10] </a:t>
+            </a:r>
+            <a:r>
+              <a:rPr lang="en-GB" sz="1200" dirty="0" err="1"/>
+              <a:t>influxdata</a:t>
+            </a:r>
+            <a:r>
+              <a:rPr lang="en-GB" sz="1200" dirty="0"/>
+              <a:t>. Get started with Flux. 2022. URL: https://</a:t>
+            </a:r>
+            <a:r>
+              <a:rPr lang="en-GB" sz="1200" dirty="0" err="1"/>
+              <a:t>docs.influxdata.com</a:t>
+            </a:r>
+            <a:r>
+              <a:rPr lang="en-GB" sz="1200" dirty="0"/>
+              <a:t>/</a:t>
+            </a:r>
+            <a:r>
+              <a:rPr lang="en-GB" sz="1200" dirty="0" err="1"/>
+              <a:t>influxdb</a:t>
+            </a:r>
+            <a:r>
+              <a:rPr lang="en-GB" sz="1200" dirty="0"/>
+              <a:t>/cloud/query-data/get-started/ (visited: 10.07.2022, 20:15)</a:t>
+            </a:r>
+            <a:br>
+              <a:rPr lang="en-GB" dirty="0"/>
+            </a:br>
+            <a:endParaRPr lang="en-GB" dirty="0"/>
+          </a:p>
+          <a:p>
+            <a:endParaRPr lang="en-DE" dirty="0"/>
           </a:p>
         </p:txBody>
       </p:sp>
     </p:spTree>
     <p:extLst>
       <p:ext uri="{BB962C8B-B14F-4D97-AF65-F5344CB8AC3E}">
-        <p14:creationId xmlns:p14="http://schemas.microsoft.com/office/powerpoint/2010/main" val="1504854420"/>
+        <p14:creationId xmlns:p14="http://schemas.microsoft.com/office/powerpoint/2010/main" val="1361981264"/>
       </p:ext>
     </p:extLst>
   </p:cSld>
@@ -18349,6 +19043,822 @@
       </p:grpSpPr>
       <p:sp>
         <p:nvSpPr>
+          <p:cNvPr id="2" name="Date Placeholder 1">
+            <a:extLst>
+              <a:ext uri="{FF2B5EF4-FFF2-40B4-BE49-F238E27FC236}">
+                <a16:creationId xmlns:a16="http://schemas.microsoft.com/office/drawing/2014/main" id="{0191F0C7-BF41-9710-70EB-D18852C21B6F}"/>
+              </a:ext>
+            </a:extLst>
+          </p:cNvPr>
+          <p:cNvSpPr>
+            <a:spLocks noGrp="1"/>
+          </p:cNvSpPr>
+          <p:nvPr>
+            <p:ph type="dt" sz="half" idx="10"/>
+          </p:nvPr>
+        </p:nvSpPr>
+        <p:spPr/>
+        <p:txBody>
+          <a:bodyPr/>
+          <a:lstStyle/>
+          <a:p>
+            <a:fld id="{51F9D3FF-F5C6-48BA-AF3B-6687C8CBA8CD}" type="datetime1">
+              <a:rPr lang="de-DE" smtClean="0"/>
+              <a:t>17.07.22</a:t>
+            </a:fld>
+            <a:endParaRPr lang="de-DE" dirty="0"/>
+          </a:p>
+        </p:txBody>
+      </p:sp>
+      <p:sp>
+        <p:nvSpPr>
+          <p:cNvPr id="3" name="Footer Placeholder 2">
+            <a:extLst>
+              <a:ext uri="{FF2B5EF4-FFF2-40B4-BE49-F238E27FC236}">
+                <a16:creationId xmlns:a16="http://schemas.microsoft.com/office/drawing/2014/main" id="{A6AAC715-4062-F324-278E-33E23ABAB037}"/>
+              </a:ext>
+            </a:extLst>
+          </p:cNvPr>
+          <p:cNvSpPr>
+            <a:spLocks noGrp="1"/>
+          </p:cNvSpPr>
+          <p:nvPr>
+            <p:ph type="ftr" sz="quarter" idx="11"/>
+          </p:nvPr>
+        </p:nvSpPr>
+        <p:spPr/>
+        <p:txBody>
+          <a:bodyPr/>
+          <a:lstStyle/>
+          <a:p>
+            <a:r>
+              <a:rPr lang="de-DE"/>
+              <a:t>Name der Präsentation, Name des Sprechers ©HSB</a:t>
+            </a:r>
+            <a:endParaRPr lang="de-DE" dirty="0"/>
+          </a:p>
+        </p:txBody>
+      </p:sp>
+      <p:sp>
+        <p:nvSpPr>
+          <p:cNvPr id="4" name="Slide Number Placeholder 3">
+            <a:extLst>
+              <a:ext uri="{FF2B5EF4-FFF2-40B4-BE49-F238E27FC236}">
+                <a16:creationId xmlns:a16="http://schemas.microsoft.com/office/drawing/2014/main" id="{C1150CE8-067F-100B-A3DB-DE039E882719}"/>
+              </a:ext>
+            </a:extLst>
+          </p:cNvPr>
+          <p:cNvSpPr>
+            <a:spLocks noGrp="1"/>
+          </p:cNvSpPr>
+          <p:nvPr>
+            <p:ph type="sldNum" sz="quarter" idx="12"/>
+          </p:nvPr>
+        </p:nvSpPr>
+        <p:spPr/>
+        <p:txBody>
+          <a:bodyPr/>
+          <a:lstStyle/>
+          <a:p>
+            <a:fld id="{58444F55-0981-4E9E-8F6B-2F7546EE58D7}" type="slidenum">
+              <a:rPr lang="de-DE" smtClean="0"/>
+              <a:pPr/>
+              <a:t>26</a:t>
+            </a:fld>
+            <a:endParaRPr lang="de-DE" dirty="0"/>
+          </a:p>
+        </p:txBody>
+      </p:sp>
+      <p:sp>
+        <p:nvSpPr>
+          <p:cNvPr id="5" name="Title 4">
+            <a:extLst>
+              <a:ext uri="{FF2B5EF4-FFF2-40B4-BE49-F238E27FC236}">
+                <a16:creationId xmlns:a16="http://schemas.microsoft.com/office/drawing/2014/main" id="{1E937642-1D4C-C139-7B47-6BE8E91F061F}"/>
+              </a:ext>
+            </a:extLst>
+          </p:cNvPr>
+          <p:cNvSpPr>
+            <a:spLocks noGrp="1"/>
+          </p:cNvSpPr>
+          <p:nvPr>
+            <p:ph type="title"/>
+          </p:nvPr>
+        </p:nvSpPr>
+        <p:spPr/>
+        <p:txBody>
+          <a:bodyPr/>
+          <a:lstStyle/>
+          <a:p>
+            <a:r>
+              <a:rPr lang="en-DE" dirty="0"/>
+              <a:t>Sources 2</a:t>
+            </a:r>
+          </a:p>
+        </p:txBody>
+      </p:sp>
+      <p:sp>
+        <p:nvSpPr>
+          <p:cNvPr id="6" name="Text Placeholder 5">
+            <a:extLst>
+              <a:ext uri="{FF2B5EF4-FFF2-40B4-BE49-F238E27FC236}">
+                <a16:creationId xmlns:a16="http://schemas.microsoft.com/office/drawing/2014/main" id="{BEB0659A-9C2A-9D8D-3312-C3D70A8C2C99}"/>
+              </a:ext>
+            </a:extLst>
+          </p:cNvPr>
+          <p:cNvSpPr>
+            <a:spLocks noGrp="1"/>
+          </p:cNvSpPr>
+          <p:nvPr>
+            <p:ph type="body" sz="quarter" idx="13"/>
+          </p:nvPr>
+        </p:nvSpPr>
+        <p:spPr/>
+        <p:txBody>
+          <a:bodyPr/>
+          <a:lstStyle/>
+          <a:p>
+            <a:r>
+              <a:rPr lang="en-GB" sz="1200" dirty="0"/>
+              <a:t>- [11] Rohan </a:t>
+            </a:r>
+            <a:r>
+              <a:rPr lang="en-GB" sz="1200" dirty="0" err="1"/>
+              <a:t>Sreerama</a:t>
+            </a:r>
+            <a:r>
+              <a:rPr lang="en-GB" sz="1200" dirty="0"/>
+              <a:t>. A Deep Dive into Machine Learning in Flux: Naive Bayes Classification. 2020. URL: https://</a:t>
+            </a:r>
+            <a:r>
+              <a:rPr lang="en-GB" sz="1200" dirty="0" err="1"/>
+              <a:t>www.influxdata.com</a:t>
+            </a:r>
+            <a:r>
+              <a:rPr lang="en-GB" sz="1200" dirty="0"/>
+              <a:t>/blog/deep-dive-into-machine-learning-in-flux-naive-bayes-classification/ (visited: 10.07.2022, 20:15)</a:t>
+            </a:r>
+          </a:p>
+          <a:p>
+            <a:r>
+              <a:rPr lang="en-GB" sz="1200" dirty="0"/>
+              <a:t>- [12] Igor </a:t>
+            </a:r>
+            <a:r>
+              <a:rPr lang="en-GB" sz="1200" dirty="0" err="1"/>
+              <a:t>Bobriakov</a:t>
+            </a:r>
+            <a:r>
+              <a:rPr lang="en-GB" sz="1200" dirty="0"/>
+              <a:t>. Prometheus vs </a:t>
+            </a:r>
+            <a:r>
+              <a:rPr lang="en-GB" sz="1200" dirty="0" err="1"/>
+              <a:t>InfluxDB</a:t>
+            </a:r>
+            <a:r>
+              <a:rPr lang="en-GB" sz="1200" dirty="0"/>
+              <a:t>. 2020. URL: https://</a:t>
+            </a:r>
+            <a:r>
+              <a:rPr lang="en-GB" sz="1200" dirty="0" err="1"/>
+              <a:t>www.metricfire.com</a:t>
+            </a:r>
+            <a:r>
+              <a:rPr lang="en-GB" sz="1200" dirty="0"/>
+              <a:t>/blog/</a:t>
+            </a:r>
+            <a:r>
+              <a:rPr lang="en-GB" sz="1200" dirty="0" err="1"/>
+              <a:t>prometheus</a:t>
+            </a:r>
+            <a:r>
+              <a:rPr lang="en-GB" sz="1200" dirty="0"/>
+              <a:t>-vs-</a:t>
+            </a:r>
+            <a:r>
+              <a:rPr lang="en-GB" sz="1200" dirty="0" err="1"/>
+              <a:t>influxdb</a:t>
+            </a:r>
+            <a:r>
+              <a:rPr lang="en-GB" sz="1200" dirty="0"/>
+              <a:t>/ (visited: 10.07.2022, 20:15)</a:t>
+            </a:r>
+          </a:p>
+          <a:p>
+            <a:r>
+              <a:rPr lang="en-GB" sz="1200" dirty="0"/>
+              <a:t>- [13] </a:t>
+            </a:r>
+            <a:r>
+              <a:rPr lang="en-GB" sz="1200" dirty="0" err="1"/>
+              <a:t>db</a:t>
+            </a:r>
+            <a:r>
+              <a:rPr lang="en-GB" sz="1200" dirty="0"/>
+              <a:t>-engines. System Properties Comparison </a:t>
+            </a:r>
+            <a:r>
+              <a:rPr lang="en-GB" sz="1200" dirty="0" err="1"/>
+              <a:t>InfluxDB</a:t>
+            </a:r>
+            <a:r>
+              <a:rPr lang="en-GB" sz="1200" dirty="0"/>
+              <a:t> vs. Prometheus vs. </a:t>
+            </a:r>
+            <a:r>
+              <a:rPr lang="en-GB" sz="1200" dirty="0" err="1"/>
+              <a:t>TimescaleDB</a:t>
+            </a:r>
+            <a:r>
+              <a:rPr lang="en-GB" sz="1200" dirty="0"/>
+              <a:t>. 2022, URL: https://</a:t>
+            </a:r>
+            <a:r>
+              <a:rPr lang="en-GB" sz="1200" dirty="0" err="1"/>
+              <a:t>db-engines.com</a:t>
+            </a:r>
+            <a:r>
+              <a:rPr lang="en-GB" sz="1200" dirty="0"/>
+              <a:t>/</a:t>
+            </a:r>
+            <a:r>
+              <a:rPr lang="en-GB" sz="1200" dirty="0" err="1"/>
+              <a:t>en</a:t>
+            </a:r>
+            <a:r>
+              <a:rPr lang="en-GB" sz="1200" dirty="0"/>
+              <a:t>/system/InfluxDB%3BPrometheus%3BTimescaleDB (visited: 10.07.2022, 20:15)</a:t>
+            </a:r>
+          </a:p>
+          <a:p>
+            <a:r>
+              <a:rPr lang="en-GB" sz="1200" dirty="0"/>
+              <a:t>- [14] United Manufacturing Hub. Why we chose </a:t>
+            </a:r>
+            <a:r>
+              <a:rPr lang="en-GB" sz="1200" dirty="0" err="1"/>
+              <a:t>timescaleDB</a:t>
+            </a:r>
+            <a:r>
+              <a:rPr lang="en-GB" sz="1200" dirty="0"/>
+              <a:t> over </a:t>
+            </a:r>
+            <a:r>
+              <a:rPr lang="en-GB" sz="1200" dirty="0" err="1"/>
+              <a:t>InfluxDB</a:t>
+            </a:r>
+            <a:r>
+              <a:rPr lang="en-GB" sz="1200" dirty="0"/>
+              <a:t>. 2022, URL: https://</a:t>
+            </a:r>
+            <a:r>
+              <a:rPr lang="en-GB" sz="1200" dirty="0" err="1"/>
+              <a:t>docs.umh.app</a:t>
+            </a:r>
+            <a:r>
+              <a:rPr lang="en-GB" sz="1200" dirty="0"/>
+              <a:t>/docs/concepts/</a:t>
+            </a:r>
+            <a:r>
+              <a:rPr lang="en-GB" sz="1200" dirty="0" err="1"/>
+              <a:t>timescaledb</a:t>
+            </a:r>
+            <a:r>
+              <a:rPr lang="en-GB" sz="1200" dirty="0"/>
+              <a:t>-vs-</a:t>
+            </a:r>
+            <a:r>
+              <a:rPr lang="en-GB" sz="1200" dirty="0" err="1"/>
+              <a:t>influxdb</a:t>
+            </a:r>
+            <a:r>
+              <a:rPr lang="en-GB" sz="1200" dirty="0"/>
+              <a:t>/</a:t>
+            </a:r>
+          </a:p>
+          <a:p>
+            <a:r>
+              <a:rPr lang="en-GB" sz="1200" dirty="0"/>
+              <a:t>- [15] Team Magic. Building a Naive Bayes classifier using Flux. 2020. URL: https://</a:t>
+            </a:r>
+            <a:r>
+              <a:rPr lang="en-GB" sz="1200" dirty="0" err="1"/>
+              <a:t>github.com</a:t>
+            </a:r>
+            <a:r>
+              <a:rPr lang="en-GB" sz="1200" dirty="0"/>
+              <a:t>/RohanSreerama5/Naive-Bayes-Classifier-Flux/blob/master/Naive%20Bayes.pdf (visited: 10.07.2022, 20:15)</a:t>
+            </a:r>
+          </a:p>
+          <a:p>
+            <a:r>
+              <a:rPr lang="en-GB" sz="1200" dirty="0"/>
+              <a:t>- [16] Rohan </a:t>
+            </a:r>
+            <a:r>
+              <a:rPr lang="en-GB" sz="1200" dirty="0" err="1"/>
+              <a:t>Sreerama</a:t>
+            </a:r>
+            <a:r>
+              <a:rPr lang="en-GB" sz="1200" dirty="0"/>
+              <a:t>. Naive-Bayes-Classifier-Flux. 2020. URL: https://</a:t>
+            </a:r>
+            <a:r>
+              <a:rPr lang="en-GB" sz="1200" dirty="0" err="1"/>
+              <a:t>github.com</a:t>
+            </a:r>
+            <a:r>
+              <a:rPr lang="en-GB" sz="1200" dirty="0"/>
+              <a:t>/RohanSreerama5/Naive-Bayes-Classifier-Flux (visited: 10.07.2022)</a:t>
+            </a:r>
+          </a:p>
+          <a:p>
+            <a:br>
+              <a:rPr lang="en-GB" sz="1200" dirty="0"/>
+            </a:br>
+            <a:endParaRPr lang="en-GB" sz="1200" dirty="0"/>
+          </a:p>
+          <a:p>
+            <a:endParaRPr lang="en-DE" sz="1200" dirty="0"/>
+          </a:p>
+        </p:txBody>
+      </p:sp>
+    </p:spTree>
+    <p:extLst>
+      <p:ext uri="{BB962C8B-B14F-4D97-AF65-F5344CB8AC3E}">
+        <p14:creationId xmlns:p14="http://schemas.microsoft.com/office/powerpoint/2010/main" val="3450581967"/>
+      </p:ext>
+    </p:extLst>
+  </p:cSld>
+  <p:clrMapOvr>
+    <a:masterClrMapping/>
+  </p:clrMapOvr>
+</p:sld>
+</file>
+
+<file path=ppt/slides/slide27.xml><?xml version="1.0" encoding="utf-8"?>
+<p:sld xmlns:a="http://schemas.openxmlformats.org/drawingml/2006/main" xmlns:r="http://schemas.openxmlformats.org/officeDocument/2006/relationships" xmlns:p="http://schemas.openxmlformats.org/presentationml/2006/main">
+  <p:cSld>
+    <p:spTree>
+      <p:nvGrpSpPr>
+        <p:cNvPr id="1" name=""/>
+        <p:cNvGrpSpPr/>
+        <p:nvPr/>
+      </p:nvGrpSpPr>
+      <p:grpSpPr>
+        <a:xfrm>
+          <a:off x="0" y="0"/>
+          <a:ext cx="0" cy="0"/>
+          <a:chOff x="0" y="0"/>
+          <a:chExt cx="0" cy="0"/>
+        </a:xfrm>
+      </p:grpSpPr>
+      <p:sp>
+        <p:nvSpPr>
+          <p:cNvPr id="3" name="Datumsplatzhalter 2"/>
+          <p:cNvSpPr>
+            <a:spLocks noGrp="1"/>
+          </p:cNvSpPr>
+          <p:nvPr>
+            <p:ph type="dt" sz="half" idx="10"/>
+          </p:nvPr>
+        </p:nvSpPr>
+        <p:spPr/>
+        <p:txBody>
+          <a:bodyPr/>
+          <a:lstStyle/>
+          <a:p>
+            <a:fld id="{D7EBB97D-9926-4A8D-8C1C-1E5C83B83A11}" type="datetime1">
+              <a:rPr lang="de-DE" smtClean="0"/>
+              <a:t>17.07.22</a:t>
+            </a:fld>
+            <a:endParaRPr lang="de-DE" dirty="0"/>
+          </a:p>
+        </p:txBody>
+      </p:sp>
+      <p:sp>
+        <p:nvSpPr>
+          <p:cNvPr id="4" name="Fußzeilenplatzhalter 3"/>
+          <p:cNvSpPr>
+            <a:spLocks noGrp="1"/>
+          </p:cNvSpPr>
+          <p:nvPr>
+            <p:ph type="ftr" sz="quarter" idx="11"/>
+          </p:nvPr>
+        </p:nvSpPr>
+        <p:spPr/>
+        <p:txBody>
+          <a:bodyPr/>
+          <a:lstStyle/>
+          <a:p>
+            <a:r>
+              <a:rPr lang="de-DE" dirty="0"/>
+              <a:t>Big Data &amp; </a:t>
+            </a:r>
+            <a:r>
+              <a:rPr lang="de-DE" dirty="0" err="1"/>
+              <a:t>Machine</a:t>
+            </a:r>
+            <a:r>
+              <a:rPr lang="de-DE" dirty="0"/>
+              <a:t> Learning – Final </a:t>
+            </a:r>
+            <a:r>
+              <a:rPr lang="de-DE" dirty="0" err="1"/>
+              <a:t>Presentation</a:t>
+            </a:r>
+            <a:r>
+              <a:rPr lang="de-DE" dirty="0"/>
+              <a:t>, Philipp Moritzer </a:t>
+            </a:r>
+          </a:p>
+        </p:txBody>
+      </p:sp>
+      <p:sp>
+        <p:nvSpPr>
+          <p:cNvPr id="12" name="Foliennummernplatzhalter 11"/>
+          <p:cNvSpPr>
+            <a:spLocks noGrp="1"/>
+          </p:cNvSpPr>
+          <p:nvPr>
+            <p:ph type="sldNum" sz="quarter" idx="12"/>
+          </p:nvPr>
+        </p:nvSpPr>
+        <p:spPr/>
+        <p:txBody>
+          <a:bodyPr/>
+          <a:lstStyle/>
+          <a:p>
+            <a:fld id="{58444F55-0981-4E9E-8F6B-2F7546EE58D7}" type="slidenum">
+              <a:rPr lang="de-DE" smtClean="0"/>
+              <a:pPr/>
+              <a:t>27</a:t>
+            </a:fld>
+            <a:endParaRPr lang="de-DE" dirty="0"/>
+          </a:p>
+        </p:txBody>
+      </p:sp>
+      <p:sp>
+        <p:nvSpPr>
+          <p:cNvPr id="2" name="Titel 1"/>
+          <p:cNvSpPr>
+            <a:spLocks noGrp="1"/>
+          </p:cNvSpPr>
+          <p:nvPr>
+            <p:ph type="title"/>
+          </p:nvPr>
+        </p:nvSpPr>
+        <p:spPr/>
+        <p:txBody>
+          <a:bodyPr/>
+          <a:lstStyle/>
+          <a:p>
+            <a:r>
+              <a:rPr lang="de-DE" dirty="0"/>
+              <a:t>Image Sources (all </a:t>
+            </a:r>
+            <a:r>
+              <a:rPr lang="de-DE" dirty="0" err="1"/>
+              <a:t>accessed</a:t>
+            </a:r>
+            <a:r>
+              <a:rPr lang="de-DE" dirty="0"/>
+              <a:t> on: 17.07.2022, 15:00)</a:t>
+            </a:r>
+          </a:p>
+        </p:txBody>
+      </p:sp>
+      <p:sp>
+        <p:nvSpPr>
+          <p:cNvPr id="6" name="Inhaltsplatzhalter 5"/>
+          <p:cNvSpPr>
+            <a:spLocks noGrp="1"/>
+          </p:cNvSpPr>
+          <p:nvPr>
+            <p:ph sz="quarter" idx="13"/>
+          </p:nvPr>
+        </p:nvSpPr>
+        <p:spPr/>
+        <p:txBody>
+          <a:bodyPr/>
+          <a:lstStyle/>
+          <a:p>
+            <a:pPr marL="285750" indent="-285750">
+              <a:buFontTx/>
+              <a:buChar char="-"/>
+            </a:pPr>
+            <a:r>
+              <a:rPr lang="de-DE" dirty="0"/>
+              <a:t>[1] Top 10 </a:t>
+            </a:r>
+            <a:r>
+              <a:rPr lang="de-DE" dirty="0" err="1"/>
+              <a:t>noSQL</a:t>
+            </a:r>
+            <a:r>
+              <a:rPr lang="de-DE" dirty="0"/>
+              <a:t> Databases: </a:t>
+            </a:r>
+            <a:r>
+              <a:rPr lang="de-DE" dirty="0">
+                <a:hlinkClick r:id="rId3"/>
+              </a:rPr>
+              <a:t>https://ares.decipherzone.com/blog-manager/uploads/ckeditor_Top%2010%20NoSQL%20Databases%20in%202022.png</a:t>
+            </a:r>
+            <a:endParaRPr lang="de-DE" dirty="0"/>
+          </a:p>
+          <a:p>
+            <a:pPr marL="285750" indent="-285750">
+              <a:buFontTx/>
+              <a:buChar char="-"/>
+            </a:pPr>
+            <a:r>
+              <a:rPr lang="de-DE" dirty="0"/>
+              <a:t>[2] </a:t>
+            </a:r>
+            <a:r>
+              <a:rPr lang="de-DE" dirty="0" err="1"/>
+              <a:t>InfluxDB</a:t>
+            </a:r>
+            <a:r>
+              <a:rPr lang="de-DE" dirty="0"/>
+              <a:t>: </a:t>
+            </a:r>
+            <a:r>
+              <a:rPr lang="de-DE" dirty="0">
+                <a:hlinkClick r:id="rId4"/>
+              </a:rPr>
+              <a:t>https://dbdb.io/db/influxdb/revisions/7</a:t>
+            </a:r>
+            <a:r>
+              <a:rPr lang="de-DE" dirty="0"/>
+              <a:t> </a:t>
+            </a:r>
+          </a:p>
+          <a:p>
+            <a:pPr marL="285750" indent="-285750">
+              <a:buFontTx/>
+              <a:buChar char="-"/>
+            </a:pPr>
+            <a:r>
+              <a:rPr lang="de-DE" dirty="0"/>
+              <a:t>[3] Prometheus: </a:t>
+            </a:r>
+            <a:r>
+              <a:rPr lang="de-DE" dirty="0">
+                <a:hlinkClick r:id="rId5"/>
+              </a:rPr>
+              <a:t>https://blogs.sap.com/wp-content/uploads/2018/01/prometheus.png</a:t>
+            </a:r>
+            <a:r>
+              <a:rPr lang="de-DE" dirty="0"/>
+              <a:t> </a:t>
+            </a:r>
+          </a:p>
+          <a:p>
+            <a:pPr marL="285750" indent="-285750">
+              <a:buFontTx/>
+              <a:buChar char="-"/>
+            </a:pPr>
+            <a:r>
+              <a:rPr lang="de-DE" dirty="0"/>
+              <a:t>[4] </a:t>
+            </a:r>
+            <a:r>
+              <a:rPr lang="de-DE" dirty="0" err="1"/>
+              <a:t>TimescaleDB</a:t>
+            </a:r>
+            <a:r>
+              <a:rPr lang="de-DE" dirty="0"/>
+              <a:t>: </a:t>
+            </a:r>
+            <a:r>
+              <a:rPr lang="de-DE" dirty="0">
+                <a:hlinkClick r:id="rId6"/>
+              </a:rPr>
+              <a:t>https://3rdman.de/wp-content/uploads/Timescale.png</a:t>
+            </a:r>
+            <a:r>
+              <a:rPr lang="de-DE" dirty="0"/>
+              <a:t> </a:t>
+            </a:r>
+          </a:p>
+        </p:txBody>
+      </p:sp>
+    </p:spTree>
+    <p:extLst>
+      <p:ext uri="{BB962C8B-B14F-4D97-AF65-F5344CB8AC3E}">
+        <p14:creationId xmlns:p14="http://schemas.microsoft.com/office/powerpoint/2010/main" val="3571236112"/>
+      </p:ext>
+    </p:extLst>
+  </p:cSld>
+  <p:clrMapOvr>
+    <a:masterClrMapping/>
+  </p:clrMapOvr>
+</p:sld>
+</file>
+
+<file path=ppt/slides/slide28.xml><?xml version="1.0" encoding="utf-8"?>
+<p:sld xmlns:a="http://schemas.openxmlformats.org/drawingml/2006/main" xmlns:r="http://schemas.openxmlformats.org/officeDocument/2006/relationships" xmlns:p="http://schemas.openxmlformats.org/presentationml/2006/main">
+  <p:cSld>
+    <p:spTree>
+      <p:nvGrpSpPr>
+        <p:cNvPr id="1" name=""/>
+        <p:cNvGrpSpPr/>
+        <p:nvPr/>
+      </p:nvGrpSpPr>
+      <p:grpSpPr>
+        <a:xfrm>
+          <a:off x="0" y="0"/>
+          <a:ext cx="0" cy="0"/>
+          <a:chOff x="0" y="0"/>
+          <a:chExt cx="0" cy="0"/>
+        </a:xfrm>
+      </p:grpSpPr>
+      <p:sp>
+        <p:nvSpPr>
+          <p:cNvPr id="3" name="Datumsplatzhalter 2"/>
+          <p:cNvSpPr>
+            <a:spLocks noGrp="1"/>
+          </p:cNvSpPr>
+          <p:nvPr>
+            <p:ph type="dt" sz="half" idx="10"/>
+          </p:nvPr>
+        </p:nvSpPr>
+        <p:spPr/>
+        <p:txBody>
+          <a:bodyPr/>
+          <a:lstStyle/>
+          <a:p>
+            <a:fld id="{D7EBB97D-9926-4A8D-8C1C-1E5C83B83A11}" type="datetime1">
+              <a:rPr lang="de-DE" smtClean="0"/>
+              <a:t>17.07.22</a:t>
+            </a:fld>
+            <a:endParaRPr lang="de-DE" dirty="0"/>
+          </a:p>
+        </p:txBody>
+      </p:sp>
+      <p:sp>
+        <p:nvSpPr>
+          <p:cNvPr id="4" name="Fußzeilenplatzhalter 3"/>
+          <p:cNvSpPr>
+            <a:spLocks noGrp="1"/>
+          </p:cNvSpPr>
+          <p:nvPr>
+            <p:ph type="ftr" sz="quarter" idx="11"/>
+          </p:nvPr>
+        </p:nvSpPr>
+        <p:spPr/>
+        <p:txBody>
+          <a:bodyPr/>
+          <a:lstStyle/>
+          <a:p>
+            <a:r>
+              <a:rPr lang="de-DE" dirty="0"/>
+              <a:t>Big Data &amp; </a:t>
+            </a:r>
+            <a:r>
+              <a:rPr lang="de-DE" dirty="0" err="1"/>
+              <a:t>Machine</a:t>
+            </a:r>
+            <a:r>
+              <a:rPr lang="de-DE" dirty="0"/>
+              <a:t> Learning – Final </a:t>
+            </a:r>
+            <a:r>
+              <a:rPr lang="de-DE" dirty="0" err="1"/>
+              <a:t>Presentation</a:t>
+            </a:r>
+            <a:r>
+              <a:rPr lang="de-DE" dirty="0"/>
+              <a:t>, Philipp Moritzer </a:t>
+            </a:r>
+          </a:p>
+        </p:txBody>
+      </p:sp>
+      <p:sp>
+        <p:nvSpPr>
+          <p:cNvPr id="12" name="Foliennummernplatzhalter 11"/>
+          <p:cNvSpPr>
+            <a:spLocks noGrp="1"/>
+          </p:cNvSpPr>
+          <p:nvPr>
+            <p:ph type="sldNum" sz="quarter" idx="12"/>
+          </p:nvPr>
+        </p:nvSpPr>
+        <p:spPr/>
+        <p:txBody>
+          <a:bodyPr/>
+          <a:lstStyle/>
+          <a:p>
+            <a:fld id="{58444F55-0981-4E9E-8F6B-2F7546EE58D7}" type="slidenum">
+              <a:rPr lang="de-DE" smtClean="0"/>
+              <a:pPr/>
+              <a:t>28</a:t>
+            </a:fld>
+            <a:endParaRPr lang="de-DE" dirty="0"/>
+          </a:p>
+        </p:txBody>
+      </p:sp>
+      <p:sp>
+        <p:nvSpPr>
+          <p:cNvPr id="2" name="Titel 1"/>
+          <p:cNvSpPr>
+            <a:spLocks noGrp="1"/>
+          </p:cNvSpPr>
+          <p:nvPr>
+            <p:ph type="title"/>
+          </p:nvPr>
+        </p:nvSpPr>
+        <p:spPr/>
+        <p:txBody>
+          <a:bodyPr/>
+          <a:lstStyle/>
+          <a:p>
+            <a:r>
+              <a:rPr lang="de-DE" dirty="0" err="1"/>
+              <a:t>Comparing</a:t>
+            </a:r>
+            <a:r>
+              <a:rPr lang="de-DE" dirty="0"/>
+              <a:t> </a:t>
+            </a:r>
+            <a:r>
+              <a:rPr lang="de-DE" dirty="0" err="1"/>
+              <a:t>InfluxDB</a:t>
+            </a:r>
+            <a:r>
+              <a:rPr lang="de-DE" dirty="0"/>
+              <a:t> </a:t>
+            </a:r>
+            <a:r>
+              <a:rPr lang="de-DE" dirty="0" err="1"/>
+              <a:t>to</a:t>
+            </a:r>
+            <a:r>
+              <a:rPr lang="de-DE" dirty="0"/>
+              <a:t> </a:t>
+            </a:r>
+            <a:r>
+              <a:rPr lang="de-DE" dirty="0" err="1"/>
+              <a:t>other</a:t>
+            </a:r>
+            <a:endParaRPr lang="de-DE" dirty="0"/>
+          </a:p>
+        </p:txBody>
+      </p:sp>
+      <p:sp>
+        <p:nvSpPr>
+          <p:cNvPr id="6" name="Inhaltsplatzhalter 5"/>
+          <p:cNvSpPr>
+            <a:spLocks noGrp="1"/>
+          </p:cNvSpPr>
+          <p:nvPr>
+            <p:ph sz="quarter" idx="13"/>
+          </p:nvPr>
+        </p:nvSpPr>
+        <p:spPr/>
+        <p:txBody>
+          <a:bodyPr/>
+          <a:lstStyle/>
+          <a:p>
+            <a:endParaRPr lang="de-DE" dirty="0"/>
+          </a:p>
+        </p:txBody>
+      </p:sp>
+    </p:spTree>
+    <p:extLst>
+      <p:ext uri="{BB962C8B-B14F-4D97-AF65-F5344CB8AC3E}">
+        <p14:creationId xmlns:p14="http://schemas.microsoft.com/office/powerpoint/2010/main" val="3818903813"/>
+      </p:ext>
+    </p:extLst>
+  </p:cSld>
+  <p:clrMapOvr>
+    <a:masterClrMapping/>
+  </p:clrMapOvr>
+</p:sld>
+</file>
+
+<file path=ppt/slides/slide29.xml><?xml version="1.0" encoding="utf-8"?>
+<p:sld xmlns:a="http://schemas.openxmlformats.org/drawingml/2006/main" xmlns:r="http://schemas.openxmlformats.org/officeDocument/2006/relationships" xmlns:p="http://schemas.openxmlformats.org/presentationml/2006/main">
+  <p:cSld>
+    <p:spTree>
+      <p:nvGrpSpPr>
+        <p:cNvPr id="1" name=""/>
+        <p:cNvGrpSpPr/>
+        <p:nvPr/>
+      </p:nvGrpSpPr>
+      <p:grpSpPr>
+        <a:xfrm>
+          <a:off x="0" y="0"/>
+          <a:ext cx="0" cy="0"/>
+          <a:chOff x="0" y="0"/>
+          <a:chExt cx="0" cy="0"/>
+        </a:xfrm>
+      </p:grpSpPr>
+      <p:sp>
+        <p:nvSpPr>
           <p:cNvPr id="4" name="Titel 3"/>
           <p:cNvSpPr>
             <a:spLocks noGrp="1"/>
@@ -18364,7 +19874,7 @@
           <a:p>
             <a:r>
               <a:rPr lang="de-DE" dirty="0"/>
-              <a:t>Ringdiagramm</a:t>
+              <a:t>Säulendiagramm</a:t>
             </a:r>
             <a:br>
               <a:rPr lang="de-DE" dirty="0"/>
@@ -18373,6 +19883,75 @@
               <a:rPr lang="de-DE" dirty="0"/>
               <a:t>Werte und Beschriftungen können nach Doppelklick geändert werden</a:t>
             </a:r>
+          </a:p>
+        </p:txBody>
+      </p:sp>
+      <p:sp>
+        <p:nvSpPr>
+          <p:cNvPr id="8" name="Datumsplatzhalter 7"/>
+          <p:cNvSpPr>
+            <a:spLocks noGrp="1"/>
+          </p:cNvSpPr>
+          <p:nvPr>
+            <p:ph type="dt" sz="half" idx="10"/>
+          </p:nvPr>
+        </p:nvSpPr>
+        <p:spPr/>
+        <p:txBody>
+          <a:bodyPr/>
+          <a:lstStyle/>
+          <a:p>
+            <a:fld id="{74ADCDC6-15F8-440A-85C7-E016319DAC93}" type="datetime1">
+              <a:rPr lang="de-DE" smtClean="0"/>
+              <a:t>17.07.22</a:t>
+            </a:fld>
+            <a:endParaRPr lang="de-DE" dirty="0"/>
+          </a:p>
+        </p:txBody>
+      </p:sp>
+      <p:sp>
+        <p:nvSpPr>
+          <p:cNvPr id="9" name="Fußzeilenplatzhalter 8"/>
+          <p:cNvSpPr>
+            <a:spLocks noGrp="1"/>
+          </p:cNvSpPr>
+          <p:nvPr>
+            <p:ph type="ftr" sz="quarter" idx="11"/>
+          </p:nvPr>
+        </p:nvSpPr>
+        <p:spPr/>
+        <p:txBody>
+          <a:bodyPr/>
+          <a:lstStyle/>
+          <a:p>
+            <a:r>
+              <a:rPr lang="de-DE" dirty="0"/>
+              <a:t>Name der Präsentation, Name des Sprechers ©HSB</a:t>
+            </a:r>
+          </a:p>
+        </p:txBody>
+      </p:sp>
+      <p:sp>
+        <p:nvSpPr>
+          <p:cNvPr id="10" name="Foliennummernplatzhalter 9"/>
+          <p:cNvSpPr>
+            <a:spLocks noGrp="1"/>
+          </p:cNvSpPr>
+          <p:nvPr>
+            <p:ph type="sldNum" sz="quarter" idx="12"/>
+          </p:nvPr>
+        </p:nvSpPr>
+        <p:spPr/>
+        <p:txBody>
+          <a:bodyPr/>
+          <a:lstStyle/>
+          <a:p>
+            <a:fld id="{58444F55-0981-4E9E-8F6B-2F7546EE58D7}" type="slidenum">
+              <a:rPr lang="de-DE" smtClean="0"/>
+              <a:pPr/>
+              <a:t>29</a:t>
+            </a:fld>
+            <a:endParaRPr lang="de-DE" dirty="0"/>
           </a:p>
         </p:txBody>
       </p:sp>
@@ -18383,14 +19962,14 @@
           <p:nvPr>
             <p:extLst>
               <p:ext uri="{D42A27DB-BD31-4B8C-83A1-F6EECF244321}">
-                <p14:modId xmlns:p14="http://schemas.microsoft.com/office/powerpoint/2010/main" val="698392054"/>
+                <p14:modId xmlns:p14="http://schemas.microsoft.com/office/powerpoint/2010/main" val="3598402336"/>
               </p:ext>
             </p:extLst>
           </p:nvPr>
         </p:nvGraphicFramePr>
         <p:xfrm>
-          <a:off x="250825" y="1095374"/>
-          <a:ext cx="8642349" cy="3024189"/>
+          <a:off x="250825" y="1095375"/>
+          <a:ext cx="8642349" cy="3024188"/>
         </p:xfrm>
         <a:graphic>
           <a:graphicData uri="http://schemas.openxmlformats.org/drawingml/2006/chart">
@@ -18400,76 +19979,7 @@
       </p:graphicFrame>
       <p:sp>
         <p:nvSpPr>
-          <p:cNvPr id="8" name="Datumsplatzhalter 7"/>
-          <p:cNvSpPr>
-            <a:spLocks noGrp="1"/>
-          </p:cNvSpPr>
-          <p:nvPr>
-            <p:ph type="dt" sz="half" idx="10"/>
-          </p:nvPr>
-        </p:nvSpPr>
-        <p:spPr/>
-        <p:txBody>
-          <a:bodyPr/>
-          <a:lstStyle/>
-          <a:p>
-            <a:fld id="{A2C839CB-B056-4876-A47C-0C07C52F1E99}" type="datetime1">
-              <a:rPr lang="de-DE" smtClean="0"/>
-              <a:t>17.07.22</a:t>
-            </a:fld>
-            <a:endParaRPr lang="de-DE" dirty="0"/>
-          </a:p>
-        </p:txBody>
-      </p:sp>
-      <p:sp>
-        <p:nvSpPr>
-          <p:cNvPr id="9" name="Fußzeilenplatzhalter 8"/>
-          <p:cNvSpPr>
-            <a:spLocks noGrp="1"/>
-          </p:cNvSpPr>
-          <p:nvPr>
-            <p:ph type="ftr" sz="quarter" idx="11"/>
-          </p:nvPr>
-        </p:nvSpPr>
-        <p:spPr/>
-        <p:txBody>
-          <a:bodyPr/>
-          <a:lstStyle/>
-          <a:p>
-            <a:r>
-              <a:rPr lang="de-DE" dirty="0"/>
-              <a:t>Name der Präsentation, Name des Sprechers ©HSB</a:t>
-            </a:r>
-          </a:p>
-        </p:txBody>
-      </p:sp>
-      <p:sp>
-        <p:nvSpPr>
-          <p:cNvPr id="10" name="Foliennummernplatzhalter 9"/>
-          <p:cNvSpPr>
-            <a:spLocks noGrp="1"/>
-          </p:cNvSpPr>
-          <p:nvPr>
-            <p:ph type="sldNum" sz="quarter" idx="12"/>
-          </p:nvPr>
-        </p:nvSpPr>
-        <p:spPr/>
-        <p:txBody>
-          <a:bodyPr/>
-          <a:lstStyle/>
-          <a:p>
-            <a:fld id="{58444F55-0981-4E9E-8F6B-2F7546EE58D7}" type="slidenum">
-              <a:rPr lang="de-DE" smtClean="0"/>
-              <a:pPr/>
-              <a:t>26</a:t>
-            </a:fld>
-            <a:endParaRPr lang="de-DE" dirty="0"/>
-          </a:p>
-        </p:txBody>
-      </p:sp>
-      <p:sp>
-        <p:nvSpPr>
-          <p:cNvPr id="11" name="Rechteck 10"/>
+          <p:cNvPr id="7" name="Rechteck 6"/>
           <p:cNvSpPr/>
           <p:nvPr/>
         </p:nvSpPr>
@@ -18525,6 +20035,978 @@
     </p:spTree>
     <p:extLst>
       <p:ext uri="{BB962C8B-B14F-4D97-AF65-F5344CB8AC3E}">
+        <p14:creationId xmlns:p14="http://schemas.microsoft.com/office/powerpoint/2010/main" val="203867659"/>
+      </p:ext>
+    </p:extLst>
+  </p:cSld>
+  <p:clrMapOvr>
+    <a:masterClrMapping/>
+  </p:clrMapOvr>
+</p:sld>
+</file>
+
+<file path=ppt/slides/slide3.xml><?xml version="1.0" encoding="utf-8"?>
+<p:sld xmlns:a="http://schemas.openxmlformats.org/drawingml/2006/main" xmlns:r="http://schemas.openxmlformats.org/officeDocument/2006/relationships" xmlns:p="http://schemas.openxmlformats.org/presentationml/2006/main">
+  <p:cSld>
+    <p:spTree>
+      <p:nvGrpSpPr>
+        <p:cNvPr id="1" name=""/>
+        <p:cNvGrpSpPr/>
+        <p:nvPr/>
+      </p:nvGrpSpPr>
+      <p:grpSpPr>
+        <a:xfrm>
+          <a:off x="0" y="0"/>
+          <a:ext cx="0" cy="0"/>
+          <a:chOff x="0" y="0"/>
+          <a:chExt cx="0" cy="0"/>
+        </a:xfrm>
+      </p:grpSpPr>
+      <p:graphicFrame>
+        <p:nvGraphicFramePr>
+          <p:cNvPr id="4" name="Objekt 3" hidden="1"/>
+          <p:cNvGraphicFramePr>
+            <a:graphicFrameLocks noChangeAspect="1"/>
+          </p:cNvGraphicFramePr>
+          <p:nvPr>
+            <p:custDataLst>
+              <p:tags r:id="rId1"/>
+            </p:custDataLst>
+            <p:extLst>
+              <p:ext uri="{D42A27DB-BD31-4B8C-83A1-F6EECF244321}">
+                <p14:modId xmlns:p14="http://schemas.microsoft.com/office/powerpoint/2010/main" val="42232913"/>
+              </p:ext>
+            </p:extLst>
+          </p:nvPr>
+        </p:nvGraphicFramePr>
+        <p:xfrm>
+          <a:off x="1589" y="1192"/>
+          <a:ext cx="1587" cy="1190"/>
+        </p:xfrm>
+        <a:graphic>
+          <a:graphicData uri="http://schemas.openxmlformats.org/presentationml/2006/ole">
+            <mc:AlternateContent xmlns:mc="http://schemas.openxmlformats.org/markup-compatibility/2006">
+              <mc:Choice xmlns:v="urn:schemas-microsoft-com:vml" Requires="v">
+                <p:oleObj name="think-cell Folie" r:id="rId4" imgW="270" imgH="270" progId="TCLayout.ActiveDocument.1">
+                  <p:embed/>
+                </p:oleObj>
+              </mc:Choice>
+              <mc:Fallback>
+                <p:oleObj name="think-cell Folie" r:id="rId4" imgW="270" imgH="270" progId="TCLayout.ActiveDocument.1">
+                  <p:embed/>
+                  <p:pic>
+                    <p:nvPicPr>
+                      <p:cNvPr id="0" name=""/>
+                      <p:cNvPicPr/>
+                      <p:nvPr/>
+                    </p:nvPicPr>
+                    <p:blipFill>
+                      <a:blip r:embed="rId5"/>
+                      <a:stretch>
+                        <a:fillRect/>
+                      </a:stretch>
+                    </p:blipFill>
+                    <p:spPr>
+                      <a:xfrm>
+                        <a:off x="1589" y="1192"/>
+                        <a:ext cx="1587" cy="1190"/>
+                      </a:xfrm>
+                      <a:prstGeom prst="rect">
+                        <a:avLst/>
+                      </a:prstGeom>
+                    </p:spPr>
+                  </p:pic>
+                </p:oleObj>
+              </mc:Fallback>
+            </mc:AlternateContent>
+          </a:graphicData>
+        </a:graphic>
+      </p:graphicFrame>
+      <p:sp>
+        <p:nvSpPr>
+          <p:cNvPr id="2" name="Titel 1"/>
+          <p:cNvSpPr>
+            <a:spLocks noGrp="1"/>
+          </p:cNvSpPr>
+          <p:nvPr>
+            <p:ph type="title"/>
+          </p:nvPr>
+        </p:nvSpPr>
+        <p:spPr/>
+        <p:txBody>
+          <a:bodyPr/>
+          <a:lstStyle/>
+          <a:p>
+            <a:r>
+              <a:rPr lang="de-DE" dirty="0"/>
+              <a:t>1. </a:t>
+            </a:r>
+            <a:r>
+              <a:rPr lang="de-DE" dirty="0" err="1"/>
+              <a:t>Introduction</a:t>
+            </a:r>
+            <a:endParaRPr lang="de-DE" dirty="0"/>
+          </a:p>
+        </p:txBody>
+      </p:sp>
+      <p:sp>
+        <p:nvSpPr>
+          <p:cNvPr id="3" name="Textplatzhalter 2"/>
+          <p:cNvSpPr>
+            <a:spLocks noGrp="1"/>
+          </p:cNvSpPr>
+          <p:nvPr>
+            <p:ph type="body" idx="1"/>
+          </p:nvPr>
+        </p:nvSpPr>
+        <p:spPr/>
+        <p:txBody>
+          <a:bodyPr/>
+          <a:lstStyle/>
+          <a:p>
+            <a:r>
+              <a:rPr lang="de-DE" dirty="0"/>
+              <a:t>This </a:t>
+            </a:r>
+            <a:r>
+              <a:rPr lang="de-DE" dirty="0" err="1"/>
+              <a:t>project‘s</a:t>
+            </a:r>
+            <a:r>
+              <a:rPr lang="de-DE" dirty="0"/>
+              <a:t> </a:t>
+            </a:r>
+            <a:r>
+              <a:rPr lang="de-DE" dirty="0" err="1"/>
+              <a:t>goals</a:t>
+            </a:r>
+            <a:endParaRPr lang="de-DE" dirty="0"/>
+          </a:p>
+        </p:txBody>
+      </p:sp>
+    </p:spTree>
+    <p:extLst>
+      <p:ext uri="{BB962C8B-B14F-4D97-AF65-F5344CB8AC3E}">
+        <p14:creationId xmlns:p14="http://schemas.microsoft.com/office/powerpoint/2010/main" val="2310735033"/>
+      </p:ext>
+    </p:extLst>
+  </p:cSld>
+  <p:clrMapOvr>
+    <a:masterClrMapping/>
+  </p:clrMapOvr>
+</p:sld>
+</file>
+
+<file path=ppt/slides/slide30.xml><?xml version="1.0" encoding="utf-8"?>
+<p:sld xmlns:a="http://schemas.openxmlformats.org/drawingml/2006/main" xmlns:r="http://schemas.openxmlformats.org/officeDocument/2006/relationships" xmlns:p="http://schemas.openxmlformats.org/presentationml/2006/main">
+  <p:cSld>
+    <p:spTree>
+      <p:nvGrpSpPr>
+        <p:cNvPr id="1" name=""/>
+        <p:cNvGrpSpPr/>
+        <p:nvPr/>
+      </p:nvGrpSpPr>
+      <p:grpSpPr>
+        <a:xfrm>
+          <a:off x="0" y="0"/>
+          <a:ext cx="0" cy="0"/>
+          <a:chOff x="0" y="0"/>
+          <a:chExt cx="0" cy="0"/>
+        </a:xfrm>
+      </p:grpSpPr>
+      <p:sp>
+        <p:nvSpPr>
+          <p:cNvPr id="4" name="Titel 3"/>
+          <p:cNvSpPr>
+            <a:spLocks noGrp="1"/>
+          </p:cNvSpPr>
+          <p:nvPr>
+            <p:ph type="title"/>
+          </p:nvPr>
+        </p:nvSpPr>
+        <p:spPr/>
+        <p:txBody>
+          <a:bodyPr/>
+          <a:lstStyle/>
+          <a:p>
+            <a:r>
+              <a:rPr lang="de-DE" dirty="0"/>
+              <a:t>Balkendiagramm</a:t>
+            </a:r>
+            <a:br>
+              <a:rPr lang="de-DE" dirty="0"/>
+            </a:br>
+            <a:r>
+              <a:rPr lang="de-DE" dirty="0"/>
+              <a:t>Werte und Beschriftungen können nach Doppelklick geändert werden</a:t>
+            </a:r>
+          </a:p>
+        </p:txBody>
+      </p:sp>
+      <p:graphicFrame>
+        <p:nvGraphicFramePr>
+          <p:cNvPr id="6" name="Diagramm 5"/>
+          <p:cNvGraphicFramePr/>
+          <p:nvPr>
+            <p:extLst>
+              <p:ext uri="{D42A27DB-BD31-4B8C-83A1-F6EECF244321}">
+                <p14:modId xmlns:p14="http://schemas.microsoft.com/office/powerpoint/2010/main" val="2702812772"/>
+              </p:ext>
+            </p:extLst>
+          </p:nvPr>
+        </p:nvGraphicFramePr>
+        <p:xfrm>
+          <a:off x="250825" y="1095374"/>
+          <a:ext cx="8642349" cy="3024189"/>
+        </p:xfrm>
+        <a:graphic>
+          <a:graphicData uri="http://schemas.openxmlformats.org/drawingml/2006/chart">
+            <c:chart xmlns:c="http://schemas.openxmlformats.org/drawingml/2006/chart" xmlns:r="http://schemas.openxmlformats.org/officeDocument/2006/relationships" r:id="rId2"/>
+          </a:graphicData>
+        </a:graphic>
+      </p:graphicFrame>
+      <p:sp>
+        <p:nvSpPr>
+          <p:cNvPr id="8" name="Datumsplatzhalter 7"/>
+          <p:cNvSpPr>
+            <a:spLocks noGrp="1"/>
+          </p:cNvSpPr>
+          <p:nvPr>
+            <p:ph type="dt" sz="half" idx="10"/>
+          </p:nvPr>
+        </p:nvSpPr>
+        <p:spPr/>
+        <p:txBody>
+          <a:bodyPr/>
+          <a:lstStyle/>
+          <a:p>
+            <a:fld id="{B558ECAE-EF4F-4F0E-998C-E06BB00CEEDD}" type="datetime1">
+              <a:rPr lang="de-DE" smtClean="0"/>
+              <a:t>17.07.22</a:t>
+            </a:fld>
+            <a:endParaRPr lang="de-DE" dirty="0"/>
+          </a:p>
+        </p:txBody>
+      </p:sp>
+      <p:sp>
+        <p:nvSpPr>
+          <p:cNvPr id="9" name="Fußzeilenplatzhalter 8"/>
+          <p:cNvSpPr>
+            <a:spLocks noGrp="1"/>
+          </p:cNvSpPr>
+          <p:nvPr>
+            <p:ph type="ftr" sz="quarter" idx="11"/>
+          </p:nvPr>
+        </p:nvSpPr>
+        <p:spPr/>
+        <p:txBody>
+          <a:bodyPr/>
+          <a:lstStyle/>
+          <a:p>
+            <a:r>
+              <a:rPr lang="de-DE" dirty="0"/>
+              <a:t>Name der Präsentation, Name des Sprechers ©HSB</a:t>
+            </a:r>
+          </a:p>
+        </p:txBody>
+      </p:sp>
+      <p:sp>
+        <p:nvSpPr>
+          <p:cNvPr id="10" name="Foliennummernplatzhalter 9"/>
+          <p:cNvSpPr>
+            <a:spLocks noGrp="1"/>
+          </p:cNvSpPr>
+          <p:nvPr>
+            <p:ph type="sldNum" sz="quarter" idx="12"/>
+          </p:nvPr>
+        </p:nvSpPr>
+        <p:spPr/>
+        <p:txBody>
+          <a:bodyPr/>
+          <a:lstStyle/>
+          <a:p>
+            <a:fld id="{58444F55-0981-4E9E-8F6B-2F7546EE58D7}" type="slidenum">
+              <a:rPr lang="de-DE" smtClean="0"/>
+              <a:pPr/>
+              <a:t>30</a:t>
+            </a:fld>
+            <a:endParaRPr lang="de-DE" dirty="0"/>
+          </a:p>
+        </p:txBody>
+      </p:sp>
+      <p:sp>
+        <p:nvSpPr>
+          <p:cNvPr id="11" name="Rechteck 10"/>
+          <p:cNvSpPr/>
+          <p:nvPr/>
+        </p:nvSpPr>
+        <p:spPr>
+          <a:xfrm>
+            <a:off x="254819" y="4515966"/>
+            <a:ext cx="8638356" cy="144000"/>
+          </a:xfrm>
+          <a:prstGeom prst="rect">
+            <a:avLst/>
+          </a:prstGeom>
+          <a:noFill/>
+          <a:ln w="6350">
+            <a:noFill/>
+          </a:ln>
+        </p:spPr>
+        <p:style>
+          <a:lnRef idx="2">
+            <a:schemeClr val="accent1">
+              <a:shade val="50000"/>
+            </a:schemeClr>
+          </a:lnRef>
+          <a:fillRef idx="1">
+            <a:schemeClr val="accent1"/>
+          </a:fillRef>
+          <a:effectRef idx="0">
+            <a:schemeClr val="accent1"/>
+          </a:effectRef>
+          <a:fontRef idx="minor">
+            <a:schemeClr val="lt1"/>
+          </a:fontRef>
+        </p:style>
+        <p:txBody>
+          <a:bodyPr lIns="0" tIns="0" rIns="0" bIns="0" rtlCol="0" anchor="b" anchorCtr="0"/>
+          <a:lstStyle/>
+          <a:p>
+            <a:pPr>
+              <a:buClr>
+                <a:schemeClr val="accent1"/>
+              </a:buClr>
+            </a:pPr>
+            <a:r>
+              <a:rPr lang="de-DE" sz="900" dirty="0">
+                <a:solidFill>
+                  <a:schemeClr val="bg2"/>
+                </a:solidFill>
+              </a:rPr>
+              <a:t>Quelle: Rum rera dest tatint hillestrum sitat aut accae venimaxim vendelisti tem ent, quis es excero volupta tionseq uasitas.</a:t>
+            </a:r>
+          </a:p>
+        </p:txBody>
+      </p:sp>
+    </p:spTree>
+    <p:extLst>
+      <p:ext uri="{BB962C8B-B14F-4D97-AF65-F5344CB8AC3E}">
+        <p14:creationId xmlns:p14="http://schemas.microsoft.com/office/powerpoint/2010/main" val="2086538864"/>
+      </p:ext>
+    </p:extLst>
+  </p:cSld>
+  <p:clrMapOvr>
+    <a:masterClrMapping/>
+  </p:clrMapOvr>
+</p:sld>
+</file>
+
+<file path=ppt/slides/slide31.xml><?xml version="1.0" encoding="utf-8"?>
+<p:sld xmlns:a="http://schemas.openxmlformats.org/drawingml/2006/main" xmlns:r="http://schemas.openxmlformats.org/officeDocument/2006/relationships" xmlns:p="http://schemas.openxmlformats.org/presentationml/2006/main">
+  <p:cSld>
+    <p:spTree>
+      <p:nvGrpSpPr>
+        <p:cNvPr id="1" name=""/>
+        <p:cNvGrpSpPr/>
+        <p:nvPr/>
+      </p:nvGrpSpPr>
+      <p:grpSpPr>
+        <a:xfrm>
+          <a:off x="0" y="0"/>
+          <a:ext cx="0" cy="0"/>
+          <a:chOff x="0" y="0"/>
+          <a:chExt cx="0" cy="0"/>
+        </a:xfrm>
+      </p:grpSpPr>
+      <p:sp>
+        <p:nvSpPr>
+          <p:cNvPr id="4" name="Titel 3"/>
+          <p:cNvSpPr>
+            <a:spLocks noGrp="1"/>
+          </p:cNvSpPr>
+          <p:nvPr>
+            <p:ph type="title"/>
+          </p:nvPr>
+        </p:nvSpPr>
+        <p:spPr/>
+        <p:txBody>
+          <a:bodyPr/>
+          <a:lstStyle/>
+          <a:p>
+            <a:r>
+              <a:rPr lang="de-DE" dirty="0"/>
+              <a:t>Stapelbalkendiagramm</a:t>
+            </a:r>
+            <a:br>
+              <a:rPr lang="de-DE" dirty="0"/>
+            </a:br>
+            <a:r>
+              <a:rPr lang="de-DE" dirty="0"/>
+              <a:t>Werte und Beschriftungen können nach Doppelklick geändert werden</a:t>
+            </a:r>
+          </a:p>
+        </p:txBody>
+      </p:sp>
+      <p:graphicFrame>
+        <p:nvGraphicFramePr>
+          <p:cNvPr id="6" name="Diagramm 5"/>
+          <p:cNvGraphicFramePr/>
+          <p:nvPr>
+            <p:extLst>
+              <p:ext uri="{D42A27DB-BD31-4B8C-83A1-F6EECF244321}">
+                <p14:modId xmlns:p14="http://schemas.microsoft.com/office/powerpoint/2010/main" val="214306084"/>
+              </p:ext>
+            </p:extLst>
+          </p:nvPr>
+        </p:nvGraphicFramePr>
+        <p:xfrm>
+          <a:off x="254819" y="1095374"/>
+          <a:ext cx="8638355" cy="3024189"/>
+        </p:xfrm>
+        <a:graphic>
+          <a:graphicData uri="http://schemas.openxmlformats.org/drawingml/2006/chart">
+            <c:chart xmlns:c="http://schemas.openxmlformats.org/drawingml/2006/chart" xmlns:r="http://schemas.openxmlformats.org/officeDocument/2006/relationships" r:id="rId2"/>
+          </a:graphicData>
+        </a:graphic>
+      </p:graphicFrame>
+      <p:sp>
+        <p:nvSpPr>
+          <p:cNvPr id="8" name="Datumsplatzhalter 7"/>
+          <p:cNvSpPr>
+            <a:spLocks noGrp="1"/>
+          </p:cNvSpPr>
+          <p:nvPr>
+            <p:ph type="dt" sz="half" idx="10"/>
+          </p:nvPr>
+        </p:nvSpPr>
+        <p:spPr/>
+        <p:txBody>
+          <a:bodyPr/>
+          <a:lstStyle/>
+          <a:p>
+            <a:fld id="{EB8BF66A-BD51-48D8-9D80-A101D4FB04CF}" type="datetime1">
+              <a:rPr lang="de-DE" smtClean="0"/>
+              <a:t>17.07.22</a:t>
+            </a:fld>
+            <a:endParaRPr lang="de-DE" dirty="0"/>
+          </a:p>
+        </p:txBody>
+      </p:sp>
+      <p:sp>
+        <p:nvSpPr>
+          <p:cNvPr id="9" name="Fußzeilenplatzhalter 8"/>
+          <p:cNvSpPr>
+            <a:spLocks noGrp="1"/>
+          </p:cNvSpPr>
+          <p:nvPr>
+            <p:ph type="ftr" sz="quarter" idx="11"/>
+          </p:nvPr>
+        </p:nvSpPr>
+        <p:spPr/>
+        <p:txBody>
+          <a:bodyPr/>
+          <a:lstStyle/>
+          <a:p>
+            <a:r>
+              <a:rPr lang="de-DE" dirty="0"/>
+              <a:t>Name der Präsentation, Name des Sprechers ©HSB</a:t>
+            </a:r>
+          </a:p>
+        </p:txBody>
+      </p:sp>
+      <p:sp>
+        <p:nvSpPr>
+          <p:cNvPr id="10" name="Foliennummernplatzhalter 9"/>
+          <p:cNvSpPr>
+            <a:spLocks noGrp="1"/>
+          </p:cNvSpPr>
+          <p:nvPr>
+            <p:ph type="sldNum" sz="quarter" idx="12"/>
+          </p:nvPr>
+        </p:nvSpPr>
+        <p:spPr/>
+        <p:txBody>
+          <a:bodyPr/>
+          <a:lstStyle/>
+          <a:p>
+            <a:fld id="{58444F55-0981-4E9E-8F6B-2F7546EE58D7}" type="slidenum">
+              <a:rPr lang="de-DE" smtClean="0"/>
+              <a:pPr/>
+              <a:t>31</a:t>
+            </a:fld>
+            <a:endParaRPr lang="de-DE" dirty="0"/>
+          </a:p>
+        </p:txBody>
+      </p:sp>
+      <p:sp>
+        <p:nvSpPr>
+          <p:cNvPr id="11" name="Rechteck 10"/>
+          <p:cNvSpPr/>
+          <p:nvPr/>
+        </p:nvSpPr>
+        <p:spPr>
+          <a:xfrm>
+            <a:off x="254819" y="4515966"/>
+            <a:ext cx="8638356" cy="144000"/>
+          </a:xfrm>
+          <a:prstGeom prst="rect">
+            <a:avLst/>
+          </a:prstGeom>
+          <a:noFill/>
+          <a:ln w="6350">
+            <a:noFill/>
+          </a:ln>
+        </p:spPr>
+        <p:style>
+          <a:lnRef idx="2">
+            <a:schemeClr val="accent1">
+              <a:shade val="50000"/>
+            </a:schemeClr>
+          </a:lnRef>
+          <a:fillRef idx="1">
+            <a:schemeClr val="accent1"/>
+          </a:fillRef>
+          <a:effectRef idx="0">
+            <a:schemeClr val="accent1"/>
+          </a:effectRef>
+          <a:fontRef idx="minor">
+            <a:schemeClr val="lt1"/>
+          </a:fontRef>
+        </p:style>
+        <p:txBody>
+          <a:bodyPr lIns="0" tIns="0" rIns="0" bIns="0" rtlCol="0" anchor="b" anchorCtr="0"/>
+          <a:lstStyle/>
+          <a:p>
+            <a:pPr>
+              <a:buClr>
+                <a:schemeClr val="accent1"/>
+              </a:buClr>
+            </a:pPr>
+            <a:r>
+              <a:rPr lang="de-DE" sz="900" dirty="0">
+                <a:solidFill>
+                  <a:schemeClr val="bg2"/>
+                </a:solidFill>
+              </a:rPr>
+              <a:t>Quelle: Rum rera dest tatint hillestrum sitat aut accae venimaxim vendelisti tem ent, quis es excero volupta tionseq uasitas.</a:t>
+            </a:r>
+          </a:p>
+        </p:txBody>
+      </p:sp>
+    </p:spTree>
+    <p:extLst>
+      <p:ext uri="{BB962C8B-B14F-4D97-AF65-F5344CB8AC3E}">
+        <p14:creationId xmlns:p14="http://schemas.microsoft.com/office/powerpoint/2010/main" val="134225762"/>
+      </p:ext>
+    </p:extLst>
+  </p:cSld>
+  <p:clrMapOvr>
+    <a:masterClrMapping/>
+  </p:clrMapOvr>
+</p:sld>
+</file>
+
+<file path=ppt/slides/slide32.xml><?xml version="1.0" encoding="utf-8"?>
+<p:sld xmlns:a="http://schemas.openxmlformats.org/drawingml/2006/main" xmlns:r="http://schemas.openxmlformats.org/officeDocument/2006/relationships" xmlns:p="http://schemas.openxmlformats.org/presentationml/2006/main">
+  <p:cSld>
+    <p:spTree>
+      <p:nvGrpSpPr>
+        <p:cNvPr id="1" name=""/>
+        <p:cNvGrpSpPr/>
+        <p:nvPr/>
+      </p:nvGrpSpPr>
+      <p:grpSpPr>
+        <a:xfrm>
+          <a:off x="0" y="0"/>
+          <a:ext cx="0" cy="0"/>
+          <a:chOff x="0" y="0"/>
+          <a:chExt cx="0" cy="0"/>
+        </a:xfrm>
+      </p:grpSpPr>
+      <p:sp>
+        <p:nvSpPr>
+          <p:cNvPr id="4" name="Titel 3"/>
+          <p:cNvSpPr>
+            <a:spLocks noGrp="1"/>
+          </p:cNvSpPr>
+          <p:nvPr>
+            <p:ph type="title"/>
+          </p:nvPr>
+        </p:nvSpPr>
+        <p:spPr/>
+        <p:txBody>
+          <a:bodyPr/>
+          <a:lstStyle/>
+          <a:p>
+            <a:r>
+              <a:rPr lang="de-DE" dirty="0"/>
+              <a:t>Liniendiagramm</a:t>
+            </a:r>
+            <a:br>
+              <a:rPr lang="de-DE" dirty="0"/>
+            </a:br>
+            <a:r>
+              <a:rPr lang="de-DE" dirty="0"/>
+              <a:t>Werte und Beschriftungen können nach Doppelklick geändert werden</a:t>
+            </a:r>
+          </a:p>
+        </p:txBody>
+      </p:sp>
+      <p:graphicFrame>
+        <p:nvGraphicFramePr>
+          <p:cNvPr id="6" name="Diagramm 5"/>
+          <p:cNvGraphicFramePr/>
+          <p:nvPr>
+            <p:extLst>
+              <p:ext uri="{D42A27DB-BD31-4B8C-83A1-F6EECF244321}">
+                <p14:modId xmlns:p14="http://schemas.microsoft.com/office/powerpoint/2010/main" val="2185781317"/>
+              </p:ext>
+            </p:extLst>
+          </p:nvPr>
+        </p:nvGraphicFramePr>
+        <p:xfrm>
+          <a:off x="250825" y="1095374"/>
+          <a:ext cx="8642349" cy="3024189"/>
+        </p:xfrm>
+        <a:graphic>
+          <a:graphicData uri="http://schemas.openxmlformats.org/drawingml/2006/chart">
+            <c:chart xmlns:c="http://schemas.openxmlformats.org/drawingml/2006/chart" xmlns:r="http://schemas.openxmlformats.org/officeDocument/2006/relationships" r:id="rId2"/>
+          </a:graphicData>
+        </a:graphic>
+      </p:graphicFrame>
+      <p:sp>
+        <p:nvSpPr>
+          <p:cNvPr id="8" name="Datumsplatzhalter 7"/>
+          <p:cNvSpPr>
+            <a:spLocks noGrp="1"/>
+          </p:cNvSpPr>
+          <p:nvPr>
+            <p:ph type="dt" sz="half" idx="10"/>
+          </p:nvPr>
+        </p:nvSpPr>
+        <p:spPr/>
+        <p:txBody>
+          <a:bodyPr/>
+          <a:lstStyle/>
+          <a:p>
+            <a:fld id="{81C5308B-9BF3-437F-B3CE-145D2A3039FE}" type="datetime1">
+              <a:rPr lang="de-DE" smtClean="0"/>
+              <a:t>17.07.22</a:t>
+            </a:fld>
+            <a:endParaRPr lang="de-DE" dirty="0"/>
+          </a:p>
+        </p:txBody>
+      </p:sp>
+      <p:sp>
+        <p:nvSpPr>
+          <p:cNvPr id="9" name="Fußzeilenplatzhalter 8"/>
+          <p:cNvSpPr>
+            <a:spLocks noGrp="1"/>
+          </p:cNvSpPr>
+          <p:nvPr>
+            <p:ph type="ftr" sz="quarter" idx="11"/>
+          </p:nvPr>
+        </p:nvSpPr>
+        <p:spPr/>
+        <p:txBody>
+          <a:bodyPr/>
+          <a:lstStyle/>
+          <a:p>
+            <a:r>
+              <a:rPr lang="de-DE" dirty="0"/>
+              <a:t>Name der Präsentation, Name des Sprechers ©HSB</a:t>
+            </a:r>
+          </a:p>
+        </p:txBody>
+      </p:sp>
+      <p:sp>
+        <p:nvSpPr>
+          <p:cNvPr id="10" name="Foliennummernplatzhalter 9"/>
+          <p:cNvSpPr>
+            <a:spLocks noGrp="1"/>
+          </p:cNvSpPr>
+          <p:nvPr>
+            <p:ph type="sldNum" sz="quarter" idx="12"/>
+          </p:nvPr>
+        </p:nvSpPr>
+        <p:spPr/>
+        <p:txBody>
+          <a:bodyPr/>
+          <a:lstStyle/>
+          <a:p>
+            <a:fld id="{58444F55-0981-4E9E-8F6B-2F7546EE58D7}" type="slidenum">
+              <a:rPr lang="de-DE" smtClean="0"/>
+              <a:pPr/>
+              <a:t>32</a:t>
+            </a:fld>
+            <a:endParaRPr lang="de-DE" dirty="0"/>
+          </a:p>
+        </p:txBody>
+      </p:sp>
+      <p:sp>
+        <p:nvSpPr>
+          <p:cNvPr id="11" name="Rechteck 10"/>
+          <p:cNvSpPr/>
+          <p:nvPr/>
+        </p:nvSpPr>
+        <p:spPr>
+          <a:xfrm>
+            <a:off x="254819" y="4515966"/>
+            <a:ext cx="8638356" cy="144000"/>
+          </a:xfrm>
+          <a:prstGeom prst="rect">
+            <a:avLst/>
+          </a:prstGeom>
+          <a:noFill/>
+          <a:ln w="6350">
+            <a:noFill/>
+          </a:ln>
+        </p:spPr>
+        <p:style>
+          <a:lnRef idx="2">
+            <a:schemeClr val="accent1">
+              <a:shade val="50000"/>
+            </a:schemeClr>
+          </a:lnRef>
+          <a:fillRef idx="1">
+            <a:schemeClr val="accent1"/>
+          </a:fillRef>
+          <a:effectRef idx="0">
+            <a:schemeClr val="accent1"/>
+          </a:effectRef>
+          <a:fontRef idx="minor">
+            <a:schemeClr val="lt1"/>
+          </a:fontRef>
+        </p:style>
+        <p:txBody>
+          <a:bodyPr lIns="0" tIns="0" rIns="0" bIns="0" rtlCol="0" anchor="b" anchorCtr="0"/>
+          <a:lstStyle/>
+          <a:p>
+            <a:pPr>
+              <a:buClr>
+                <a:schemeClr val="accent1"/>
+              </a:buClr>
+            </a:pPr>
+            <a:r>
+              <a:rPr lang="de-DE" sz="900" dirty="0">
+                <a:solidFill>
+                  <a:schemeClr val="bg2"/>
+                </a:solidFill>
+              </a:rPr>
+              <a:t>Quelle: Rum rera dest tatint hillestrum sitat aut accae venimaxim vendelisti tem ent, quis es excero volupta tionseq uasitas.</a:t>
+            </a:r>
+          </a:p>
+        </p:txBody>
+      </p:sp>
+    </p:spTree>
+    <p:extLst>
+      <p:ext uri="{BB962C8B-B14F-4D97-AF65-F5344CB8AC3E}">
+        <p14:creationId xmlns:p14="http://schemas.microsoft.com/office/powerpoint/2010/main" val="1504854420"/>
+      </p:ext>
+    </p:extLst>
+  </p:cSld>
+  <p:clrMapOvr>
+    <a:masterClrMapping/>
+  </p:clrMapOvr>
+</p:sld>
+</file>
+
+<file path=ppt/slides/slide33.xml><?xml version="1.0" encoding="utf-8"?>
+<p:sld xmlns:a="http://schemas.openxmlformats.org/drawingml/2006/main" xmlns:r="http://schemas.openxmlformats.org/officeDocument/2006/relationships" xmlns:p="http://schemas.openxmlformats.org/presentationml/2006/main">
+  <p:cSld>
+    <p:spTree>
+      <p:nvGrpSpPr>
+        <p:cNvPr id="1" name=""/>
+        <p:cNvGrpSpPr/>
+        <p:nvPr/>
+      </p:nvGrpSpPr>
+      <p:grpSpPr>
+        <a:xfrm>
+          <a:off x="0" y="0"/>
+          <a:ext cx="0" cy="0"/>
+          <a:chOff x="0" y="0"/>
+          <a:chExt cx="0" cy="0"/>
+        </a:xfrm>
+      </p:grpSpPr>
+      <p:sp>
+        <p:nvSpPr>
+          <p:cNvPr id="4" name="Titel 3"/>
+          <p:cNvSpPr>
+            <a:spLocks noGrp="1"/>
+          </p:cNvSpPr>
+          <p:nvPr>
+            <p:ph type="title"/>
+          </p:nvPr>
+        </p:nvSpPr>
+        <p:spPr/>
+        <p:txBody>
+          <a:bodyPr/>
+          <a:lstStyle/>
+          <a:p>
+            <a:r>
+              <a:rPr lang="de-DE" dirty="0"/>
+              <a:t>Ringdiagramm</a:t>
+            </a:r>
+            <a:br>
+              <a:rPr lang="de-DE" dirty="0"/>
+            </a:br>
+            <a:r>
+              <a:rPr lang="de-DE" dirty="0"/>
+              <a:t>Werte und Beschriftungen können nach Doppelklick geändert werden</a:t>
+            </a:r>
+          </a:p>
+        </p:txBody>
+      </p:sp>
+      <p:graphicFrame>
+        <p:nvGraphicFramePr>
+          <p:cNvPr id="6" name="Diagramm 5"/>
+          <p:cNvGraphicFramePr/>
+          <p:nvPr>
+            <p:extLst>
+              <p:ext uri="{D42A27DB-BD31-4B8C-83A1-F6EECF244321}">
+                <p14:modId xmlns:p14="http://schemas.microsoft.com/office/powerpoint/2010/main" val="698392054"/>
+              </p:ext>
+            </p:extLst>
+          </p:nvPr>
+        </p:nvGraphicFramePr>
+        <p:xfrm>
+          <a:off x="250825" y="1095374"/>
+          <a:ext cx="8642349" cy="3024189"/>
+        </p:xfrm>
+        <a:graphic>
+          <a:graphicData uri="http://schemas.openxmlformats.org/drawingml/2006/chart">
+            <c:chart xmlns:c="http://schemas.openxmlformats.org/drawingml/2006/chart" xmlns:r="http://schemas.openxmlformats.org/officeDocument/2006/relationships" r:id="rId2"/>
+          </a:graphicData>
+        </a:graphic>
+      </p:graphicFrame>
+      <p:sp>
+        <p:nvSpPr>
+          <p:cNvPr id="8" name="Datumsplatzhalter 7"/>
+          <p:cNvSpPr>
+            <a:spLocks noGrp="1"/>
+          </p:cNvSpPr>
+          <p:nvPr>
+            <p:ph type="dt" sz="half" idx="10"/>
+          </p:nvPr>
+        </p:nvSpPr>
+        <p:spPr/>
+        <p:txBody>
+          <a:bodyPr/>
+          <a:lstStyle/>
+          <a:p>
+            <a:fld id="{A2C839CB-B056-4876-A47C-0C07C52F1E99}" type="datetime1">
+              <a:rPr lang="de-DE" smtClean="0"/>
+              <a:t>17.07.22</a:t>
+            </a:fld>
+            <a:endParaRPr lang="de-DE" dirty="0"/>
+          </a:p>
+        </p:txBody>
+      </p:sp>
+      <p:sp>
+        <p:nvSpPr>
+          <p:cNvPr id="9" name="Fußzeilenplatzhalter 8"/>
+          <p:cNvSpPr>
+            <a:spLocks noGrp="1"/>
+          </p:cNvSpPr>
+          <p:nvPr>
+            <p:ph type="ftr" sz="quarter" idx="11"/>
+          </p:nvPr>
+        </p:nvSpPr>
+        <p:spPr/>
+        <p:txBody>
+          <a:bodyPr/>
+          <a:lstStyle/>
+          <a:p>
+            <a:r>
+              <a:rPr lang="de-DE" dirty="0"/>
+              <a:t>Name der Präsentation, Name des Sprechers ©HSB</a:t>
+            </a:r>
+          </a:p>
+        </p:txBody>
+      </p:sp>
+      <p:sp>
+        <p:nvSpPr>
+          <p:cNvPr id="10" name="Foliennummernplatzhalter 9"/>
+          <p:cNvSpPr>
+            <a:spLocks noGrp="1"/>
+          </p:cNvSpPr>
+          <p:nvPr>
+            <p:ph type="sldNum" sz="quarter" idx="12"/>
+          </p:nvPr>
+        </p:nvSpPr>
+        <p:spPr/>
+        <p:txBody>
+          <a:bodyPr/>
+          <a:lstStyle/>
+          <a:p>
+            <a:fld id="{58444F55-0981-4E9E-8F6B-2F7546EE58D7}" type="slidenum">
+              <a:rPr lang="de-DE" smtClean="0"/>
+              <a:pPr/>
+              <a:t>33</a:t>
+            </a:fld>
+            <a:endParaRPr lang="de-DE" dirty="0"/>
+          </a:p>
+        </p:txBody>
+      </p:sp>
+      <p:sp>
+        <p:nvSpPr>
+          <p:cNvPr id="11" name="Rechteck 10"/>
+          <p:cNvSpPr/>
+          <p:nvPr/>
+        </p:nvSpPr>
+        <p:spPr>
+          <a:xfrm>
+            <a:off x="254819" y="4515966"/>
+            <a:ext cx="8638356" cy="144000"/>
+          </a:xfrm>
+          <a:prstGeom prst="rect">
+            <a:avLst/>
+          </a:prstGeom>
+          <a:noFill/>
+          <a:ln w="6350">
+            <a:noFill/>
+          </a:ln>
+        </p:spPr>
+        <p:style>
+          <a:lnRef idx="2">
+            <a:schemeClr val="accent1">
+              <a:shade val="50000"/>
+            </a:schemeClr>
+          </a:lnRef>
+          <a:fillRef idx="1">
+            <a:schemeClr val="accent1"/>
+          </a:fillRef>
+          <a:effectRef idx="0">
+            <a:schemeClr val="accent1"/>
+          </a:effectRef>
+          <a:fontRef idx="minor">
+            <a:schemeClr val="lt1"/>
+          </a:fontRef>
+        </p:style>
+        <p:txBody>
+          <a:bodyPr lIns="0" tIns="0" rIns="0" bIns="0" rtlCol="0" anchor="b" anchorCtr="0"/>
+          <a:lstStyle/>
+          <a:p>
+            <a:pPr>
+              <a:buClr>
+                <a:schemeClr val="accent1"/>
+              </a:buClr>
+            </a:pPr>
+            <a:r>
+              <a:rPr lang="de-DE" sz="900" dirty="0">
+                <a:solidFill>
+                  <a:schemeClr val="bg2"/>
+                </a:solidFill>
+              </a:rPr>
+              <a:t>Quelle: Rum rera dest tatint hillestrum sitat aut accae venimaxim vendelisti tem ent, quis es excero volupta tionseq uasitas.</a:t>
+            </a:r>
+          </a:p>
+        </p:txBody>
+      </p:sp>
+    </p:spTree>
+    <p:extLst>
+      <p:ext uri="{BB962C8B-B14F-4D97-AF65-F5344CB8AC3E}">
         <p14:creationId xmlns:p14="http://schemas.microsoft.com/office/powerpoint/2010/main" val="664881268"/>
       </p:ext>
     </p:extLst>
@@ -18535,7 +21017,7 @@
 </p:sld>
 </file>
 
-<file path=ppt/slides/slide27.xml><?xml version="1.0" encoding="utf-8"?>
+<file path=ppt/slides/slide34.xml><?xml version="1.0" encoding="utf-8"?>
 <p:sld xmlns:a="http://schemas.openxmlformats.org/drawingml/2006/main" xmlns:r="http://schemas.openxmlformats.org/officeDocument/2006/relationships" xmlns:p="http://schemas.openxmlformats.org/presentationml/2006/main">
   <p:cSld>
     <p:spTree>
@@ -18675,7 +21157,7 @@
             <a:fld id="{58444F55-0981-4E9E-8F6B-2F7546EE58D7}" type="slidenum">
               <a:rPr lang="de-DE" smtClean="0"/>
               <a:pPr/>
-              <a:t>27</a:t>
+              <a:t>34</a:t>
             </a:fld>
             <a:endParaRPr lang="de-DE" dirty="0"/>
           </a:p>
@@ -20116,7 +22598,7 @@
 </p:sld>
 </file>
 
-<file path=ppt/slides/slide28.xml><?xml version="1.0" encoding="utf-8"?>
+<file path=ppt/slides/slide35.xml><?xml version="1.0" encoding="utf-8"?>
 <p:sld xmlns:a="http://schemas.openxmlformats.org/drawingml/2006/main" xmlns:r="http://schemas.openxmlformats.org/officeDocument/2006/relationships" xmlns:p="http://schemas.openxmlformats.org/presentationml/2006/main">
   <p:cSld>
     <p:spTree>
@@ -20347,7 +22829,7 @@
             <a:fld id="{58444F55-0981-4E9E-8F6B-2F7546EE58D7}" type="slidenum">
               <a:rPr lang="de-DE" smtClean="0"/>
               <a:pPr/>
-              <a:t>28</a:t>
+              <a:t>35</a:t>
             </a:fld>
             <a:endParaRPr lang="de-DE" dirty="0"/>
           </a:p>
@@ -20428,7 +22910,7 @@
 </p:sld>
 </file>
 
-<file path=ppt/slides/slide29.xml><?xml version="1.0" encoding="utf-8"?>
+<file path=ppt/slides/slide36.xml><?xml version="1.0" encoding="utf-8"?>
 <p:sld xmlns:a="http://schemas.openxmlformats.org/drawingml/2006/main" xmlns:r="http://schemas.openxmlformats.org/officeDocument/2006/relationships" xmlns:p="http://schemas.openxmlformats.org/presentationml/2006/main">
   <p:cSld>
     <p:spTree>
@@ -20568,7 +23050,7 @@
             <a:fld id="{58444F55-0981-4E9E-8F6B-2F7546EE58D7}" type="slidenum">
               <a:rPr lang="de-DE" smtClean="0"/>
               <a:pPr/>
-              <a:t>29</a:t>
+              <a:t>36</a:t>
             </a:fld>
             <a:endParaRPr lang="de-DE" dirty="0"/>
           </a:p>
@@ -20960,159 +23442,7 @@
 </p:sld>
 </file>
 
-<file path=ppt/slides/slide3.xml><?xml version="1.0" encoding="utf-8"?>
-<p:sld xmlns:a="http://schemas.openxmlformats.org/drawingml/2006/main" xmlns:r="http://schemas.openxmlformats.org/officeDocument/2006/relationships" xmlns:p="http://schemas.openxmlformats.org/presentationml/2006/main">
-  <p:cSld>
-    <p:spTree>
-      <p:nvGrpSpPr>
-        <p:cNvPr id="1" name=""/>
-        <p:cNvGrpSpPr/>
-        <p:nvPr/>
-      </p:nvGrpSpPr>
-      <p:grpSpPr>
-        <a:xfrm>
-          <a:off x="0" y="0"/>
-          <a:ext cx="0" cy="0"/>
-          <a:chOff x="0" y="0"/>
-          <a:chExt cx="0" cy="0"/>
-        </a:xfrm>
-      </p:grpSpPr>
-      <p:graphicFrame>
-        <p:nvGraphicFramePr>
-          <p:cNvPr id="4" name="Objekt 3" hidden="1"/>
-          <p:cNvGraphicFramePr>
-            <a:graphicFrameLocks noChangeAspect="1"/>
-          </p:cNvGraphicFramePr>
-          <p:nvPr>
-            <p:custDataLst>
-              <p:tags r:id="rId1"/>
-            </p:custDataLst>
-            <p:extLst>
-              <p:ext uri="{D42A27DB-BD31-4B8C-83A1-F6EECF244321}">
-                <p14:modId xmlns:p14="http://schemas.microsoft.com/office/powerpoint/2010/main" val="42232913"/>
-              </p:ext>
-            </p:extLst>
-          </p:nvPr>
-        </p:nvGraphicFramePr>
-        <p:xfrm>
-          <a:off x="1589" y="1192"/>
-          <a:ext cx="1587" cy="1190"/>
-        </p:xfrm>
-        <a:graphic>
-          <a:graphicData uri="http://schemas.openxmlformats.org/presentationml/2006/ole">
-            <mc:AlternateContent xmlns:mc="http://schemas.openxmlformats.org/markup-compatibility/2006">
-              <mc:Choice xmlns:v="urn:schemas-microsoft-com:vml" Requires="v">
-                <p:oleObj name="think-cell Folie" r:id="rId4" imgW="270" imgH="270" progId="TCLayout.ActiveDocument.1">
-                  <p:embed/>
-                </p:oleObj>
-              </mc:Choice>
-              <mc:Fallback>
-                <p:oleObj name="think-cell Folie" r:id="rId4" imgW="270" imgH="270" progId="TCLayout.ActiveDocument.1">
-                  <p:embed/>
-                  <p:pic>
-                    <p:nvPicPr>
-                      <p:cNvPr id="0" name=""/>
-                      <p:cNvPicPr/>
-                      <p:nvPr/>
-                    </p:nvPicPr>
-                    <p:blipFill>
-                      <a:blip r:embed="rId5"/>
-                      <a:stretch>
-                        <a:fillRect/>
-                      </a:stretch>
-                    </p:blipFill>
-                    <p:spPr>
-                      <a:xfrm>
-                        <a:off x="1589" y="1192"/>
-                        <a:ext cx="1587" cy="1190"/>
-                      </a:xfrm>
-                      <a:prstGeom prst="rect">
-                        <a:avLst/>
-                      </a:prstGeom>
-                    </p:spPr>
-                  </p:pic>
-                </p:oleObj>
-              </mc:Fallback>
-            </mc:AlternateContent>
-          </a:graphicData>
-        </a:graphic>
-      </p:graphicFrame>
-      <p:sp>
-        <p:nvSpPr>
-          <p:cNvPr id="2" name="Titel 1"/>
-          <p:cNvSpPr>
-            <a:spLocks noGrp="1"/>
-          </p:cNvSpPr>
-          <p:nvPr>
-            <p:ph type="title"/>
-          </p:nvPr>
-        </p:nvSpPr>
-        <p:spPr/>
-        <p:txBody>
-          <a:bodyPr/>
-          <a:lstStyle/>
-          <a:p>
-            <a:r>
-              <a:rPr lang="de-DE" dirty="0"/>
-              <a:t>1. </a:t>
-            </a:r>
-            <a:r>
-              <a:rPr lang="de-DE" dirty="0" err="1"/>
-              <a:t>Introduction</a:t>
-            </a:r>
-            <a:endParaRPr lang="de-DE" dirty="0"/>
-          </a:p>
-        </p:txBody>
-      </p:sp>
-      <p:sp>
-        <p:nvSpPr>
-          <p:cNvPr id="3" name="Textplatzhalter 2"/>
-          <p:cNvSpPr>
-            <a:spLocks noGrp="1"/>
-          </p:cNvSpPr>
-          <p:nvPr>
-            <p:ph type="body" idx="1"/>
-          </p:nvPr>
-        </p:nvSpPr>
-        <p:spPr/>
-        <p:txBody>
-          <a:bodyPr/>
-          <a:lstStyle/>
-          <a:p>
-            <a:r>
-              <a:rPr lang="de-DE" dirty="0"/>
-              <a:t>This </a:t>
-            </a:r>
-            <a:r>
-              <a:rPr lang="de-DE" dirty="0" err="1"/>
-              <a:t>project‘s</a:t>
-            </a:r>
-            <a:r>
-              <a:rPr lang="de-DE" dirty="0"/>
-              <a:t> </a:t>
-            </a:r>
-            <a:r>
-              <a:rPr lang="de-DE" dirty="0" err="1"/>
-              <a:t>goals</a:t>
-            </a:r>
-            <a:endParaRPr lang="de-DE" dirty="0"/>
-          </a:p>
-        </p:txBody>
-      </p:sp>
-    </p:spTree>
-    <p:extLst>
-      <p:ext uri="{BB962C8B-B14F-4D97-AF65-F5344CB8AC3E}">
-        <p14:creationId xmlns:p14="http://schemas.microsoft.com/office/powerpoint/2010/main" val="2310735033"/>
-      </p:ext>
-    </p:extLst>
-  </p:cSld>
-  <p:clrMapOvr>
-    <a:masterClrMapping/>
-  </p:clrMapOvr>
-</p:sld>
-</file>
-
-<file path=ppt/slides/slide30.xml><?xml version="1.0" encoding="utf-8"?>
+<file path=ppt/slides/slide37.xml><?xml version="1.0" encoding="utf-8"?>
 <p:sld xmlns:a="http://schemas.openxmlformats.org/drawingml/2006/main" xmlns:r="http://schemas.openxmlformats.org/officeDocument/2006/relationships" xmlns:p="http://schemas.openxmlformats.org/presentationml/2006/main">
   <p:cSld>
     <p:spTree>
@@ -21252,7 +23582,7 @@
             <a:fld id="{58444F55-0981-4E9E-8F6B-2F7546EE58D7}" type="slidenum">
               <a:rPr lang="de-DE" smtClean="0"/>
               <a:pPr/>
-              <a:t>30</a:t>
+              <a:t>37</a:t>
             </a:fld>
             <a:endParaRPr lang="de-DE" dirty="0"/>
           </a:p>
@@ -21644,7 +23974,7 @@
 </p:sld>
 </file>
 
-<file path=ppt/slides/slide31.xml><?xml version="1.0" encoding="utf-8"?>
+<file path=ppt/slides/slide38.xml><?xml version="1.0" encoding="utf-8"?>
 <p:sld xmlns:a="http://schemas.openxmlformats.org/drawingml/2006/main" xmlns:r="http://schemas.openxmlformats.org/officeDocument/2006/relationships" xmlns:p="http://schemas.openxmlformats.org/presentationml/2006/main">
   <p:cSld>
     <p:spTree>
@@ -21827,7 +24157,7 @@
             <a:fld id="{58444F55-0981-4E9E-8F6B-2F7546EE58D7}" type="slidenum">
               <a:rPr lang="de-DE" smtClean="0"/>
               <a:pPr/>
-              <a:t>31</a:t>
+              <a:t>38</a:t>
             </a:fld>
             <a:endParaRPr lang="de-DE" dirty="0"/>
           </a:p>
@@ -21849,7 +24179,7 @@
 </p:sld>
 </file>
 
-<file path=ppt/slides/slide32.xml><?xml version="1.0" encoding="utf-8"?>
+<file path=ppt/slides/slide39.xml><?xml version="1.0" encoding="utf-8"?>
 <p:sld xmlns:a="http://schemas.openxmlformats.org/drawingml/2006/main" xmlns:r="http://schemas.openxmlformats.org/officeDocument/2006/relationships" xmlns:p="http://schemas.openxmlformats.org/presentationml/2006/main">
   <p:cSld>
     <p:spTree>
@@ -22011,7 +24341,7 @@
             <a:fld id="{58444F55-0981-4E9E-8F6B-2F7546EE58D7}" type="slidenum">
               <a:rPr lang="de-DE" smtClean="0"/>
               <a:pPr/>
-              <a:t>32</a:t>
+              <a:t>39</a:t>
             </a:fld>
             <a:endParaRPr lang="de-DE" dirty="0"/>
           </a:p>
@@ -24258,7 +26588,801 @@
 </p:sld>
 </file>
 
-<file path=ppt/slides/slide33.xml><?xml version="1.0" encoding="utf-8"?>
+<file path=ppt/slides/slide4.xml><?xml version="1.0" encoding="utf-8"?>
+<p:sld xmlns:a="http://schemas.openxmlformats.org/drawingml/2006/main" xmlns:r="http://schemas.openxmlformats.org/officeDocument/2006/relationships" xmlns:p="http://schemas.openxmlformats.org/presentationml/2006/main">
+  <p:cSld>
+    <p:spTree>
+      <p:nvGrpSpPr>
+        <p:cNvPr id="1" name=""/>
+        <p:cNvGrpSpPr/>
+        <p:nvPr/>
+      </p:nvGrpSpPr>
+      <p:grpSpPr>
+        <a:xfrm>
+          <a:off x="0" y="0"/>
+          <a:ext cx="0" cy="0"/>
+          <a:chOff x="0" y="0"/>
+          <a:chExt cx="0" cy="0"/>
+        </a:xfrm>
+      </p:grpSpPr>
+      <p:sp>
+        <p:nvSpPr>
+          <p:cNvPr id="3" name="Datumsplatzhalter 2"/>
+          <p:cNvSpPr>
+            <a:spLocks noGrp="1"/>
+          </p:cNvSpPr>
+          <p:nvPr>
+            <p:ph type="dt" sz="half" idx="10"/>
+          </p:nvPr>
+        </p:nvSpPr>
+        <p:spPr/>
+        <p:txBody>
+          <a:bodyPr/>
+          <a:lstStyle/>
+          <a:p>
+            <a:fld id="{D7EBB97D-9926-4A8D-8C1C-1E5C83B83A11}" type="datetime1">
+              <a:rPr lang="de-DE" smtClean="0"/>
+              <a:t>17.07.22</a:t>
+            </a:fld>
+            <a:endParaRPr lang="de-DE" dirty="0"/>
+          </a:p>
+        </p:txBody>
+      </p:sp>
+      <p:sp>
+        <p:nvSpPr>
+          <p:cNvPr id="4" name="Fußzeilenplatzhalter 3"/>
+          <p:cNvSpPr>
+            <a:spLocks noGrp="1"/>
+          </p:cNvSpPr>
+          <p:nvPr>
+            <p:ph type="ftr" sz="quarter" idx="11"/>
+          </p:nvPr>
+        </p:nvSpPr>
+        <p:spPr/>
+        <p:txBody>
+          <a:bodyPr/>
+          <a:lstStyle/>
+          <a:p>
+            <a:r>
+              <a:rPr lang="de-DE" dirty="0"/>
+              <a:t>Big Data &amp; </a:t>
+            </a:r>
+            <a:r>
+              <a:rPr lang="de-DE" dirty="0" err="1"/>
+              <a:t>Machine</a:t>
+            </a:r>
+            <a:r>
+              <a:rPr lang="de-DE" dirty="0"/>
+              <a:t> Learning – Final </a:t>
+            </a:r>
+            <a:r>
+              <a:rPr lang="de-DE" dirty="0" err="1"/>
+              <a:t>Presentation</a:t>
+            </a:r>
+            <a:r>
+              <a:rPr lang="de-DE" dirty="0"/>
+              <a:t>, Philipp Moritzer</a:t>
+            </a:r>
+          </a:p>
+        </p:txBody>
+      </p:sp>
+      <p:sp>
+        <p:nvSpPr>
+          <p:cNvPr id="12" name="Foliennummernplatzhalter 11"/>
+          <p:cNvSpPr>
+            <a:spLocks noGrp="1"/>
+          </p:cNvSpPr>
+          <p:nvPr>
+            <p:ph type="sldNum" sz="quarter" idx="12"/>
+          </p:nvPr>
+        </p:nvSpPr>
+        <p:spPr/>
+        <p:txBody>
+          <a:bodyPr/>
+          <a:lstStyle/>
+          <a:p>
+            <a:fld id="{58444F55-0981-4E9E-8F6B-2F7546EE58D7}" type="slidenum">
+              <a:rPr lang="de-DE" smtClean="0"/>
+              <a:pPr/>
+              <a:t>4</a:t>
+            </a:fld>
+            <a:endParaRPr lang="de-DE" dirty="0"/>
+          </a:p>
+        </p:txBody>
+      </p:sp>
+      <p:sp>
+        <p:nvSpPr>
+          <p:cNvPr id="2" name="Titel 1"/>
+          <p:cNvSpPr>
+            <a:spLocks noGrp="1"/>
+          </p:cNvSpPr>
+          <p:nvPr>
+            <p:ph type="title"/>
+          </p:nvPr>
+        </p:nvSpPr>
+        <p:spPr/>
+        <p:txBody>
+          <a:bodyPr/>
+          <a:lstStyle/>
+          <a:p>
+            <a:r>
+              <a:rPr lang="de-DE" dirty="0" err="1"/>
+              <a:t>Introduction</a:t>
+            </a:r>
+            <a:endParaRPr lang="de-DE" dirty="0"/>
+          </a:p>
+        </p:txBody>
+      </p:sp>
+      <p:sp>
+        <p:nvSpPr>
+          <p:cNvPr id="6" name="Inhaltsplatzhalter 5"/>
+          <p:cNvSpPr>
+            <a:spLocks noGrp="1"/>
+          </p:cNvSpPr>
+          <p:nvPr>
+            <p:ph sz="quarter" idx="13"/>
+          </p:nvPr>
+        </p:nvSpPr>
+        <p:spPr/>
+        <p:txBody>
+          <a:bodyPr/>
+          <a:lstStyle/>
+          <a:p>
+            <a:pPr marL="285750" indent="-285750">
+              <a:buFont typeface="Arial" panose="020B0604020202020204" pitchFamily="34" charset="0"/>
+              <a:buChar char="•"/>
+            </a:pPr>
+            <a:r>
+              <a:rPr lang="de-DE" dirty="0"/>
+              <a:t>Big </a:t>
+            </a:r>
+            <a:r>
+              <a:rPr lang="de-DE" dirty="0" err="1"/>
+              <a:t>data</a:t>
+            </a:r>
+            <a:r>
+              <a:rPr lang="de-DE" dirty="0"/>
+              <a:t>, IoT, real-time </a:t>
+            </a:r>
+            <a:r>
+              <a:rPr lang="de-DE" dirty="0" err="1"/>
+              <a:t>analytics</a:t>
+            </a:r>
+            <a:r>
+              <a:rPr lang="de-DE" dirty="0"/>
+              <a:t> </a:t>
+            </a:r>
+            <a:r>
+              <a:rPr lang="de-DE" dirty="0" err="1"/>
+              <a:t>are</a:t>
+            </a:r>
+            <a:r>
+              <a:rPr lang="de-DE" dirty="0"/>
+              <a:t> </a:t>
+            </a:r>
+            <a:r>
+              <a:rPr lang="de-DE" dirty="0" err="1"/>
+              <a:t>new</a:t>
+            </a:r>
+            <a:r>
+              <a:rPr lang="de-DE" dirty="0"/>
+              <a:t> </a:t>
+            </a:r>
+            <a:r>
+              <a:rPr lang="de-DE" dirty="0" err="1"/>
+              <a:t>types</a:t>
+            </a:r>
+            <a:r>
+              <a:rPr lang="de-DE" dirty="0"/>
+              <a:t> </a:t>
+            </a:r>
+            <a:r>
+              <a:rPr lang="de-DE" dirty="0" err="1"/>
+              <a:t>of</a:t>
+            </a:r>
+            <a:r>
+              <a:rPr lang="de-DE" dirty="0"/>
+              <a:t> </a:t>
+            </a:r>
+            <a:r>
+              <a:rPr lang="de-DE" dirty="0" err="1"/>
+              <a:t>data</a:t>
+            </a:r>
+            <a:endParaRPr lang="de-DE" dirty="0"/>
+          </a:p>
+          <a:p>
+            <a:pPr marL="466725" lvl="1" indent="-285750">
+              <a:buFont typeface="Wingdings" pitchFamily="2" charset="2"/>
+              <a:buChar char="Ø"/>
+            </a:pPr>
+            <a:r>
+              <a:rPr lang="de-DE" dirty="0"/>
+              <a:t>As a </a:t>
+            </a:r>
+            <a:r>
+              <a:rPr lang="de-DE" dirty="0" err="1"/>
+              <a:t>result</a:t>
+            </a:r>
+            <a:r>
+              <a:rPr lang="de-DE" dirty="0"/>
+              <a:t>, </a:t>
+            </a:r>
+            <a:r>
+              <a:rPr lang="de-DE" dirty="0" err="1"/>
+              <a:t>new</a:t>
+            </a:r>
+            <a:r>
+              <a:rPr lang="de-DE" dirty="0"/>
+              <a:t> </a:t>
+            </a:r>
+            <a:r>
+              <a:rPr lang="de-DE" dirty="0" err="1"/>
+              <a:t>methods</a:t>
+            </a:r>
+            <a:r>
+              <a:rPr lang="de-DE" dirty="0"/>
+              <a:t> </a:t>
+            </a:r>
+            <a:r>
+              <a:rPr lang="de-DE" dirty="0" err="1"/>
+              <a:t>of</a:t>
+            </a:r>
+            <a:r>
+              <a:rPr lang="de-DE" dirty="0"/>
+              <a:t> </a:t>
+            </a:r>
+            <a:r>
+              <a:rPr lang="de-DE" dirty="0" err="1"/>
+              <a:t>storing</a:t>
+            </a:r>
+            <a:r>
+              <a:rPr lang="de-DE" dirty="0"/>
+              <a:t> </a:t>
+            </a:r>
+            <a:r>
+              <a:rPr lang="de-DE" dirty="0" err="1"/>
+              <a:t>this</a:t>
+            </a:r>
+            <a:r>
+              <a:rPr lang="de-DE" dirty="0"/>
+              <a:t> </a:t>
+            </a:r>
+            <a:r>
+              <a:rPr lang="de-DE" dirty="0" err="1"/>
+              <a:t>data</a:t>
+            </a:r>
+            <a:r>
+              <a:rPr lang="de-DE" dirty="0"/>
+              <a:t> </a:t>
+            </a:r>
+            <a:r>
+              <a:rPr lang="de-DE" dirty="0" err="1"/>
+              <a:t>have</a:t>
+            </a:r>
+            <a:r>
+              <a:rPr lang="de-DE" dirty="0"/>
+              <a:t> </a:t>
+            </a:r>
+            <a:r>
+              <a:rPr lang="de-DE" dirty="0" err="1"/>
+              <a:t>emerged</a:t>
+            </a:r>
+            <a:endParaRPr lang="de-DE" dirty="0"/>
+          </a:p>
+          <a:p>
+            <a:pPr marL="285750" indent="-285750">
+              <a:buFontTx/>
+              <a:buChar char="-"/>
+            </a:pPr>
+            <a:endParaRPr lang="de-DE" dirty="0"/>
+          </a:p>
+          <a:p>
+            <a:pPr marL="285750" indent="-285750">
+              <a:buFont typeface="Arial" panose="020B0604020202020204" pitchFamily="34" charset="0"/>
+              <a:buChar char="•"/>
+            </a:pPr>
+            <a:r>
+              <a:rPr lang="de-DE" dirty="0" err="1"/>
+              <a:t>Almost</a:t>
+            </a:r>
+            <a:r>
+              <a:rPr lang="de-DE" dirty="0"/>
+              <a:t> all </a:t>
+            </a:r>
+            <a:r>
+              <a:rPr lang="de-DE" dirty="0" err="1"/>
+              <a:t>streaming</a:t>
+            </a:r>
+            <a:r>
+              <a:rPr lang="de-DE" dirty="0"/>
+              <a:t> </a:t>
+            </a:r>
+            <a:r>
+              <a:rPr lang="de-DE" dirty="0" err="1"/>
+              <a:t>data</a:t>
+            </a:r>
+            <a:r>
+              <a:rPr lang="de-DE" dirty="0"/>
+              <a:t>, </a:t>
+            </a:r>
+            <a:r>
+              <a:rPr lang="de-DE" dirty="0" err="1"/>
+              <a:t>particulary</a:t>
+            </a:r>
+            <a:r>
+              <a:rPr lang="de-DE" dirty="0"/>
+              <a:t> IoT </a:t>
+            </a:r>
+            <a:r>
+              <a:rPr lang="de-DE" dirty="0" err="1"/>
+              <a:t>data</a:t>
+            </a:r>
+            <a:r>
+              <a:rPr lang="de-DE" dirty="0"/>
+              <a:t> and </a:t>
+            </a:r>
+            <a:r>
+              <a:rPr lang="de-DE" dirty="0" err="1"/>
+              <a:t>application</a:t>
+            </a:r>
+            <a:r>
+              <a:rPr lang="de-DE" dirty="0"/>
+              <a:t> </a:t>
+            </a:r>
+            <a:r>
+              <a:rPr lang="de-DE" dirty="0" err="1"/>
+              <a:t>monitoring</a:t>
+            </a:r>
+            <a:r>
+              <a:rPr lang="de-DE" dirty="0"/>
+              <a:t>, </a:t>
+            </a:r>
+            <a:r>
+              <a:rPr lang="de-DE" dirty="0" err="1"/>
+              <a:t>have</a:t>
+            </a:r>
+            <a:r>
+              <a:rPr lang="de-DE" dirty="0"/>
+              <a:t> a </a:t>
+            </a:r>
+            <a:r>
+              <a:rPr lang="de-DE" dirty="0" err="1"/>
+              <a:t>timestamp</a:t>
+            </a:r>
+            <a:endParaRPr lang="de-DE" dirty="0"/>
+          </a:p>
+          <a:p>
+            <a:pPr marL="466725" lvl="1" indent="-285750">
+              <a:buFont typeface="Wingdings" pitchFamily="2" charset="2"/>
+              <a:buChar char="Ø"/>
+            </a:pPr>
+            <a:r>
+              <a:rPr lang="de-DE" dirty="0" err="1"/>
+              <a:t>thus</a:t>
+            </a:r>
+            <a:r>
+              <a:rPr lang="de-DE" dirty="0"/>
+              <a:t> </a:t>
+            </a:r>
+            <a:r>
+              <a:rPr lang="de-DE" dirty="0" err="1"/>
+              <a:t>is</a:t>
+            </a:r>
+            <a:r>
+              <a:rPr lang="de-DE" dirty="0"/>
+              <a:t> time </a:t>
+            </a:r>
+            <a:r>
+              <a:rPr lang="de-DE" dirty="0" err="1"/>
+              <a:t>series</a:t>
+            </a:r>
+            <a:r>
+              <a:rPr lang="de-DE" dirty="0"/>
+              <a:t> </a:t>
+            </a:r>
+            <a:r>
+              <a:rPr lang="de-DE" dirty="0" err="1"/>
+              <a:t>data</a:t>
+            </a:r>
+            <a:endParaRPr lang="de-DE" dirty="0"/>
+          </a:p>
+          <a:p>
+            <a:pPr marL="285750" indent="-285750">
+              <a:buFontTx/>
+              <a:buChar char="-"/>
+            </a:pPr>
+            <a:endParaRPr lang="de-DE" dirty="0"/>
+          </a:p>
+          <a:p>
+            <a:pPr marL="285750" indent="-285750">
+              <a:buFont typeface="Arial" panose="020B0604020202020204" pitchFamily="34" charset="0"/>
+              <a:buChar char="•"/>
+            </a:pPr>
+            <a:r>
+              <a:rPr lang="de-DE" dirty="0"/>
+              <a:t>This </a:t>
+            </a:r>
+            <a:r>
+              <a:rPr lang="de-DE" dirty="0" err="1"/>
+              <a:t>projects</a:t>
+            </a:r>
+            <a:r>
+              <a:rPr lang="de-DE" dirty="0"/>
+              <a:t> </a:t>
+            </a:r>
+            <a:r>
+              <a:rPr lang="de-DE" dirty="0" err="1"/>
+              <a:t>goes</a:t>
+            </a:r>
+            <a:r>
+              <a:rPr lang="de-DE" dirty="0"/>
+              <a:t> on </a:t>
+            </a:r>
+            <a:r>
+              <a:rPr lang="de-DE" dirty="0" err="1"/>
+              <a:t>to</a:t>
+            </a:r>
+            <a:r>
+              <a:rPr lang="de-DE" dirty="0"/>
+              <a:t> </a:t>
+            </a:r>
+            <a:r>
+              <a:rPr lang="de-DE" dirty="0" err="1"/>
+              <a:t>demonstrate</a:t>
+            </a:r>
+            <a:r>
+              <a:rPr lang="de-DE" dirty="0"/>
+              <a:t> </a:t>
+            </a:r>
+            <a:r>
+              <a:rPr lang="de-DE" dirty="0" err="1"/>
+              <a:t>how</a:t>
+            </a:r>
+            <a:r>
+              <a:rPr lang="de-DE" dirty="0"/>
+              <a:t> time </a:t>
+            </a:r>
+            <a:r>
+              <a:rPr lang="de-DE" dirty="0" err="1"/>
+              <a:t>series</a:t>
+            </a:r>
+            <a:r>
+              <a:rPr lang="de-DE" dirty="0"/>
+              <a:t> </a:t>
+            </a:r>
+            <a:r>
+              <a:rPr lang="de-DE" dirty="0" err="1"/>
+              <a:t>databases</a:t>
+            </a:r>
+            <a:r>
+              <a:rPr lang="de-DE" dirty="0"/>
+              <a:t> </a:t>
+            </a:r>
+            <a:r>
+              <a:rPr lang="de-DE" dirty="0" err="1"/>
+              <a:t>can</a:t>
+            </a:r>
+            <a:r>
+              <a:rPr lang="de-DE" dirty="0"/>
+              <a:t> </a:t>
+            </a:r>
+            <a:r>
+              <a:rPr lang="de-DE" dirty="0" err="1"/>
+              <a:t>be</a:t>
+            </a:r>
+            <a:r>
+              <a:rPr lang="de-DE" dirty="0"/>
+              <a:t> </a:t>
+            </a:r>
+            <a:r>
+              <a:rPr lang="de-DE" dirty="0" err="1"/>
+              <a:t>used</a:t>
+            </a:r>
+            <a:r>
+              <a:rPr lang="de-DE" dirty="0"/>
+              <a:t> in </a:t>
+            </a:r>
+            <a:r>
+              <a:rPr lang="de-DE" dirty="0" err="1"/>
+              <a:t>terms</a:t>
+            </a:r>
+            <a:r>
+              <a:rPr lang="de-DE" dirty="0"/>
+              <a:t> </a:t>
+            </a:r>
+            <a:r>
+              <a:rPr lang="de-DE" dirty="0" err="1"/>
+              <a:t>of</a:t>
+            </a:r>
+            <a:r>
+              <a:rPr lang="de-DE" dirty="0"/>
+              <a:t>:</a:t>
+            </a:r>
+          </a:p>
+          <a:p>
+            <a:pPr marL="466725" lvl="1" indent="-285750">
+              <a:buFont typeface="Wingdings" pitchFamily="2" charset="2"/>
+              <a:buChar char="§"/>
+            </a:pPr>
+            <a:r>
+              <a:rPr lang="de-DE" dirty="0" err="1"/>
+              <a:t>Differences</a:t>
+            </a:r>
+            <a:r>
+              <a:rPr lang="de-DE" dirty="0"/>
+              <a:t> </a:t>
+            </a:r>
+            <a:r>
+              <a:rPr lang="de-DE" dirty="0" err="1"/>
+              <a:t>to</a:t>
+            </a:r>
+            <a:r>
+              <a:rPr lang="de-DE" dirty="0"/>
+              <a:t> </a:t>
+            </a:r>
+            <a:r>
+              <a:rPr lang="de-DE" dirty="0" err="1"/>
+              <a:t>to</a:t>
+            </a:r>
+            <a:r>
+              <a:rPr lang="de-DE" dirty="0"/>
+              <a:t> traditional relational </a:t>
+            </a:r>
+            <a:r>
+              <a:rPr lang="de-DE" dirty="0" err="1"/>
+              <a:t>databases</a:t>
+            </a:r>
+            <a:endParaRPr lang="de-DE" dirty="0"/>
+          </a:p>
+          <a:p>
+            <a:pPr marL="466725" lvl="1" indent="-285750">
+              <a:buFont typeface="Wingdings" pitchFamily="2" charset="2"/>
+              <a:buChar char="§"/>
+            </a:pPr>
+            <a:r>
+              <a:rPr lang="de-DE" dirty="0" err="1"/>
+              <a:t>Why</a:t>
+            </a:r>
+            <a:r>
+              <a:rPr lang="de-DE" dirty="0"/>
+              <a:t> time </a:t>
+            </a:r>
+            <a:r>
+              <a:rPr lang="de-DE" dirty="0" err="1"/>
+              <a:t>series</a:t>
+            </a:r>
+            <a:r>
+              <a:rPr lang="de-DE" dirty="0"/>
+              <a:t> </a:t>
+            </a:r>
+            <a:r>
+              <a:rPr lang="de-DE" dirty="0" err="1"/>
+              <a:t>databases</a:t>
+            </a:r>
+            <a:r>
+              <a:rPr lang="de-DE" dirty="0"/>
+              <a:t> </a:t>
+            </a:r>
+            <a:r>
+              <a:rPr lang="de-DE" dirty="0" err="1"/>
+              <a:t>are</a:t>
+            </a:r>
+            <a:r>
+              <a:rPr lang="de-DE" dirty="0"/>
+              <a:t> </a:t>
+            </a:r>
+            <a:r>
+              <a:rPr lang="de-DE" dirty="0" err="1"/>
+              <a:t>used</a:t>
+            </a:r>
+            <a:endParaRPr lang="de-DE" dirty="0"/>
+          </a:p>
+          <a:p>
+            <a:pPr marL="466725" lvl="1" indent="-285750">
+              <a:buFont typeface="Wingdings" pitchFamily="2" charset="2"/>
+              <a:buChar char="§"/>
+            </a:pPr>
+            <a:r>
+              <a:rPr lang="de-DE" dirty="0" err="1"/>
+              <a:t>How</a:t>
+            </a:r>
+            <a:r>
+              <a:rPr lang="de-DE" dirty="0"/>
+              <a:t> </a:t>
+            </a:r>
+            <a:r>
+              <a:rPr lang="de-DE" dirty="0" err="1"/>
+              <a:t>to</a:t>
+            </a:r>
+            <a:r>
+              <a:rPr lang="de-DE" dirty="0"/>
+              <a:t> </a:t>
+            </a:r>
+            <a:r>
+              <a:rPr lang="de-DE" dirty="0" err="1"/>
+              <a:t>build</a:t>
+            </a:r>
+            <a:r>
+              <a:rPr lang="de-DE" dirty="0"/>
+              <a:t> a </a:t>
+            </a:r>
+            <a:r>
+              <a:rPr lang="de-DE" dirty="0" err="1"/>
+              <a:t>project</a:t>
+            </a:r>
+            <a:r>
+              <a:rPr lang="de-DE" dirty="0"/>
+              <a:t> on top </a:t>
+            </a:r>
+            <a:r>
+              <a:rPr lang="de-DE" dirty="0" err="1"/>
+              <a:t>of</a:t>
+            </a:r>
+            <a:r>
+              <a:rPr lang="de-DE" dirty="0"/>
+              <a:t> </a:t>
+            </a:r>
+            <a:r>
+              <a:rPr lang="de-DE" dirty="0" err="1"/>
+              <a:t>them</a:t>
+            </a:r>
+            <a:endParaRPr lang="de-DE" dirty="0"/>
+          </a:p>
+          <a:p>
+            <a:pPr marL="466725" lvl="1" indent="-285750">
+              <a:buFont typeface="Wingdings" pitchFamily="2" charset="2"/>
+              <a:buChar char="§"/>
+            </a:pPr>
+            <a:endParaRPr lang="de-DE" dirty="0"/>
+          </a:p>
+          <a:p>
+            <a:pPr marL="285750" indent="-285750">
+              <a:buFont typeface="Arial" panose="020B0604020202020204" pitchFamily="34" charset="0"/>
+              <a:buChar char="•"/>
+            </a:pPr>
+            <a:r>
+              <a:rPr lang="de-DE" dirty="0"/>
+              <a:t>The </a:t>
+            </a:r>
+            <a:r>
+              <a:rPr lang="de-DE" dirty="0" err="1"/>
+              <a:t>project</a:t>
+            </a:r>
+            <a:r>
+              <a:rPr lang="de-DE" dirty="0"/>
+              <a:t>:</a:t>
+            </a:r>
+          </a:p>
+          <a:p>
+            <a:pPr marL="466725" lvl="1" indent="-285750">
+              <a:buFont typeface="Wingdings" pitchFamily="2" charset="2"/>
+              <a:buChar char="§"/>
+            </a:pPr>
+            <a:r>
+              <a:rPr lang="de-DE" dirty="0" err="1"/>
+              <a:t>Storing</a:t>
+            </a:r>
+            <a:r>
+              <a:rPr lang="de-DE" dirty="0"/>
+              <a:t> </a:t>
+            </a:r>
+            <a:r>
+              <a:rPr lang="de-DE" dirty="0" err="1"/>
+              <a:t>data</a:t>
+            </a:r>
+            <a:r>
+              <a:rPr lang="de-DE" dirty="0"/>
+              <a:t> in </a:t>
+            </a:r>
+            <a:r>
+              <a:rPr lang="de-DE" dirty="0" err="1"/>
+              <a:t>InfluxDB</a:t>
+            </a:r>
+            <a:endParaRPr lang="de-DE" dirty="0"/>
+          </a:p>
+          <a:p>
+            <a:pPr marL="466725" lvl="1" indent="-285750">
+              <a:buFont typeface="Wingdings" pitchFamily="2" charset="2"/>
+              <a:buChar char="§"/>
+            </a:pPr>
+            <a:r>
+              <a:rPr lang="de-DE" dirty="0" err="1"/>
+              <a:t>Visualizing</a:t>
+            </a:r>
+            <a:r>
+              <a:rPr lang="de-DE" dirty="0"/>
+              <a:t> and </a:t>
+            </a:r>
+            <a:r>
+              <a:rPr lang="de-DE" dirty="0" err="1"/>
+              <a:t>classifying</a:t>
+            </a:r>
+            <a:r>
+              <a:rPr lang="de-DE" dirty="0"/>
+              <a:t> </a:t>
+            </a:r>
+            <a:r>
+              <a:rPr lang="de-DE" dirty="0" err="1"/>
+              <a:t>the</a:t>
+            </a:r>
+            <a:r>
+              <a:rPr lang="de-DE" dirty="0"/>
+              <a:t> </a:t>
+            </a:r>
+            <a:r>
+              <a:rPr lang="de-DE" dirty="0" err="1"/>
+              <a:t>data</a:t>
+            </a:r>
+            <a:endParaRPr lang="de-DE" dirty="0"/>
+          </a:p>
+          <a:p>
+            <a:pPr marL="466725" lvl="1" indent="-285750">
+              <a:buFont typeface="Wingdings" pitchFamily="2" charset="2"/>
+              <a:buChar char="§"/>
+            </a:pPr>
+            <a:r>
+              <a:rPr lang="de-DE" dirty="0"/>
+              <a:t>Python, </a:t>
+            </a:r>
+            <a:r>
+              <a:rPr lang="de-DE" dirty="0" err="1"/>
+              <a:t>Grafana</a:t>
+            </a:r>
+            <a:r>
+              <a:rPr lang="de-DE" dirty="0"/>
+              <a:t>, InfluxDB2, Naive Bayes</a:t>
+            </a:r>
+          </a:p>
+          <a:p>
+            <a:endParaRPr lang="de-DE" dirty="0"/>
+          </a:p>
+          <a:p>
+            <a:pPr marL="466725" lvl="1" indent="-285750">
+              <a:buFont typeface="Wingdings" pitchFamily="2" charset="2"/>
+              <a:buChar char="§"/>
+            </a:pPr>
+            <a:endParaRPr lang="de-DE" dirty="0"/>
+          </a:p>
+          <a:p>
+            <a:pPr marL="466725" lvl="1" indent="-285750">
+              <a:buFontTx/>
+              <a:buChar char="-"/>
+            </a:pPr>
+            <a:endParaRPr lang="de-DE" dirty="0"/>
+          </a:p>
+          <a:p>
+            <a:pPr marL="466725" lvl="1" indent="-285750">
+              <a:buFontTx/>
+              <a:buChar char="-"/>
+            </a:pPr>
+            <a:endParaRPr lang="de-DE" dirty="0"/>
+          </a:p>
+          <a:p>
+            <a:pPr marL="466725" lvl="1" indent="-285750">
+              <a:buFontTx/>
+              <a:buChar char="-"/>
+            </a:pPr>
+            <a:endParaRPr lang="de-DE" dirty="0"/>
+          </a:p>
+          <a:p>
+            <a:endParaRPr lang="de-DE" dirty="0"/>
+          </a:p>
+        </p:txBody>
+      </p:sp>
+    </p:spTree>
+    <p:extLst>
+      <p:ext uri="{BB962C8B-B14F-4D97-AF65-F5344CB8AC3E}">
+        <p14:creationId xmlns:p14="http://schemas.microsoft.com/office/powerpoint/2010/main" val="1786495955"/>
+      </p:ext>
+    </p:extLst>
+  </p:cSld>
+  <p:clrMapOvr>
+    <a:masterClrMapping/>
+  </p:clrMapOvr>
+</p:sld>
+</file>
+
+<file path=ppt/slides/slide40.xml><?xml version="1.0" encoding="utf-8"?>
 <p:sld xmlns:a="http://schemas.openxmlformats.org/drawingml/2006/main" xmlns:r="http://schemas.openxmlformats.org/officeDocument/2006/relationships" xmlns:p="http://schemas.openxmlformats.org/presentationml/2006/main">
   <p:cSld>
     <p:spTree>
@@ -24398,7 +27522,7 @@
             <a:fld id="{58444F55-0981-4E9E-8F6B-2F7546EE58D7}" type="slidenum">
               <a:rPr lang="de-DE" smtClean="0"/>
               <a:pPr/>
-              <a:t>33</a:t>
+              <a:t>40</a:t>
             </a:fld>
             <a:endParaRPr lang="de-DE" dirty="0"/>
           </a:p>
@@ -24605,7 +27729,7 @@
 </p:sld>
 </file>
 
-<file path=ppt/slides/slide34.xml><?xml version="1.0" encoding="utf-8"?>
+<file path=ppt/slides/slide41.xml><?xml version="1.0" encoding="utf-8"?>
 <p:sld xmlns:a="http://schemas.openxmlformats.org/drawingml/2006/main" xmlns:r="http://schemas.openxmlformats.org/officeDocument/2006/relationships" xmlns:p="http://schemas.openxmlformats.org/presentationml/2006/main">
   <p:cSld>
     <p:spTree>
@@ -24767,7 +27891,7 @@
             <a:fld id="{58444F55-0981-4E9E-8F6B-2F7546EE58D7}" type="slidenum">
               <a:rPr lang="de-DE" smtClean="0"/>
               <a:pPr/>
-              <a:t>34</a:t>
+              <a:t>41</a:t>
             </a:fld>
             <a:endParaRPr lang="de-DE" dirty="0"/>
           </a:p>
@@ -25192,800 +28316,6 @@
     <p:extLst>
       <p:ext uri="{BB962C8B-B14F-4D97-AF65-F5344CB8AC3E}">
         <p14:creationId xmlns:p14="http://schemas.microsoft.com/office/powerpoint/2010/main" val="1741001442"/>
-      </p:ext>
-    </p:extLst>
-  </p:cSld>
-  <p:clrMapOvr>
-    <a:masterClrMapping/>
-  </p:clrMapOvr>
-</p:sld>
-</file>
-
-<file path=ppt/slides/slide4.xml><?xml version="1.0" encoding="utf-8"?>
-<p:sld xmlns:a="http://schemas.openxmlformats.org/drawingml/2006/main" xmlns:r="http://schemas.openxmlformats.org/officeDocument/2006/relationships" xmlns:p="http://schemas.openxmlformats.org/presentationml/2006/main">
-  <p:cSld>
-    <p:spTree>
-      <p:nvGrpSpPr>
-        <p:cNvPr id="1" name=""/>
-        <p:cNvGrpSpPr/>
-        <p:nvPr/>
-      </p:nvGrpSpPr>
-      <p:grpSpPr>
-        <a:xfrm>
-          <a:off x="0" y="0"/>
-          <a:ext cx="0" cy="0"/>
-          <a:chOff x="0" y="0"/>
-          <a:chExt cx="0" cy="0"/>
-        </a:xfrm>
-      </p:grpSpPr>
-      <p:sp>
-        <p:nvSpPr>
-          <p:cNvPr id="3" name="Datumsplatzhalter 2"/>
-          <p:cNvSpPr>
-            <a:spLocks noGrp="1"/>
-          </p:cNvSpPr>
-          <p:nvPr>
-            <p:ph type="dt" sz="half" idx="10"/>
-          </p:nvPr>
-        </p:nvSpPr>
-        <p:spPr/>
-        <p:txBody>
-          <a:bodyPr/>
-          <a:lstStyle/>
-          <a:p>
-            <a:fld id="{D7EBB97D-9926-4A8D-8C1C-1E5C83B83A11}" type="datetime1">
-              <a:rPr lang="de-DE" smtClean="0"/>
-              <a:t>17.07.22</a:t>
-            </a:fld>
-            <a:endParaRPr lang="de-DE" dirty="0"/>
-          </a:p>
-        </p:txBody>
-      </p:sp>
-      <p:sp>
-        <p:nvSpPr>
-          <p:cNvPr id="4" name="Fußzeilenplatzhalter 3"/>
-          <p:cNvSpPr>
-            <a:spLocks noGrp="1"/>
-          </p:cNvSpPr>
-          <p:nvPr>
-            <p:ph type="ftr" sz="quarter" idx="11"/>
-          </p:nvPr>
-        </p:nvSpPr>
-        <p:spPr/>
-        <p:txBody>
-          <a:bodyPr/>
-          <a:lstStyle/>
-          <a:p>
-            <a:r>
-              <a:rPr lang="de-DE" dirty="0"/>
-              <a:t>Big Data &amp; </a:t>
-            </a:r>
-            <a:r>
-              <a:rPr lang="de-DE" dirty="0" err="1"/>
-              <a:t>Machine</a:t>
-            </a:r>
-            <a:r>
-              <a:rPr lang="de-DE" dirty="0"/>
-              <a:t> Learning – Final </a:t>
-            </a:r>
-            <a:r>
-              <a:rPr lang="de-DE" dirty="0" err="1"/>
-              <a:t>Presentation</a:t>
-            </a:r>
-            <a:r>
-              <a:rPr lang="de-DE" dirty="0"/>
-              <a:t>, Philipp Moritzer</a:t>
-            </a:r>
-          </a:p>
-        </p:txBody>
-      </p:sp>
-      <p:sp>
-        <p:nvSpPr>
-          <p:cNvPr id="12" name="Foliennummernplatzhalter 11"/>
-          <p:cNvSpPr>
-            <a:spLocks noGrp="1"/>
-          </p:cNvSpPr>
-          <p:nvPr>
-            <p:ph type="sldNum" sz="quarter" idx="12"/>
-          </p:nvPr>
-        </p:nvSpPr>
-        <p:spPr/>
-        <p:txBody>
-          <a:bodyPr/>
-          <a:lstStyle/>
-          <a:p>
-            <a:fld id="{58444F55-0981-4E9E-8F6B-2F7546EE58D7}" type="slidenum">
-              <a:rPr lang="de-DE" smtClean="0"/>
-              <a:pPr/>
-              <a:t>4</a:t>
-            </a:fld>
-            <a:endParaRPr lang="de-DE" dirty="0"/>
-          </a:p>
-        </p:txBody>
-      </p:sp>
-      <p:sp>
-        <p:nvSpPr>
-          <p:cNvPr id="2" name="Titel 1"/>
-          <p:cNvSpPr>
-            <a:spLocks noGrp="1"/>
-          </p:cNvSpPr>
-          <p:nvPr>
-            <p:ph type="title"/>
-          </p:nvPr>
-        </p:nvSpPr>
-        <p:spPr/>
-        <p:txBody>
-          <a:bodyPr/>
-          <a:lstStyle/>
-          <a:p>
-            <a:r>
-              <a:rPr lang="de-DE" dirty="0" err="1"/>
-              <a:t>Introduction</a:t>
-            </a:r>
-            <a:endParaRPr lang="de-DE" dirty="0"/>
-          </a:p>
-        </p:txBody>
-      </p:sp>
-      <p:sp>
-        <p:nvSpPr>
-          <p:cNvPr id="6" name="Inhaltsplatzhalter 5"/>
-          <p:cNvSpPr>
-            <a:spLocks noGrp="1"/>
-          </p:cNvSpPr>
-          <p:nvPr>
-            <p:ph sz="quarter" idx="13"/>
-          </p:nvPr>
-        </p:nvSpPr>
-        <p:spPr/>
-        <p:txBody>
-          <a:bodyPr/>
-          <a:lstStyle/>
-          <a:p>
-            <a:pPr marL="285750" indent="-285750">
-              <a:buFont typeface="Arial" panose="020B0604020202020204" pitchFamily="34" charset="0"/>
-              <a:buChar char="•"/>
-            </a:pPr>
-            <a:r>
-              <a:rPr lang="de-DE" dirty="0"/>
-              <a:t>Big </a:t>
-            </a:r>
-            <a:r>
-              <a:rPr lang="de-DE" dirty="0" err="1"/>
-              <a:t>data</a:t>
-            </a:r>
-            <a:r>
-              <a:rPr lang="de-DE" dirty="0"/>
-              <a:t>, IoT, real-time </a:t>
-            </a:r>
-            <a:r>
-              <a:rPr lang="de-DE" dirty="0" err="1"/>
-              <a:t>analytics</a:t>
-            </a:r>
-            <a:r>
-              <a:rPr lang="de-DE" dirty="0"/>
-              <a:t> </a:t>
-            </a:r>
-            <a:r>
-              <a:rPr lang="de-DE" dirty="0" err="1"/>
-              <a:t>are</a:t>
-            </a:r>
-            <a:r>
-              <a:rPr lang="de-DE" dirty="0"/>
-              <a:t> </a:t>
-            </a:r>
-            <a:r>
-              <a:rPr lang="de-DE" dirty="0" err="1"/>
-              <a:t>new</a:t>
-            </a:r>
-            <a:r>
-              <a:rPr lang="de-DE" dirty="0"/>
-              <a:t> </a:t>
-            </a:r>
-            <a:r>
-              <a:rPr lang="de-DE" dirty="0" err="1"/>
-              <a:t>types</a:t>
-            </a:r>
-            <a:r>
-              <a:rPr lang="de-DE" dirty="0"/>
-              <a:t> </a:t>
-            </a:r>
-            <a:r>
-              <a:rPr lang="de-DE" dirty="0" err="1"/>
-              <a:t>of</a:t>
-            </a:r>
-            <a:r>
-              <a:rPr lang="de-DE" dirty="0"/>
-              <a:t> </a:t>
-            </a:r>
-            <a:r>
-              <a:rPr lang="de-DE" dirty="0" err="1"/>
-              <a:t>data</a:t>
-            </a:r>
-            <a:endParaRPr lang="de-DE" dirty="0"/>
-          </a:p>
-          <a:p>
-            <a:pPr marL="466725" lvl="1" indent="-285750">
-              <a:buFont typeface="Wingdings" pitchFamily="2" charset="2"/>
-              <a:buChar char="Ø"/>
-            </a:pPr>
-            <a:r>
-              <a:rPr lang="de-DE" dirty="0"/>
-              <a:t>As a </a:t>
-            </a:r>
-            <a:r>
-              <a:rPr lang="de-DE" dirty="0" err="1"/>
-              <a:t>result</a:t>
-            </a:r>
-            <a:r>
-              <a:rPr lang="de-DE" dirty="0"/>
-              <a:t>, </a:t>
-            </a:r>
-            <a:r>
-              <a:rPr lang="de-DE" dirty="0" err="1"/>
-              <a:t>new</a:t>
-            </a:r>
-            <a:r>
-              <a:rPr lang="de-DE" dirty="0"/>
-              <a:t> </a:t>
-            </a:r>
-            <a:r>
-              <a:rPr lang="de-DE" dirty="0" err="1"/>
-              <a:t>methods</a:t>
-            </a:r>
-            <a:r>
-              <a:rPr lang="de-DE" dirty="0"/>
-              <a:t> </a:t>
-            </a:r>
-            <a:r>
-              <a:rPr lang="de-DE" dirty="0" err="1"/>
-              <a:t>of</a:t>
-            </a:r>
-            <a:r>
-              <a:rPr lang="de-DE" dirty="0"/>
-              <a:t> </a:t>
-            </a:r>
-            <a:r>
-              <a:rPr lang="de-DE" dirty="0" err="1"/>
-              <a:t>storing</a:t>
-            </a:r>
-            <a:r>
-              <a:rPr lang="de-DE" dirty="0"/>
-              <a:t> </a:t>
-            </a:r>
-            <a:r>
-              <a:rPr lang="de-DE" dirty="0" err="1"/>
-              <a:t>this</a:t>
-            </a:r>
-            <a:r>
-              <a:rPr lang="de-DE" dirty="0"/>
-              <a:t> </a:t>
-            </a:r>
-            <a:r>
-              <a:rPr lang="de-DE" dirty="0" err="1"/>
-              <a:t>data</a:t>
-            </a:r>
-            <a:r>
-              <a:rPr lang="de-DE" dirty="0"/>
-              <a:t> </a:t>
-            </a:r>
-            <a:r>
-              <a:rPr lang="de-DE" dirty="0" err="1"/>
-              <a:t>have</a:t>
-            </a:r>
-            <a:r>
-              <a:rPr lang="de-DE" dirty="0"/>
-              <a:t> </a:t>
-            </a:r>
-            <a:r>
-              <a:rPr lang="de-DE" dirty="0" err="1"/>
-              <a:t>emerged</a:t>
-            </a:r>
-            <a:endParaRPr lang="de-DE" dirty="0"/>
-          </a:p>
-          <a:p>
-            <a:pPr marL="285750" indent="-285750">
-              <a:buFontTx/>
-              <a:buChar char="-"/>
-            </a:pPr>
-            <a:endParaRPr lang="de-DE" dirty="0"/>
-          </a:p>
-          <a:p>
-            <a:pPr marL="285750" indent="-285750">
-              <a:buFont typeface="Arial" panose="020B0604020202020204" pitchFamily="34" charset="0"/>
-              <a:buChar char="•"/>
-            </a:pPr>
-            <a:r>
-              <a:rPr lang="de-DE" dirty="0" err="1"/>
-              <a:t>Almost</a:t>
-            </a:r>
-            <a:r>
-              <a:rPr lang="de-DE" dirty="0"/>
-              <a:t> all </a:t>
-            </a:r>
-            <a:r>
-              <a:rPr lang="de-DE" dirty="0" err="1"/>
-              <a:t>streaming</a:t>
-            </a:r>
-            <a:r>
-              <a:rPr lang="de-DE" dirty="0"/>
-              <a:t> </a:t>
-            </a:r>
-            <a:r>
-              <a:rPr lang="de-DE" dirty="0" err="1"/>
-              <a:t>data</a:t>
-            </a:r>
-            <a:r>
-              <a:rPr lang="de-DE" dirty="0"/>
-              <a:t>, </a:t>
-            </a:r>
-            <a:r>
-              <a:rPr lang="de-DE" dirty="0" err="1"/>
-              <a:t>particulary</a:t>
-            </a:r>
-            <a:r>
-              <a:rPr lang="de-DE" dirty="0"/>
-              <a:t> IoT </a:t>
-            </a:r>
-            <a:r>
-              <a:rPr lang="de-DE" dirty="0" err="1"/>
-              <a:t>data</a:t>
-            </a:r>
-            <a:r>
-              <a:rPr lang="de-DE" dirty="0"/>
-              <a:t> and </a:t>
-            </a:r>
-            <a:r>
-              <a:rPr lang="de-DE" dirty="0" err="1"/>
-              <a:t>application</a:t>
-            </a:r>
-            <a:r>
-              <a:rPr lang="de-DE" dirty="0"/>
-              <a:t> </a:t>
-            </a:r>
-            <a:r>
-              <a:rPr lang="de-DE" dirty="0" err="1"/>
-              <a:t>monitoring</a:t>
-            </a:r>
-            <a:r>
-              <a:rPr lang="de-DE" dirty="0"/>
-              <a:t>, </a:t>
-            </a:r>
-            <a:r>
-              <a:rPr lang="de-DE" dirty="0" err="1"/>
-              <a:t>have</a:t>
-            </a:r>
-            <a:r>
-              <a:rPr lang="de-DE" dirty="0"/>
-              <a:t> a </a:t>
-            </a:r>
-            <a:r>
-              <a:rPr lang="de-DE" dirty="0" err="1"/>
-              <a:t>timestamp</a:t>
-            </a:r>
-            <a:endParaRPr lang="de-DE" dirty="0"/>
-          </a:p>
-          <a:p>
-            <a:pPr marL="466725" lvl="1" indent="-285750">
-              <a:buFont typeface="Wingdings" pitchFamily="2" charset="2"/>
-              <a:buChar char="Ø"/>
-            </a:pPr>
-            <a:r>
-              <a:rPr lang="de-DE" dirty="0" err="1"/>
-              <a:t>thus</a:t>
-            </a:r>
-            <a:r>
-              <a:rPr lang="de-DE" dirty="0"/>
-              <a:t> </a:t>
-            </a:r>
-            <a:r>
-              <a:rPr lang="de-DE" dirty="0" err="1"/>
-              <a:t>is</a:t>
-            </a:r>
-            <a:r>
-              <a:rPr lang="de-DE" dirty="0"/>
-              <a:t> time </a:t>
-            </a:r>
-            <a:r>
-              <a:rPr lang="de-DE" dirty="0" err="1"/>
-              <a:t>series</a:t>
-            </a:r>
-            <a:r>
-              <a:rPr lang="de-DE" dirty="0"/>
-              <a:t> </a:t>
-            </a:r>
-            <a:r>
-              <a:rPr lang="de-DE" dirty="0" err="1"/>
-              <a:t>data</a:t>
-            </a:r>
-            <a:endParaRPr lang="de-DE" dirty="0"/>
-          </a:p>
-          <a:p>
-            <a:pPr marL="285750" indent="-285750">
-              <a:buFontTx/>
-              <a:buChar char="-"/>
-            </a:pPr>
-            <a:endParaRPr lang="de-DE" dirty="0"/>
-          </a:p>
-          <a:p>
-            <a:pPr marL="285750" indent="-285750">
-              <a:buFont typeface="Arial" panose="020B0604020202020204" pitchFamily="34" charset="0"/>
-              <a:buChar char="•"/>
-            </a:pPr>
-            <a:r>
-              <a:rPr lang="de-DE" dirty="0"/>
-              <a:t>This </a:t>
-            </a:r>
-            <a:r>
-              <a:rPr lang="de-DE" dirty="0" err="1"/>
-              <a:t>projects</a:t>
-            </a:r>
-            <a:r>
-              <a:rPr lang="de-DE" dirty="0"/>
-              <a:t> </a:t>
-            </a:r>
-            <a:r>
-              <a:rPr lang="de-DE" dirty="0" err="1"/>
-              <a:t>goes</a:t>
-            </a:r>
-            <a:r>
-              <a:rPr lang="de-DE" dirty="0"/>
-              <a:t> on </a:t>
-            </a:r>
-            <a:r>
-              <a:rPr lang="de-DE" dirty="0" err="1"/>
-              <a:t>to</a:t>
-            </a:r>
-            <a:r>
-              <a:rPr lang="de-DE" dirty="0"/>
-              <a:t> </a:t>
-            </a:r>
-            <a:r>
-              <a:rPr lang="de-DE" dirty="0" err="1"/>
-              <a:t>demonstrate</a:t>
-            </a:r>
-            <a:r>
-              <a:rPr lang="de-DE" dirty="0"/>
-              <a:t> </a:t>
-            </a:r>
-            <a:r>
-              <a:rPr lang="de-DE" dirty="0" err="1"/>
-              <a:t>how</a:t>
-            </a:r>
-            <a:r>
-              <a:rPr lang="de-DE" dirty="0"/>
-              <a:t> time </a:t>
-            </a:r>
-            <a:r>
-              <a:rPr lang="de-DE" dirty="0" err="1"/>
-              <a:t>series</a:t>
-            </a:r>
-            <a:r>
-              <a:rPr lang="de-DE" dirty="0"/>
-              <a:t> </a:t>
-            </a:r>
-            <a:r>
-              <a:rPr lang="de-DE" dirty="0" err="1"/>
-              <a:t>databases</a:t>
-            </a:r>
-            <a:r>
-              <a:rPr lang="de-DE" dirty="0"/>
-              <a:t> </a:t>
-            </a:r>
-            <a:r>
-              <a:rPr lang="de-DE" dirty="0" err="1"/>
-              <a:t>can</a:t>
-            </a:r>
-            <a:r>
-              <a:rPr lang="de-DE" dirty="0"/>
-              <a:t> </a:t>
-            </a:r>
-            <a:r>
-              <a:rPr lang="de-DE" dirty="0" err="1"/>
-              <a:t>be</a:t>
-            </a:r>
-            <a:r>
-              <a:rPr lang="de-DE" dirty="0"/>
-              <a:t> </a:t>
-            </a:r>
-            <a:r>
-              <a:rPr lang="de-DE" dirty="0" err="1"/>
-              <a:t>used</a:t>
-            </a:r>
-            <a:r>
-              <a:rPr lang="de-DE" dirty="0"/>
-              <a:t> in </a:t>
-            </a:r>
-            <a:r>
-              <a:rPr lang="de-DE" dirty="0" err="1"/>
-              <a:t>terms</a:t>
-            </a:r>
-            <a:r>
-              <a:rPr lang="de-DE" dirty="0"/>
-              <a:t> </a:t>
-            </a:r>
-            <a:r>
-              <a:rPr lang="de-DE" dirty="0" err="1"/>
-              <a:t>of</a:t>
-            </a:r>
-            <a:r>
-              <a:rPr lang="de-DE" dirty="0"/>
-              <a:t>:</a:t>
-            </a:r>
-          </a:p>
-          <a:p>
-            <a:pPr marL="466725" lvl="1" indent="-285750">
-              <a:buFont typeface="Wingdings" pitchFamily="2" charset="2"/>
-              <a:buChar char="§"/>
-            </a:pPr>
-            <a:r>
-              <a:rPr lang="de-DE" dirty="0" err="1"/>
-              <a:t>Differences</a:t>
-            </a:r>
-            <a:r>
-              <a:rPr lang="de-DE" dirty="0"/>
-              <a:t> </a:t>
-            </a:r>
-            <a:r>
-              <a:rPr lang="de-DE" dirty="0" err="1"/>
-              <a:t>to</a:t>
-            </a:r>
-            <a:r>
-              <a:rPr lang="de-DE" dirty="0"/>
-              <a:t> </a:t>
-            </a:r>
-            <a:r>
-              <a:rPr lang="de-DE" dirty="0" err="1"/>
-              <a:t>to</a:t>
-            </a:r>
-            <a:r>
-              <a:rPr lang="de-DE" dirty="0"/>
-              <a:t> traditional relational </a:t>
-            </a:r>
-            <a:r>
-              <a:rPr lang="de-DE" dirty="0" err="1"/>
-              <a:t>databases</a:t>
-            </a:r>
-            <a:endParaRPr lang="de-DE" dirty="0"/>
-          </a:p>
-          <a:p>
-            <a:pPr marL="466725" lvl="1" indent="-285750">
-              <a:buFont typeface="Wingdings" pitchFamily="2" charset="2"/>
-              <a:buChar char="§"/>
-            </a:pPr>
-            <a:r>
-              <a:rPr lang="de-DE" dirty="0" err="1"/>
-              <a:t>Why</a:t>
-            </a:r>
-            <a:r>
-              <a:rPr lang="de-DE" dirty="0"/>
-              <a:t> time </a:t>
-            </a:r>
-            <a:r>
-              <a:rPr lang="de-DE" dirty="0" err="1"/>
-              <a:t>series</a:t>
-            </a:r>
-            <a:r>
-              <a:rPr lang="de-DE" dirty="0"/>
-              <a:t> </a:t>
-            </a:r>
-            <a:r>
-              <a:rPr lang="de-DE" dirty="0" err="1"/>
-              <a:t>databases</a:t>
-            </a:r>
-            <a:r>
-              <a:rPr lang="de-DE" dirty="0"/>
-              <a:t> </a:t>
-            </a:r>
-            <a:r>
-              <a:rPr lang="de-DE" dirty="0" err="1"/>
-              <a:t>are</a:t>
-            </a:r>
-            <a:r>
-              <a:rPr lang="de-DE" dirty="0"/>
-              <a:t> </a:t>
-            </a:r>
-            <a:r>
-              <a:rPr lang="de-DE" dirty="0" err="1"/>
-              <a:t>used</a:t>
-            </a:r>
-            <a:endParaRPr lang="de-DE" dirty="0"/>
-          </a:p>
-          <a:p>
-            <a:pPr marL="466725" lvl="1" indent="-285750">
-              <a:buFont typeface="Wingdings" pitchFamily="2" charset="2"/>
-              <a:buChar char="§"/>
-            </a:pPr>
-            <a:r>
-              <a:rPr lang="de-DE" dirty="0" err="1"/>
-              <a:t>How</a:t>
-            </a:r>
-            <a:r>
-              <a:rPr lang="de-DE" dirty="0"/>
-              <a:t> </a:t>
-            </a:r>
-            <a:r>
-              <a:rPr lang="de-DE" dirty="0" err="1"/>
-              <a:t>to</a:t>
-            </a:r>
-            <a:r>
-              <a:rPr lang="de-DE" dirty="0"/>
-              <a:t> </a:t>
-            </a:r>
-            <a:r>
-              <a:rPr lang="de-DE" dirty="0" err="1"/>
-              <a:t>build</a:t>
-            </a:r>
-            <a:r>
-              <a:rPr lang="de-DE" dirty="0"/>
-              <a:t> a </a:t>
-            </a:r>
-            <a:r>
-              <a:rPr lang="de-DE" dirty="0" err="1"/>
-              <a:t>project</a:t>
-            </a:r>
-            <a:r>
-              <a:rPr lang="de-DE" dirty="0"/>
-              <a:t> on top </a:t>
-            </a:r>
-            <a:r>
-              <a:rPr lang="de-DE" dirty="0" err="1"/>
-              <a:t>of</a:t>
-            </a:r>
-            <a:r>
-              <a:rPr lang="de-DE" dirty="0"/>
-              <a:t> </a:t>
-            </a:r>
-            <a:r>
-              <a:rPr lang="de-DE" dirty="0" err="1"/>
-              <a:t>them</a:t>
-            </a:r>
-            <a:endParaRPr lang="de-DE" dirty="0"/>
-          </a:p>
-          <a:p>
-            <a:pPr marL="466725" lvl="1" indent="-285750">
-              <a:buFont typeface="Wingdings" pitchFamily="2" charset="2"/>
-              <a:buChar char="§"/>
-            </a:pPr>
-            <a:endParaRPr lang="de-DE" dirty="0"/>
-          </a:p>
-          <a:p>
-            <a:pPr marL="285750" indent="-285750">
-              <a:buFont typeface="Arial" panose="020B0604020202020204" pitchFamily="34" charset="0"/>
-              <a:buChar char="•"/>
-            </a:pPr>
-            <a:r>
-              <a:rPr lang="de-DE" dirty="0"/>
-              <a:t>The </a:t>
-            </a:r>
-            <a:r>
-              <a:rPr lang="de-DE" dirty="0" err="1"/>
-              <a:t>project</a:t>
-            </a:r>
-            <a:r>
-              <a:rPr lang="de-DE" dirty="0"/>
-              <a:t>:</a:t>
-            </a:r>
-          </a:p>
-          <a:p>
-            <a:pPr marL="466725" lvl="1" indent="-285750">
-              <a:buFont typeface="Wingdings" pitchFamily="2" charset="2"/>
-              <a:buChar char="§"/>
-            </a:pPr>
-            <a:r>
-              <a:rPr lang="de-DE" dirty="0" err="1"/>
-              <a:t>Storing</a:t>
-            </a:r>
-            <a:r>
-              <a:rPr lang="de-DE" dirty="0"/>
-              <a:t> </a:t>
-            </a:r>
-            <a:r>
-              <a:rPr lang="de-DE" dirty="0" err="1"/>
-              <a:t>data</a:t>
-            </a:r>
-            <a:r>
-              <a:rPr lang="de-DE" dirty="0"/>
-              <a:t> in </a:t>
-            </a:r>
-            <a:r>
-              <a:rPr lang="de-DE" dirty="0" err="1"/>
-              <a:t>InfluxDB</a:t>
-            </a:r>
-            <a:endParaRPr lang="de-DE" dirty="0"/>
-          </a:p>
-          <a:p>
-            <a:pPr marL="466725" lvl="1" indent="-285750">
-              <a:buFont typeface="Wingdings" pitchFamily="2" charset="2"/>
-              <a:buChar char="§"/>
-            </a:pPr>
-            <a:r>
-              <a:rPr lang="de-DE" dirty="0" err="1"/>
-              <a:t>Visualizing</a:t>
-            </a:r>
-            <a:r>
-              <a:rPr lang="de-DE" dirty="0"/>
-              <a:t> and </a:t>
-            </a:r>
-            <a:r>
-              <a:rPr lang="de-DE" dirty="0" err="1"/>
-              <a:t>classifying</a:t>
-            </a:r>
-            <a:r>
-              <a:rPr lang="de-DE" dirty="0"/>
-              <a:t> </a:t>
-            </a:r>
-            <a:r>
-              <a:rPr lang="de-DE" dirty="0" err="1"/>
-              <a:t>the</a:t>
-            </a:r>
-            <a:r>
-              <a:rPr lang="de-DE" dirty="0"/>
-              <a:t> </a:t>
-            </a:r>
-            <a:r>
-              <a:rPr lang="de-DE" dirty="0" err="1"/>
-              <a:t>data</a:t>
-            </a:r>
-            <a:endParaRPr lang="de-DE" dirty="0"/>
-          </a:p>
-          <a:p>
-            <a:pPr marL="466725" lvl="1" indent="-285750">
-              <a:buFont typeface="Wingdings" pitchFamily="2" charset="2"/>
-              <a:buChar char="§"/>
-            </a:pPr>
-            <a:r>
-              <a:rPr lang="de-DE" dirty="0"/>
-              <a:t>Python, </a:t>
-            </a:r>
-            <a:r>
-              <a:rPr lang="de-DE" dirty="0" err="1"/>
-              <a:t>Grafana</a:t>
-            </a:r>
-            <a:r>
-              <a:rPr lang="de-DE" dirty="0"/>
-              <a:t>, InfluxDB2, Naive Bayes</a:t>
-            </a:r>
-          </a:p>
-          <a:p>
-            <a:endParaRPr lang="de-DE" dirty="0"/>
-          </a:p>
-          <a:p>
-            <a:pPr marL="466725" lvl="1" indent="-285750">
-              <a:buFont typeface="Wingdings" pitchFamily="2" charset="2"/>
-              <a:buChar char="§"/>
-            </a:pPr>
-            <a:endParaRPr lang="de-DE" dirty="0"/>
-          </a:p>
-          <a:p>
-            <a:pPr marL="466725" lvl="1" indent="-285750">
-              <a:buFontTx/>
-              <a:buChar char="-"/>
-            </a:pPr>
-            <a:endParaRPr lang="de-DE" dirty="0"/>
-          </a:p>
-          <a:p>
-            <a:pPr marL="466725" lvl="1" indent="-285750">
-              <a:buFontTx/>
-              <a:buChar char="-"/>
-            </a:pPr>
-            <a:endParaRPr lang="de-DE" dirty="0"/>
-          </a:p>
-          <a:p>
-            <a:pPr marL="466725" lvl="1" indent="-285750">
-              <a:buFontTx/>
-              <a:buChar char="-"/>
-            </a:pPr>
-            <a:endParaRPr lang="de-DE" dirty="0"/>
-          </a:p>
-          <a:p>
-            <a:endParaRPr lang="de-DE" dirty="0"/>
-          </a:p>
-        </p:txBody>
-      </p:sp>
-    </p:spTree>
-    <p:extLst>
-      <p:ext uri="{BB962C8B-B14F-4D97-AF65-F5344CB8AC3E}">
-        <p14:creationId xmlns:p14="http://schemas.microsoft.com/office/powerpoint/2010/main" val="1786495955"/>
       </p:ext>
     </p:extLst>
   </p:cSld>
